--- a/documentation/Session 1.pptx
+++ b/documentation/Session 1.pptx
@@ -866,101 +866,6 @@
             <a:noAutofit/>
           </a:bodyPr>
           <a:lstStyle/>
-          <a:p>
-            <a:pPr marL="0" lvl="0" indent="0" algn="l" rtl="0">
-              <a:spcBef>
-                <a:spcPts val="0"/>
-              </a:spcBef>
-              <a:spcAft>
-                <a:spcPts val="0"/>
-              </a:spcAft>
-              <a:buNone/>
-            </a:pPr>
-            <a:r>
-              <a:rPr lang="en-US" dirty="0" err="1"/>
-              <a:t>Questionst</a:t>
-            </a:r>
-            <a:r>
-              <a:rPr lang="en-US" dirty="0"/>
-              <a:t> to Organizers:</a:t>
-            </a:r>
-          </a:p>
-          <a:p>
-            <a:pPr marL="0" lvl="0" indent="0" algn="l" rtl="0">
-              <a:spcBef>
-                <a:spcPts val="0"/>
-              </a:spcBef>
-              <a:spcAft>
-                <a:spcPts val="0"/>
-              </a:spcAft>
-              <a:buNone/>
-            </a:pPr>
-            <a:endParaRPr lang="en-US" dirty="0"/>
-          </a:p>
-          <a:p>
-            <a:pPr marL="171450" lvl="0" indent="-171450" algn="l" rtl="0">
-              <a:spcBef>
-                <a:spcPts val="0"/>
-              </a:spcBef>
-              <a:spcAft>
-                <a:spcPts val="0"/>
-              </a:spcAft>
-              <a:buFontTx/>
-              <a:buChar char="-"/>
-            </a:pPr>
-            <a:r>
-              <a:rPr lang="en-US" dirty="0"/>
-              <a:t>Make sure I am host</a:t>
-            </a:r>
-          </a:p>
-          <a:p>
-            <a:pPr marL="171450" lvl="0" indent="-171450" algn="l" rtl="0">
-              <a:spcBef>
-                <a:spcPts val="0"/>
-              </a:spcBef>
-              <a:spcAft>
-                <a:spcPts val="0"/>
-              </a:spcAft>
-              <a:buFontTx/>
-              <a:buChar char="-"/>
-            </a:pPr>
-            <a:r>
-              <a:rPr lang="en-US" dirty="0"/>
-              <a:t>Make sure we have a second host</a:t>
-            </a:r>
-          </a:p>
-          <a:p>
-            <a:pPr marL="171450" lvl="0" indent="-171450" algn="l" rtl="0">
-              <a:spcBef>
-                <a:spcPts val="0"/>
-              </a:spcBef>
-              <a:spcAft>
-                <a:spcPts val="0"/>
-              </a:spcAft>
-              <a:buFontTx/>
-              <a:buChar char="-"/>
-            </a:pPr>
-            <a:r>
-              <a:rPr lang="en-US" dirty="0"/>
-              <a:t>How many participants</a:t>
-            </a:r>
-          </a:p>
-          <a:p>
-            <a:pPr marL="171450" lvl="0" indent="-171450" algn="l" rtl="0">
-              <a:spcBef>
-                <a:spcPts val="0"/>
-              </a:spcBef>
-              <a:spcAft>
-                <a:spcPts val="0"/>
-              </a:spcAft>
-              <a:buFontTx/>
-              <a:buChar char="-"/>
-            </a:pPr>
-            <a:r>
-              <a:rPr lang="en-US" dirty="0"/>
-              <a:t>No programming</a:t>
-            </a:r>
-          </a:p>
           <a:p>
             <a:pPr marL="171450" lvl="0" indent="-171450" algn="l" rtl="0">
               <a:spcBef>
@@ -12117,11 +12022,11 @@
   <p:clrMapOvr>
     <a:masterClrMapping/>
   </p:clrMapOvr>
-  <mc:AlternateContent xmlns:mc="http://schemas.openxmlformats.org/markup-compatibility/2006">
-    <mc:Choice xmlns:p14="http://schemas.microsoft.com/office/powerpoint/2010/main" Requires="p14">
+  <mc:AlternateContent xmlns:mc="http://schemas.openxmlformats.org/markup-compatibility/2006" xmlns:p14="http://schemas.microsoft.com/office/powerpoint/2010/main">
+    <mc:Choice Requires="p14">
       <p:transition p14:dur="10" advClick="0"/>
     </mc:Choice>
-    <mc:Fallback>
+    <mc:Fallback xmlns="">
       <p:transition advClick="0"/>
     </mc:Fallback>
   </mc:AlternateContent>
@@ -14064,11 +13969,11 @@
   <p:clrMapOvr>
     <a:masterClrMapping/>
   </p:clrMapOvr>
-  <mc:AlternateContent xmlns:mc="http://schemas.openxmlformats.org/markup-compatibility/2006">
-    <mc:Choice xmlns:p14="http://schemas.microsoft.com/office/powerpoint/2010/main" Requires="p14">
+  <mc:AlternateContent xmlns:mc="http://schemas.openxmlformats.org/markup-compatibility/2006" xmlns:p14="http://schemas.microsoft.com/office/powerpoint/2010/main">
+    <mc:Choice Requires="p14">
       <p:transition p14:dur="10"/>
     </mc:Choice>
-    <mc:Fallback>
+    <mc:Fallback xmlns="">
       <p:transition/>
     </mc:Fallback>
   </mc:AlternateContent>
@@ -15959,11 +15864,11 @@
   <p:clrMapOvr>
     <a:masterClrMapping/>
   </p:clrMapOvr>
-  <mc:AlternateContent xmlns:mc="http://schemas.openxmlformats.org/markup-compatibility/2006">
-    <mc:Choice xmlns:p14="http://schemas.microsoft.com/office/powerpoint/2010/main" Requires="p14">
+  <mc:AlternateContent xmlns:mc="http://schemas.openxmlformats.org/markup-compatibility/2006" xmlns:p14="http://schemas.microsoft.com/office/powerpoint/2010/main">
+    <mc:Choice Requires="p14">
       <p:transition p14:dur="10" advClick="0"/>
     </mc:Choice>
-    <mc:Fallback>
+    <mc:Fallback xmlns="">
       <p:transition advClick="0"/>
     </mc:Fallback>
   </mc:AlternateContent>
@@ -17972,11 +17877,11 @@
   <p:clrMapOvr>
     <a:masterClrMapping/>
   </p:clrMapOvr>
-  <mc:AlternateContent xmlns:mc="http://schemas.openxmlformats.org/markup-compatibility/2006">
-    <mc:Choice xmlns:p14="http://schemas.microsoft.com/office/powerpoint/2010/main" Requires="p14">
+  <mc:AlternateContent xmlns:mc="http://schemas.openxmlformats.org/markup-compatibility/2006" xmlns:p14="http://schemas.microsoft.com/office/powerpoint/2010/main">
+    <mc:Choice Requires="p14">
       <p:transition p14:dur="10"/>
     </mc:Choice>
-    <mc:Fallback>
+    <mc:Fallback xmlns="">
       <p:transition/>
     </mc:Fallback>
   </mc:AlternateContent>
@@ -19884,11 +19789,11 @@
   <p:clrMapOvr>
     <a:masterClrMapping/>
   </p:clrMapOvr>
-  <mc:AlternateContent xmlns:mc="http://schemas.openxmlformats.org/markup-compatibility/2006">
-    <mc:Choice xmlns:p14="http://schemas.microsoft.com/office/powerpoint/2010/main" Requires="p14">
+  <mc:AlternateContent xmlns:mc="http://schemas.openxmlformats.org/markup-compatibility/2006" xmlns:p14="http://schemas.microsoft.com/office/powerpoint/2010/main">
+    <mc:Choice Requires="p14">
       <p:transition p14:dur="0" advClick="0"/>
     </mc:Choice>
-    <mc:Fallback>
+    <mc:Fallback xmlns="">
       <p:transition advClick="0"/>
     </mc:Fallback>
   </mc:AlternateContent>
@@ -21560,11 +21465,11 @@
   <p:clrMapOvr>
     <a:masterClrMapping/>
   </p:clrMapOvr>
-  <mc:AlternateContent xmlns:mc="http://schemas.openxmlformats.org/markup-compatibility/2006">
-    <mc:Choice xmlns:p14="http://schemas.microsoft.com/office/powerpoint/2010/main" Requires="p14">
+  <mc:AlternateContent xmlns:mc="http://schemas.openxmlformats.org/markup-compatibility/2006" xmlns:p14="http://schemas.microsoft.com/office/powerpoint/2010/main">
+    <mc:Choice Requires="p14">
       <p:transition p14:dur="10"/>
     </mc:Choice>
-    <mc:Fallback>
+    <mc:Fallback xmlns="">
       <p:transition/>
     </mc:Fallback>
   </mc:AlternateContent>
@@ -22154,11 +22059,11 @@
   <p:clrMapOvr>
     <a:masterClrMapping/>
   </p:clrMapOvr>
-  <mc:AlternateContent xmlns:mc="http://schemas.openxmlformats.org/markup-compatibility/2006">
-    <mc:Choice xmlns:p14="http://schemas.microsoft.com/office/powerpoint/2010/main" Requires="p14">
+  <mc:AlternateContent xmlns:mc="http://schemas.openxmlformats.org/markup-compatibility/2006" xmlns:p14="http://schemas.microsoft.com/office/powerpoint/2010/main">
+    <mc:Choice Requires="p14">
       <p:transition p14:dur="10"/>
     </mc:Choice>
-    <mc:Fallback>
+    <mc:Fallback xmlns="">
       <p:transition/>
     </mc:Fallback>
   </mc:AlternateContent>
@@ -23854,11 +23759,11 @@
   <p:clrMapOvr>
     <a:masterClrMapping/>
   </p:clrMapOvr>
-  <mc:AlternateContent xmlns:mc="http://schemas.openxmlformats.org/markup-compatibility/2006">
-    <mc:Choice xmlns:p14="http://schemas.microsoft.com/office/powerpoint/2010/main" Requires="p14">
+  <mc:AlternateContent xmlns:mc="http://schemas.openxmlformats.org/markup-compatibility/2006" xmlns:p14="http://schemas.microsoft.com/office/powerpoint/2010/main">
+    <mc:Choice Requires="p14">
       <p:transition p14:dur="0" advClick="0"/>
     </mc:Choice>
-    <mc:Fallback>
+    <mc:Fallback xmlns="">
       <p:transition advClick="0"/>
     </mc:Fallback>
   </mc:AlternateContent>
@@ -28391,11 +28296,11 @@
   <p:clrMapOvr>
     <a:masterClrMapping/>
   </p:clrMapOvr>
-  <mc:AlternateContent xmlns:mc="http://schemas.openxmlformats.org/markup-compatibility/2006">
-    <mc:Choice xmlns:p14="http://schemas.microsoft.com/office/powerpoint/2010/main" Requires="p14">
+  <mc:AlternateContent xmlns:mc="http://schemas.openxmlformats.org/markup-compatibility/2006" xmlns:p14="http://schemas.microsoft.com/office/powerpoint/2010/main">
+    <mc:Choice Requires="p14">
       <p:transition p14:dur="10"/>
     </mc:Choice>
-    <mc:Fallback>
+    <mc:Fallback xmlns="">
       <p:transition/>
     </mc:Fallback>
   </mc:AlternateContent>

--- a/documentation/Session 1.pptx
+++ b/documentation/Session 1.pptx
@@ -5,7 +5,7 @@
     <p:sldMasterId id="2147483659" r:id="rId1"/>
   </p:sldMasterIdLst>
   <p:notesMasterIdLst>
-    <p:notesMasterId r:id="rId28"/>
+    <p:notesMasterId r:id="rId29"/>
   </p:notesMasterIdLst>
   <p:sldIdLst>
     <p:sldId id="256" r:id="rId2"/>
@@ -13,27 +13,28 @@
     <p:sldId id="603" r:id="rId4"/>
     <p:sldId id="606" r:id="rId5"/>
     <p:sldId id="604" r:id="rId6"/>
-    <p:sldId id="607" r:id="rId7"/>
-    <p:sldId id="608" r:id="rId8"/>
-    <p:sldId id="610" r:id="rId9"/>
-    <p:sldId id="611" r:id="rId10"/>
-    <p:sldId id="609" r:id="rId11"/>
-    <p:sldId id="612" r:id="rId12"/>
-    <p:sldId id="613" r:id="rId13"/>
-    <p:sldId id="614" r:id="rId14"/>
-    <p:sldId id="616" r:id="rId15"/>
-    <p:sldId id="618" r:id="rId16"/>
-    <p:sldId id="619" r:id="rId17"/>
-    <p:sldId id="615" r:id="rId18"/>
-    <p:sldId id="621" r:id="rId19"/>
-    <p:sldId id="622" r:id="rId20"/>
-    <p:sldId id="627" r:id="rId21"/>
-    <p:sldId id="620" r:id="rId22"/>
-    <p:sldId id="623" r:id="rId23"/>
-    <p:sldId id="628" r:id="rId24"/>
-    <p:sldId id="629" r:id="rId25"/>
-    <p:sldId id="631" r:id="rId26"/>
-    <p:sldId id="594" r:id="rId27"/>
+    <p:sldId id="632" r:id="rId7"/>
+    <p:sldId id="633" r:id="rId8"/>
+    <p:sldId id="608" r:id="rId9"/>
+    <p:sldId id="610" r:id="rId10"/>
+    <p:sldId id="611" r:id="rId11"/>
+    <p:sldId id="609" r:id="rId12"/>
+    <p:sldId id="612" r:id="rId13"/>
+    <p:sldId id="613" r:id="rId14"/>
+    <p:sldId id="614" r:id="rId15"/>
+    <p:sldId id="616" r:id="rId16"/>
+    <p:sldId id="618" r:id="rId17"/>
+    <p:sldId id="619" r:id="rId18"/>
+    <p:sldId id="615" r:id="rId19"/>
+    <p:sldId id="621" r:id="rId20"/>
+    <p:sldId id="622" r:id="rId21"/>
+    <p:sldId id="627" r:id="rId22"/>
+    <p:sldId id="620" r:id="rId23"/>
+    <p:sldId id="623" r:id="rId24"/>
+    <p:sldId id="628" r:id="rId25"/>
+    <p:sldId id="629" r:id="rId26"/>
+    <p:sldId id="631" r:id="rId27"/>
+    <p:sldId id="594" r:id="rId28"/>
   </p:sldIdLst>
   <p:sldSz cx="9144000" cy="5143500" type="screen16x9"/>
   <p:notesSz cx="6858000" cy="9144000"/>
@@ -280,11 +281,12 @@
             <p14:sldId id="603"/>
             <p14:sldId id="606"/>
             <p14:sldId id="604"/>
+            <p14:sldId id="632"/>
+            <p14:sldId id="633"/>
           </p14:sldIdLst>
         </p14:section>
         <p14:section name="Part 1: Our Example Problem" id="{F0D5761E-F1CC-4E68-8440-60C14690A31F}">
           <p14:sldIdLst>
-            <p14:sldId id="607"/>
             <p14:sldId id="608"/>
             <p14:sldId id="610"/>
             <p14:sldId id="611"/>
@@ -983,7 +985,7 @@
             </a:pPr>
             <a:r>
               <a:rPr lang="en-US" dirty="0"/>
-              <a:t>Once you start your project, you should also set up a source code repository. There are quite a lot of best practices, tools and processes related to a software project. The slide names a few. They also apply to machine learning projects. </a:t>
+              <a:t>Unless you have a project that is already tied to a data source, you will have to find good data yourself. Even if you have good data sources, you often can complement them with other data.</a:t>
             </a:r>
           </a:p>
           <a:p>
@@ -1010,7 +1012,7 @@
             </a:pPr>
             <a:r>
               <a:rPr lang="en-US" dirty="0"/>
-              <a:t>This may be a good point to look over the repository of the example project. It showcases one possible setup for a machine learning project. You don’t know all of the content yet, but you can do what you should always do with a project on first glance: look over the Readme file. Try to understand the project scope and it’s folder structure. </a:t>
+              <a:t>Before you start the search, you should think about and note down your requirements. These should generally be based on what information should be contained in the dataset and which resolution / quantity it should exhibit. At this stage it is not important for the data to be in the right format. You will do Data analysis and processing anyway. </a:t>
             </a:r>
           </a:p>
           <a:p>
@@ -1026,27 +1028,110 @@
             <a:endParaRPr lang="en-US" dirty="0"/>
           </a:p>
           <a:p>
-            <a:pPr marL="0" lvl="0" indent="0" algn="l" rtl="0">
+            <a:pPr marL="0" marR="0" lvl="0" indent="0" algn="l" defTabSz="914400" rtl="0" eaLnBrk="1" fontAlgn="auto" latinLnBrk="0" hangingPunct="1">
+              <a:lnSpc>
+                <a:spcPct val="100000"/>
+              </a:lnSpc>
               <a:spcBef>
                 <a:spcPts val="0"/>
               </a:spcBef>
               <a:spcAft>
                 <a:spcPts val="0"/>
               </a:spcAft>
-              <a:buNone/>
+              <a:buClr>
+                <a:srgbClr val="000000"/>
+              </a:buClr>
+              <a:buSzPts val="1100"/>
+              <a:buFont typeface="Arial"/>
+              <a:buNone/>
+              <a:tabLst/>
+              <a:defRPr/>
             </a:pPr>
             <a:r>
               <a:rPr lang="en-US" dirty="0"/>
-              <a:t>Just as with normal Python projects, there are different ideas on how to set up a project in a clean way (e.g., whether code should be in a dedicated source folder). Generally, you should find a good practice for you and your team and stick to it. We will go through more parts of the project as they become relevant to what we are talking about.</a:t>
+              <a:t>After you have defined your criteria, it is time to search. It is a good idea to keep track of all datasets you have seen before in a table evaluating your requirements. This gives you an overview later.  It can be a good idea to also include datasets that don’t fulfill all requirements. On the one hand, this means you can avoid looking at the same dataset twice (more likely to happen if there are a lot of datasets or multiple team members doing the each). On the other hand, you could end up in a situation in which you need to synthesize two datasets and merge them. It’s good to know your options early.</a:t>
             </a:r>
-            <a:endParaRPr dirty="0"/>
+          </a:p>
+          <a:p>
+            <a:pPr marL="0" marR="0" lvl="0" indent="0" algn="l" defTabSz="914400" rtl="0" eaLnBrk="1" fontAlgn="auto" latinLnBrk="0" hangingPunct="1">
+              <a:lnSpc>
+                <a:spcPct val="100000"/>
+              </a:lnSpc>
+              <a:spcBef>
+                <a:spcPts val="0"/>
+              </a:spcBef>
+              <a:spcAft>
+                <a:spcPts val="0"/>
+              </a:spcAft>
+              <a:buClr>
+                <a:srgbClr val="000000"/>
+              </a:buClr>
+              <a:buSzPts val="1100"/>
+              <a:buFont typeface="Arial"/>
+              <a:buNone/>
+              <a:tabLst/>
+              <a:defRPr/>
+            </a:pPr>
+            <a:endParaRPr lang="en-US" dirty="0"/>
+          </a:p>
+          <a:p>
+            <a:pPr marL="0" marR="0" lvl="0" indent="0" algn="l" defTabSz="914400" rtl="0" eaLnBrk="1" fontAlgn="auto" latinLnBrk="0" hangingPunct="1">
+              <a:lnSpc>
+                <a:spcPct val="100000"/>
+              </a:lnSpc>
+              <a:spcBef>
+                <a:spcPts val="0"/>
+              </a:spcBef>
+              <a:spcAft>
+                <a:spcPts val="0"/>
+              </a:spcAft>
+              <a:buClr>
+                <a:srgbClr val="000000"/>
+              </a:buClr>
+              <a:buSzPts val="1100"/>
+              <a:buFont typeface="Arial"/>
+              <a:buNone/>
+              <a:tabLst/>
+              <a:defRPr/>
+            </a:pPr>
+            <a:r>
+              <a:rPr lang="en-US" dirty="0"/>
+              <a:t>Extracting the criteria may require some more detailed analysis. Don’t be afraid to already load them into a notebook and play around with them if you can’t find all details on their website. </a:t>
+            </a:r>
+          </a:p>
+          <a:p>
+            <a:pPr marL="0" lvl="0" indent="0" algn="l" rtl="0">
+              <a:spcBef>
+                <a:spcPts val="0"/>
+              </a:spcBef>
+              <a:spcAft>
+                <a:spcPts val="0"/>
+              </a:spcAft>
+              <a:buNone/>
+            </a:pPr>
+            <a:endParaRPr lang="en-US" dirty="0"/>
+          </a:p>
+          <a:p>
+            <a:pPr marL="0" lvl="0" indent="0" algn="l" rtl="0">
+              <a:spcBef>
+                <a:spcPts val="0"/>
+              </a:spcBef>
+              <a:spcAft>
+                <a:spcPts val="0"/>
+              </a:spcAft>
+              <a:buNone/>
+            </a:pPr>
+            <a:r>
+              <a:rPr lang="en-US" dirty="0"/>
+              <a:t>After collecting datasets, you apply your criteria and select the best one / best ones. You should reflect on your choice. Is it perfect? Do you see weaknesses that you need to keep an eye on and are there possible solutions that you could try?</a:t>
+            </a:r>
           </a:p>
         </p:txBody>
       </p:sp>
     </p:spTree>
     <p:extLst>
       <p:ext uri="{BB962C8B-B14F-4D97-AF65-F5344CB8AC3E}">
-        <p14:creationId xmlns:p14="http://schemas.microsoft.com/office/powerpoint/2010/main" val="2957116097"/>
+        <p14:creationId xmlns:p14="http://schemas.microsoft.com/office/powerpoint/2010/main" val="3563977621"/>
       </p:ext>
     </p:extLst>
   </p:cSld>
@@ -1150,7 +1235,7 @@
             </a:pPr>
             <a:r>
               <a:rPr lang="en-US" dirty="0"/>
-              <a:t>One particularity of the Data Science / Machine Learning community is that they love their notebooks. This is not a coincidence. Python notebooks are extremely useful. </a:t>
+              <a:t>Once you start your project, you should also set up a source code repository. There are quite a lot of best practices, tools and processes related to a software project. The slide names a few. They also apply to machine learning projects. </a:t>
             </a:r>
           </a:p>
           <a:p>
@@ -1177,8 +1262,20 @@
             </a:pPr>
             <a:r>
               <a:rPr lang="en-US" dirty="0"/>
-              <a:t>In short, a notebook is an environment with cells containing code that can be executed. This is not dissimilar to the REPL mode of Python, where you enter commands and see the results. However, it is more sophisticated. It can execute whole blocks of code rather than single lines. And it can show complex output, like graphs, instead of just strings. This makes it very useful for data science, where you can get your graphs in the same document as your source code. </a:t>
+              <a:t>This may be a good point to look over the repository of the example project. It showcases one possible setup for a machine learning project. You don’t know all of the content yet, but you can do what you should always do with a project on first glance: look over the Readme file. Try to understand the project scope and it’s folder structure. </a:t>
             </a:r>
+          </a:p>
+          <a:p>
+            <a:pPr marL="0" lvl="0" indent="0" algn="l" rtl="0">
+              <a:spcBef>
+                <a:spcPts val="0"/>
+              </a:spcBef>
+              <a:spcAft>
+                <a:spcPts val="0"/>
+              </a:spcAft>
+              <a:buNone/>
+            </a:pPr>
+            <a:endParaRPr lang="en-US" dirty="0"/>
           </a:p>
           <a:p>
             <a:pPr marL="0" lvl="0" indent="0" algn="l" rtl="0">
@@ -1192,129 +1289,16 @@
             </a:pPr>
             <a:r>
               <a:rPr lang="en-US" dirty="0"/>
-              <a:t>Notebooks can also be annotated extensively with Markdown text to write sophisticated texts with tables and figures, if you need to. </a:t>
+              <a:t>Just as with normal Python projects, there are different ideas on how to set up a project in a clean way (e.g., whether code should be in a dedicated source folder). Generally, you should find a good practice for you and your team and stick to it. We will go through more parts of the project as they become relevant to what we are talking about.</a:t>
             </a:r>
-          </a:p>
-          <a:p>
-            <a:pPr marL="0" lvl="0" indent="0" algn="l" rtl="0">
-              <a:spcBef>
-                <a:spcPts val="0"/>
-              </a:spcBef>
-              <a:spcAft>
-                <a:spcPts val="0"/>
-              </a:spcAft>
-              <a:buNone/>
-            </a:pPr>
-            <a:endParaRPr lang="en-US" dirty="0"/>
-          </a:p>
-          <a:p>
-            <a:pPr marL="0" lvl="0" indent="0" algn="l" rtl="0">
-              <a:spcBef>
-                <a:spcPts val="0"/>
-              </a:spcBef>
-              <a:spcAft>
-                <a:spcPts val="0"/>
-              </a:spcAft>
-              <a:buNone/>
-            </a:pPr>
-            <a:r>
-              <a:rPr lang="en-US" dirty="0"/>
-              <a:t>When do you use notebooks? There are a few occasions where they shine:</a:t>
-            </a:r>
-          </a:p>
-          <a:p>
-            <a:pPr marL="171450" lvl="0" indent="-171450" algn="l" rtl="0">
-              <a:spcBef>
-                <a:spcPts val="0"/>
-              </a:spcBef>
-              <a:spcAft>
-                <a:spcPts val="0"/>
-              </a:spcAft>
-              <a:buFontTx/>
-              <a:buChar char="-"/>
-            </a:pPr>
-            <a:r>
-              <a:rPr lang="en-US" dirty="0"/>
-              <a:t>You can use a notebook as an experimentation environment for yourself. For example, it may make sense to keep a notebook file out of version control to just play around with things before you set them into stone and put them into your more permanent code. This can be a good way to figure things out. However, the resulting notebooks tend to be messy and hard to read / understand so it’s often not a good idea to put them into the project proper.</a:t>
-            </a:r>
-          </a:p>
-          <a:p>
-            <a:pPr marL="171450" lvl="0" indent="-171450" algn="l" rtl="0">
-              <a:spcBef>
-                <a:spcPts val="0"/>
-              </a:spcBef>
-              <a:spcAft>
-                <a:spcPts val="0"/>
-              </a:spcAft>
-              <a:buFontTx/>
-              <a:buChar char="-"/>
-            </a:pPr>
-            <a:r>
-              <a:rPr lang="en-US" dirty="0"/>
-              <a:t>You can use notebooks as a communication tool. This is making extensive use of their markup capabilities to essentially write an essay that is complemented with source code. Your audience may vary. Maybe you want to document a decision for your project team. Maybe you want to report a result to your customer. Or maybe you want to document an experiment for a research paper. Or maybe you want to teach a machine learning method to someone. </a:t>
-            </a:r>
-          </a:p>
-          <a:p>
-            <a:pPr marL="171450" lvl="0" indent="-171450" algn="l" rtl="0">
-              <a:spcBef>
-                <a:spcPts val="0"/>
-              </a:spcBef>
-              <a:spcAft>
-                <a:spcPts val="0"/>
-              </a:spcAft>
-              <a:buFontTx/>
-              <a:buChar char="-"/>
-            </a:pPr>
-            <a:endParaRPr lang="en-US" dirty="0"/>
-          </a:p>
-          <a:p>
-            <a:pPr marL="0" lvl="0" indent="0" algn="l" rtl="0">
-              <a:spcBef>
-                <a:spcPts val="0"/>
-              </a:spcBef>
-              <a:spcAft>
-                <a:spcPts val="0"/>
-              </a:spcAft>
-              <a:buFontTx/>
-              <a:buNone/>
-            </a:pPr>
-            <a:r>
-              <a:rPr lang="en-US" dirty="0"/>
-              <a:t>This last point is why so many online tutorials rely on notebooks. It’s an easy communication tool for teaching. It’s also why the example project contains a few more notebooks than would maybe be necessary: they are a better way to communicate certain information to you than documented source code or slides. </a:t>
-            </a:r>
-          </a:p>
-          <a:p>
-            <a:pPr marL="171450" lvl="0" indent="-171450" algn="l" rtl="0">
-              <a:spcBef>
-                <a:spcPts val="0"/>
-              </a:spcBef>
-              <a:spcAft>
-                <a:spcPts val="0"/>
-              </a:spcAft>
-              <a:buFontTx/>
-              <a:buChar char="-"/>
-            </a:pPr>
-            <a:endParaRPr lang="en-US" dirty="0"/>
-          </a:p>
-          <a:p>
-            <a:pPr marL="171450" lvl="0" indent="-171450" algn="l" rtl="0">
-              <a:spcBef>
-                <a:spcPts val="0"/>
-              </a:spcBef>
-              <a:spcAft>
-                <a:spcPts val="0"/>
-              </a:spcAft>
-              <a:buFontTx/>
-              <a:buChar char="-"/>
-            </a:pPr>
-            <a:endParaRPr lang="en-US" dirty="0"/>
+            <a:endParaRPr dirty="0"/>
           </a:p>
         </p:txBody>
       </p:sp>
     </p:spTree>
     <p:extLst>
       <p:ext uri="{BB962C8B-B14F-4D97-AF65-F5344CB8AC3E}">
-        <p14:creationId xmlns:p14="http://schemas.microsoft.com/office/powerpoint/2010/main" val="713827947"/>
+        <p14:creationId xmlns:p14="http://schemas.microsoft.com/office/powerpoint/2010/main" val="2957116097"/>
       </p:ext>
     </p:extLst>
   </p:cSld>
@@ -1418,7 +1402,7 @@
             </a:pPr>
             <a:r>
               <a:rPr lang="en-US" dirty="0"/>
-              <a:t>Setting up notebooks cleanly can be a bit tricky. Generally, what I recommend is to set up an environment in which you can easily edit and run traditional Python files as well as notebooks. This way you get a coherent programming environment for your whole project. </a:t>
+              <a:t>One particularity of the Data Science / Machine Learning community is that they love their notebooks. This is not a coincidence. Python notebooks are extremely useful. </a:t>
             </a:r>
           </a:p>
           <a:p>
@@ -1445,67 +1429,8 @@
             </a:pPr>
             <a:r>
               <a:rPr lang="en-US" dirty="0"/>
-              <a:t>One IDE that does this well is </a:t>
+              <a:t>In short, a notebook is an environment with cells containing code that can be executed. This is not dissimilar to the REPL mode of Python, where you enter commands and see the results. However, it is more sophisticated. It can execute whole blocks of code rather than single lines. And it can show complex output, like graphs, instead of just strings. This makes it very useful for data science, where you can get your graphs in the same document as your source code. </a:t>
             </a:r>
-            <a:r>
-              <a:rPr lang="en-US" dirty="0" err="1"/>
-              <a:t>VSCode</a:t>
-            </a:r>
-            <a:r>
-              <a:rPr lang="en-US" dirty="0"/>
-              <a:t>. It has plugins for Python files and Jupiter notebook and can be made to use the same Python environment for both. Essentially, you can create a virtual environment, install all of your libraries in it and then use it for both your normal python and your notebook executions and always be certain to use the correct versions of your libraries. </a:t>
-            </a:r>
-          </a:p>
-          <a:p>
-            <a:pPr marL="0" lvl="0" indent="0" algn="l" rtl="0">
-              <a:spcBef>
-                <a:spcPts val="0"/>
-              </a:spcBef>
-              <a:spcAft>
-                <a:spcPts val="0"/>
-              </a:spcAft>
-              <a:buNone/>
-            </a:pPr>
-            <a:endParaRPr lang="en-US" dirty="0"/>
-          </a:p>
-          <a:p>
-            <a:pPr marL="0" lvl="0" indent="0" algn="l" rtl="0">
-              <a:spcBef>
-                <a:spcPts val="0"/>
-              </a:spcBef>
-              <a:spcAft>
-                <a:spcPts val="0"/>
-              </a:spcAft>
-              <a:buNone/>
-            </a:pPr>
-            <a:r>
-              <a:rPr lang="en-US" dirty="0" err="1"/>
-              <a:t>Deepnote</a:t>
-            </a:r>
-            <a:r>
-              <a:rPr lang="en-US" dirty="0"/>
-              <a:t> is a good online alternative to </a:t>
-            </a:r>
-            <a:r>
-              <a:rPr lang="en-US" dirty="0" err="1"/>
-              <a:t>VSCode</a:t>
-            </a:r>
-            <a:r>
-              <a:rPr lang="en-US" dirty="0"/>
-              <a:t>. This is an online environment that lets you edit and execute Python files and Jupiter notebooks. It comes with a generous teaching plan that gives you access to a cloud server that should be sufficient for small-scale machine learning projects. </a:t>
-            </a:r>
-          </a:p>
-          <a:p>
-            <a:pPr marL="0" lvl="0" indent="0" algn="l" rtl="0">
-              <a:spcBef>
-                <a:spcPts val="0"/>
-              </a:spcBef>
-              <a:spcAft>
-                <a:spcPts val="0"/>
-              </a:spcAft>
-              <a:buNone/>
-            </a:pPr>
-            <a:endParaRPr lang="en-US" dirty="0"/>
           </a:p>
           <a:p>
             <a:pPr marL="0" lvl="0" indent="0" algn="l" rtl="0">
@@ -1519,7 +1444,7 @@
             </a:pPr>
             <a:r>
               <a:rPr lang="en-US" dirty="0"/>
-              <a:t>When you use notebooks, you may have to do some extra work to be able to import your Python files. The default working directory of a notebook is the folder it is placed in. If your notebook is in your project root folder, this should work well. If have decided to have a different structure – maybe a dedicated notebook folder, like our example project, then you will have to work a bit. You can find example code at the beginning of each of our projects that automatically sets the working directory to the correct folder. </a:t>
+              <a:t>Notebooks can also be annotated extensively with Markdown text to write sophisticated texts with tables and figures, if you need to. </a:t>
             </a:r>
           </a:p>
           <a:p>
@@ -1546,8 +1471,53 @@
             </a:pPr>
             <a:r>
               <a:rPr lang="en-US" dirty="0"/>
-              <a:t>Notebooks also are compatible with version control now (this used to be somewhat of an issue). You can do all of your usual git operations on notebooks. The only thing you need to be aware of is that the output is also in version control. This means if you rerun the notebook it will think there is an update that could be committed. It’s easy to clutter your git repository by committing the same output of running the same cells at different times. Be mindful of that and only commit notebooks if they have intentional changes.</a:t>
+              <a:t>When do you use notebooks? There are a few occasions where they shine:</a:t>
             </a:r>
+          </a:p>
+          <a:p>
+            <a:pPr marL="171450" lvl="0" indent="-171450" algn="l" rtl="0">
+              <a:spcBef>
+                <a:spcPts val="0"/>
+              </a:spcBef>
+              <a:spcAft>
+                <a:spcPts val="0"/>
+              </a:spcAft>
+              <a:buFontTx/>
+              <a:buChar char="-"/>
+            </a:pPr>
+            <a:r>
+              <a:rPr lang="en-US" dirty="0"/>
+              <a:t>You can use a notebook as an experimentation environment for yourself. For example, it may make sense to keep a notebook file out of version control to just play around with things before you set them into stone and put them into your more permanent code. This can be a good way to figure things out. However, the resulting notebooks tend to be messy and hard to read / understand so it’s often not a good idea to put them into the project proper.</a:t>
+            </a:r>
+          </a:p>
+          <a:p>
+            <a:pPr marL="171450" lvl="0" indent="-171450" algn="l" rtl="0">
+              <a:spcBef>
+                <a:spcPts val="0"/>
+              </a:spcBef>
+              <a:spcAft>
+                <a:spcPts val="0"/>
+              </a:spcAft>
+              <a:buFontTx/>
+              <a:buChar char="-"/>
+            </a:pPr>
+            <a:r>
+              <a:rPr lang="en-US" dirty="0"/>
+              <a:t>You can use notebooks as a communication tool. This is making extensive use of their markup capabilities to essentially write an essay that is complemented with source code. Your audience may vary. Maybe you want to document a decision for your project team. Maybe you want to report a result to your customer. Or maybe you want to document an experiment for a research paper. Or maybe you want to teach a machine learning method to someone. </a:t>
+            </a:r>
+          </a:p>
+          <a:p>
+            <a:pPr marL="171450" lvl="0" indent="-171450" algn="l" rtl="0">
+              <a:spcBef>
+                <a:spcPts val="0"/>
+              </a:spcBef>
+              <a:spcAft>
+                <a:spcPts val="0"/>
+              </a:spcAft>
+              <a:buFontTx/>
+              <a:buChar char="-"/>
+            </a:pPr>
+            <a:endParaRPr lang="en-US" dirty="0"/>
           </a:p>
           <a:p>
             <a:pPr marL="0" lvl="0" indent="0" algn="l" rtl="0">
@@ -1557,19 +1527,37 @@
               <a:spcAft>
                 <a:spcPts val="0"/>
               </a:spcAft>
-              <a:buNone/>
+              <a:buFontTx/>
+              <a:buNone/>
+            </a:pPr>
+            <a:r>
+              <a:rPr lang="en-US" dirty="0"/>
+              <a:t>This last point is why so many online tutorials rely on notebooks. It’s an easy communication tool for teaching. It’s also why the example project contains a few more notebooks than would maybe be necessary: they are a better way to communicate certain information to you than documented source code or slides. </a:t>
+            </a:r>
+          </a:p>
+          <a:p>
+            <a:pPr marL="171450" lvl="0" indent="-171450" algn="l" rtl="0">
+              <a:spcBef>
+                <a:spcPts val="0"/>
+              </a:spcBef>
+              <a:spcAft>
+                <a:spcPts val="0"/>
+              </a:spcAft>
+              <a:buFontTx/>
+              <a:buChar char="-"/>
             </a:pPr>
             <a:endParaRPr lang="en-US" dirty="0"/>
           </a:p>
           <a:p>
-            <a:pPr marL="0" lvl="0" indent="0" algn="l" rtl="0">
+            <a:pPr marL="171450" lvl="0" indent="-171450" algn="l" rtl="0">
               <a:spcBef>
                 <a:spcPts val="0"/>
               </a:spcBef>
               <a:spcAft>
                 <a:spcPts val="0"/>
               </a:spcAft>
-              <a:buNone/>
+              <a:buFontTx/>
+              <a:buChar char="-"/>
             </a:pPr>
             <a:endParaRPr lang="en-US" dirty="0"/>
           </a:p>
@@ -1578,7 +1566,7 @@
     </p:spTree>
     <p:extLst>
       <p:ext uri="{BB962C8B-B14F-4D97-AF65-F5344CB8AC3E}">
-        <p14:creationId xmlns:p14="http://schemas.microsoft.com/office/powerpoint/2010/main" val="3267669026"/>
+        <p14:creationId xmlns:p14="http://schemas.microsoft.com/office/powerpoint/2010/main" val="713827947"/>
       </p:ext>
     </p:extLst>
   </p:cSld>
@@ -1680,14 +1668,169 @@
               </a:spcAft>
               <a:buNone/>
             </a:pPr>
-            <a:endParaRPr dirty="0"/>
+            <a:r>
+              <a:rPr lang="en-US" dirty="0"/>
+              <a:t>Setting up notebooks cleanly can be a bit tricky. Generally, what I recommend is to set up an environment in which you can easily edit and run traditional Python files as well as notebooks. This way you get a coherent programming environment for your whole project. </a:t>
+            </a:r>
+          </a:p>
+          <a:p>
+            <a:pPr marL="0" lvl="0" indent="0" algn="l" rtl="0">
+              <a:spcBef>
+                <a:spcPts val="0"/>
+              </a:spcBef>
+              <a:spcAft>
+                <a:spcPts val="0"/>
+              </a:spcAft>
+              <a:buNone/>
+            </a:pPr>
+            <a:endParaRPr lang="en-US" dirty="0"/>
+          </a:p>
+          <a:p>
+            <a:pPr marL="0" lvl="0" indent="0" algn="l" rtl="0">
+              <a:spcBef>
+                <a:spcPts val="0"/>
+              </a:spcBef>
+              <a:spcAft>
+                <a:spcPts val="0"/>
+              </a:spcAft>
+              <a:buNone/>
+            </a:pPr>
+            <a:r>
+              <a:rPr lang="en-US" dirty="0"/>
+              <a:t>One IDE that does this well is </a:t>
+            </a:r>
+            <a:r>
+              <a:rPr lang="en-US" dirty="0" err="1"/>
+              <a:t>VSCode</a:t>
+            </a:r>
+            <a:r>
+              <a:rPr lang="en-US" dirty="0"/>
+              <a:t>. It has plugins for Python files and Jupiter notebook and can be made to use the same Python environment for both. Essentially, you can create a virtual environment, install all of your libraries in it and then use it for both your normal python and your notebook executions and always be certain to use the correct versions of your libraries. </a:t>
+            </a:r>
+          </a:p>
+          <a:p>
+            <a:pPr marL="0" lvl="0" indent="0" algn="l" rtl="0">
+              <a:spcBef>
+                <a:spcPts val="0"/>
+              </a:spcBef>
+              <a:spcAft>
+                <a:spcPts val="0"/>
+              </a:spcAft>
+              <a:buNone/>
+            </a:pPr>
+            <a:endParaRPr lang="en-US" dirty="0"/>
+          </a:p>
+          <a:p>
+            <a:pPr marL="0" lvl="0" indent="0" algn="l" rtl="0">
+              <a:spcBef>
+                <a:spcPts val="0"/>
+              </a:spcBef>
+              <a:spcAft>
+                <a:spcPts val="0"/>
+              </a:spcAft>
+              <a:buNone/>
+            </a:pPr>
+            <a:r>
+              <a:rPr lang="en-US" dirty="0" err="1"/>
+              <a:t>Deepnote</a:t>
+            </a:r>
+            <a:r>
+              <a:rPr lang="en-US" dirty="0"/>
+              <a:t> is a good online alternative to </a:t>
+            </a:r>
+            <a:r>
+              <a:rPr lang="en-US" dirty="0" err="1"/>
+              <a:t>VSCode</a:t>
+            </a:r>
+            <a:r>
+              <a:rPr lang="en-US" dirty="0"/>
+              <a:t>. This is an online environment that lets you edit and execute Python files and Jupiter notebooks. It comes with a generous teaching plan that gives you access to a cloud server that should be sufficient for small-scale machine learning projects. </a:t>
+            </a:r>
+          </a:p>
+          <a:p>
+            <a:pPr marL="0" lvl="0" indent="0" algn="l" rtl="0">
+              <a:spcBef>
+                <a:spcPts val="0"/>
+              </a:spcBef>
+              <a:spcAft>
+                <a:spcPts val="0"/>
+              </a:spcAft>
+              <a:buNone/>
+            </a:pPr>
+            <a:endParaRPr lang="en-US" dirty="0"/>
+          </a:p>
+          <a:p>
+            <a:pPr marL="0" lvl="0" indent="0" algn="l" rtl="0">
+              <a:spcBef>
+                <a:spcPts val="0"/>
+              </a:spcBef>
+              <a:spcAft>
+                <a:spcPts val="0"/>
+              </a:spcAft>
+              <a:buNone/>
+            </a:pPr>
+            <a:r>
+              <a:rPr lang="en-US" dirty="0"/>
+              <a:t>When you use notebooks, you may have to do some extra work to be able to import your Python files. The default working directory of a notebook is the folder it is placed in. If your notebook is in your project root folder, this should work well. If have decided to have a different structure – maybe a dedicated notebook folder, like our example project, then you will have to work a bit. You can find example code at the beginning of each of our projects that automatically sets the working directory to the correct folder. </a:t>
+            </a:r>
+          </a:p>
+          <a:p>
+            <a:pPr marL="0" lvl="0" indent="0" algn="l" rtl="0">
+              <a:spcBef>
+                <a:spcPts val="0"/>
+              </a:spcBef>
+              <a:spcAft>
+                <a:spcPts val="0"/>
+              </a:spcAft>
+              <a:buNone/>
+            </a:pPr>
+            <a:endParaRPr lang="en-US" dirty="0"/>
+          </a:p>
+          <a:p>
+            <a:pPr marL="0" lvl="0" indent="0" algn="l" rtl="0">
+              <a:spcBef>
+                <a:spcPts val="0"/>
+              </a:spcBef>
+              <a:spcAft>
+                <a:spcPts val="0"/>
+              </a:spcAft>
+              <a:buNone/>
+            </a:pPr>
+            <a:r>
+              <a:rPr lang="en-US" dirty="0"/>
+              <a:t>Notebooks also are compatible with version control now (this used to be somewhat of an issue). You can do all of your usual git operations on notebooks. The only thing you need to be aware of is that the output is also in version control. This means if you rerun the notebook it will think there is an update that could be committed. It’s easy to clutter your git repository by committing the same output of running the same cells at different times. Be mindful of that and only commit notebooks if they have intentional changes.</a:t>
+            </a:r>
+          </a:p>
+          <a:p>
+            <a:pPr marL="0" lvl="0" indent="0" algn="l" rtl="0">
+              <a:spcBef>
+                <a:spcPts val="0"/>
+              </a:spcBef>
+              <a:spcAft>
+                <a:spcPts val="0"/>
+              </a:spcAft>
+              <a:buNone/>
+            </a:pPr>
+            <a:endParaRPr lang="en-US" dirty="0"/>
+          </a:p>
+          <a:p>
+            <a:pPr marL="0" lvl="0" indent="0" algn="l" rtl="0">
+              <a:spcBef>
+                <a:spcPts val="0"/>
+              </a:spcBef>
+              <a:spcAft>
+                <a:spcPts val="0"/>
+              </a:spcAft>
+              <a:buNone/>
+            </a:pPr>
+            <a:endParaRPr lang="en-US" dirty="0"/>
           </a:p>
         </p:txBody>
       </p:sp>
     </p:spTree>
     <p:extLst>
       <p:ext uri="{BB962C8B-B14F-4D97-AF65-F5344CB8AC3E}">
-        <p14:creationId xmlns:p14="http://schemas.microsoft.com/office/powerpoint/2010/main" val="3157407863"/>
+        <p14:creationId xmlns:p14="http://schemas.microsoft.com/office/powerpoint/2010/main" val="3267669026"/>
       </p:ext>
     </p:extLst>
   </p:cSld>
@@ -1789,80 +1932,14 @@
               </a:spcAft>
               <a:buNone/>
             </a:pPr>
-            <a:r>
-              <a:rPr lang="en-US" dirty="0"/>
-              <a:t>After selecting your dataset, the next step is exploring it. Your goal here is to understand your data and its structure, properties and quality. This will give you some points that will need addressing during data processing or that may have an influence on the machine learning.</a:t>
-            </a:r>
-          </a:p>
-          <a:p>
-            <a:pPr marL="0" lvl="0" indent="0" algn="l" rtl="0">
-              <a:spcBef>
-                <a:spcPts val="0"/>
-              </a:spcBef>
-              <a:spcAft>
-                <a:spcPts val="0"/>
-              </a:spcAft>
-              <a:buNone/>
-            </a:pPr>
-            <a:endParaRPr lang="en-US" dirty="0"/>
-          </a:p>
-          <a:p>
-            <a:pPr marL="0" lvl="0" indent="0" algn="l" rtl="0">
-              <a:spcBef>
-                <a:spcPts val="0"/>
-              </a:spcBef>
-              <a:spcAft>
-                <a:spcPts val="0"/>
-              </a:spcAft>
-              <a:buNone/>
-            </a:pPr>
-            <a:r>
-              <a:rPr lang="en-US" dirty="0"/>
-              <a:t>The “How” depends on your data. This is essentially Data Science and will depend a lot on which domain you are working with.</a:t>
-            </a:r>
-          </a:p>
-          <a:p>
-            <a:pPr marL="0" lvl="0" indent="0" algn="l" rtl="0">
-              <a:spcBef>
-                <a:spcPts val="0"/>
-              </a:spcBef>
-              <a:spcAft>
-                <a:spcPts val="0"/>
-              </a:spcAft>
-              <a:buNone/>
-            </a:pPr>
-            <a:endParaRPr lang="en-US" dirty="0"/>
-          </a:p>
-          <a:p>
-            <a:pPr marL="0" lvl="0" indent="0" algn="l" rtl="0">
-              <a:spcBef>
-                <a:spcPts val="0"/>
-              </a:spcBef>
-              <a:spcAft>
-                <a:spcPts val="0"/>
-              </a:spcAft>
-              <a:buNone/>
-            </a:pPr>
-            <a:r>
-              <a:rPr lang="en-US" dirty="0"/>
-              <a:t>In our example, we have images and a very simple tabular dataset. To see how we explored this dataset, please refer to </a:t>
-            </a:r>
-            <a:r>
-              <a:rPr lang="en-US" i="1" dirty="0" err="1"/>
-              <a:t>data_exploration.ipynb</a:t>
-            </a:r>
-            <a:r>
-              <a:rPr lang="en-US" i="1" dirty="0"/>
-              <a:t>.</a:t>
-            </a:r>
-            <a:endParaRPr i="1" dirty="0"/>
+            <a:endParaRPr dirty="0"/>
           </a:p>
         </p:txBody>
       </p:sp>
     </p:spTree>
     <p:extLst>
       <p:ext uri="{BB962C8B-B14F-4D97-AF65-F5344CB8AC3E}">
-        <p14:creationId xmlns:p14="http://schemas.microsoft.com/office/powerpoint/2010/main" val="880794114"/>
+        <p14:creationId xmlns:p14="http://schemas.microsoft.com/office/powerpoint/2010/main" val="3157407863"/>
       </p:ext>
     </p:extLst>
   </p:cSld>
@@ -1966,7 +2043,7 @@
             </a:pPr>
             <a:r>
               <a:rPr lang="en-US" dirty="0"/>
-              <a:t>Now that we’ve looked into our first notebook, let’s talk a bit about how to write a good notebook.</a:t>
+              <a:t>After selecting your dataset, the next step is exploring it. Your goal here is to understand your data and its structure, properties and quality. This will give you some points that will need addressing during data processing or that may have an influence on the machine learning.</a:t>
             </a:r>
           </a:p>
           <a:p>
@@ -1993,7 +2070,7 @@
             </a:pPr>
             <a:r>
               <a:rPr lang="en-US" dirty="0"/>
-              <a:t>This refers to the second use case for a notebook, where you try to communicate something to an audience. Essentially, you should regard your notebook as an essay or text. You should state the purpose and goals of the notebook clearly in the beginning and circle back to them by the end. The source code in this type notebook is there to support your text – by producing results or providing mini-experiments the reader can carry out.  Remember that you write for an audience. Make sure that you’re writing in a way they can understand.</a:t>
+              <a:t>The “How” depends on your data. This is essentially Data Science and will depend a lot on which domain you are working with.</a:t>
             </a:r>
           </a:p>
           <a:p>
@@ -2018,14 +2095,26 @@
               </a:spcAft>
               <a:buNone/>
             </a:pPr>
-            <a:endParaRPr dirty="0"/>
+            <a:r>
+              <a:rPr lang="en-US" dirty="0"/>
+              <a:t>In our example, we have images and a very simple tabular dataset. To see how we explored this dataset, please refer to </a:t>
+            </a:r>
+            <a:r>
+              <a:rPr lang="en-US" i="1" dirty="0" err="1"/>
+              <a:t>data_exploration.ipynb</a:t>
+            </a:r>
+            <a:r>
+              <a:rPr lang="en-US" i="1" dirty="0"/>
+              <a:t>.</a:t>
+            </a:r>
+            <a:endParaRPr i="1" dirty="0"/>
           </a:p>
         </p:txBody>
       </p:sp>
     </p:spTree>
     <p:extLst>
       <p:ext uri="{BB962C8B-B14F-4D97-AF65-F5344CB8AC3E}">
-        <p14:creationId xmlns:p14="http://schemas.microsoft.com/office/powerpoint/2010/main" val="152809375"/>
+        <p14:creationId xmlns:p14="http://schemas.microsoft.com/office/powerpoint/2010/main" val="880794114"/>
       </p:ext>
     </p:extLst>
   </p:cSld>
@@ -2129,23 +2218,7 @@
             </a:pPr>
             <a:r>
               <a:rPr lang="en-US" dirty="0"/>
-              <a:t>One thing that you will have seen in the notebook is that the example project contains a class </a:t>
-            </a:r>
-            <a:r>
-              <a:rPr lang="en-US" i="1" dirty="0"/>
-              <a:t>Dataset</a:t>
-            </a:r>
-            <a:r>
-              <a:rPr lang="en-US" dirty="0"/>
-              <a:t> that handles download and storage of data. This is a good convention to follow in a machine learning project. You will likely accumulate quite some code related to downloading data, restructuring it, </a:t>
-            </a:r>
-            <a:r>
-              <a:rPr lang="en-US" dirty="0" err="1"/>
-              <a:t>analysing</a:t>
-            </a:r>
-            <a:r>
-              <a:rPr lang="en-US" dirty="0"/>
-              <a:t> it etc. It usually is a good idea to modularize this code into Python files to remove some clutter from your notebooks.  This also has the added benefit of not having to repeat this code if you have multiple notebooks. </a:t>
+              <a:t>Now that we’ve looked into our first notebook, let’s talk a bit about how to write a good notebook.</a:t>
             </a:r>
           </a:p>
           <a:p>
@@ -2172,42 +2245,7 @@
             </a:pPr>
             <a:r>
               <a:rPr lang="en-US" dirty="0"/>
-              <a:t>Our </a:t>
-            </a:r>
-            <a:r>
-              <a:rPr lang="en-US" i="1" dirty="0"/>
-              <a:t>Dataset</a:t>
-            </a:r>
-            <a:r>
-              <a:rPr lang="en-US" dirty="0"/>
-              <a:t> class in particular abstracts from the location of our data. It knows where it can download the dataset and will do the first time it is requested. Afterwards it will be stored in the project folder for quicker access. From point of view of our notebook, this was transparent. We just created the Dataset and asked it for data. A similar functionality will be available for the prepared data we will create in a alter step.</a:t>
-            </a:r>
-          </a:p>
-          <a:p>
-            <a:pPr marL="0" lvl="0" indent="0" algn="l" rtl="0">
-              <a:spcBef>
-                <a:spcPts val="0"/>
-              </a:spcBef>
-              <a:spcAft>
-                <a:spcPts val="0"/>
-              </a:spcAft>
-              <a:buNone/>
-            </a:pPr>
-            <a:endParaRPr lang="en-US" dirty="0"/>
-          </a:p>
-          <a:p>
-            <a:pPr marL="0" lvl="0" indent="0" algn="l" rtl="0">
-              <a:spcBef>
-                <a:spcPts val="0"/>
-              </a:spcBef>
-              <a:spcAft>
-                <a:spcPts val="0"/>
-              </a:spcAft>
-              <a:buNone/>
-            </a:pPr>
-            <a:r>
-              <a:rPr lang="en-US" dirty="0"/>
-              <a:t>This is a best practice that you may also encounter if you use some of the more well-maintained datasets, such as the MNIST dataset. This dataset is imported as a module and works similarly by providing the data via a Python interface that takes care of downloading and storing data.</a:t>
+              <a:t>This refers to the second use case for a notebook, where you try to communicate something to an audience. Essentially, you should regard your notebook as an essay or text. You should state the purpose and goals of the notebook clearly in the beginning and circle back to them by the end. The source code in this type notebook is there to support your text – by producing results or providing mini-experiments the reader can carry out.  Remember that you write for an audience. Make sure that you’re writing in a way they can understand.</a:t>
             </a:r>
           </a:p>
           <a:p>
@@ -2239,7 +2277,7 @@
     </p:spTree>
     <p:extLst>
       <p:ext uri="{BB962C8B-B14F-4D97-AF65-F5344CB8AC3E}">
-        <p14:creationId xmlns:p14="http://schemas.microsoft.com/office/powerpoint/2010/main" val="3630880628"/>
+        <p14:creationId xmlns:p14="http://schemas.microsoft.com/office/powerpoint/2010/main" val="152809375"/>
       </p:ext>
     </p:extLst>
   </p:cSld>
@@ -2341,6 +2379,111 @@
               </a:spcAft>
               <a:buNone/>
             </a:pPr>
+            <a:r>
+              <a:rPr lang="en-US" dirty="0"/>
+              <a:t>One thing that you will have seen in the notebook is that the example project contains a class </a:t>
+            </a:r>
+            <a:r>
+              <a:rPr lang="en-US" i="1" dirty="0"/>
+              <a:t>Dataset</a:t>
+            </a:r>
+            <a:r>
+              <a:rPr lang="en-US" dirty="0"/>
+              <a:t> that handles download and storage of data. This is a good convention to follow in a machine learning project. You will likely accumulate quite some code related to downloading data, restructuring it, </a:t>
+            </a:r>
+            <a:r>
+              <a:rPr lang="en-US" dirty="0" err="1"/>
+              <a:t>analysing</a:t>
+            </a:r>
+            <a:r>
+              <a:rPr lang="en-US" dirty="0"/>
+              <a:t> it etc. It usually is a good idea to modularize this code into Python files to remove some clutter from your notebooks.  This also has the added benefit of not having to repeat this code if you have multiple notebooks. </a:t>
+            </a:r>
+          </a:p>
+          <a:p>
+            <a:pPr marL="0" lvl="0" indent="0" algn="l" rtl="0">
+              <a:spcBef>
+                <a:spcPts val="0"/>
+              </a:spcBef>
+              <a:spcAft>
+                <a:spcPts val="0"/>
+              </a:spcAft>
+              <a:buNone/>
+            </a:pPr>
+            <a:endParaRPr lang="en-US" dirty="0"/>
+          </a:p>
+          <a:p>
+            <a:pPr marL="0" lvl="0" indent="0" algn="l" rtl="0">
+              <a:spcBef>
+                <a:spcPts val="0"/>
+              </a:spcBef>
+              <a:spcAft>
+                <a:spcPts val="0"/>
+              </a:spcAft>
+              <a:buNone/>
+            </a:pPr>
+            <a:r>
+              <a:rPr lang="en-US" dirty="0"/>
+              <a:t>Our </a:t>
+            </a:r>
+            <a:r>
+              <a:rPr lang="en-US" i="1" dirty="0"/>
+              <a:t>Dataset</a:t>
+            </a:r>
+            <a:r>
+              <a:rPr lang="en-US" dirty="0"/>
+              <a:t> class in particular abstracts from the location of our data. It knows where it can download the dataset and will do the first time it is requested. Afterwards it will be stored in the project folder for quicker access. From point of view of our notebook, this was transparent. We just created the Dataset and asked it for data. A similar functionality will be available for the prepared data we will create in a alter step.</a:t>
+            </a:r>
+          </a:p>
+          <a:p>
+            <a:pPr marL="0" lvl="0" indent="0" algn="l" rtl="0">
+              <a:spcBef>
+                <a:spcPts val="0"/>
+              </a:spcBef>
+              <a:spcAft>
+                <a:spcPts val="0"/>
+              </a:spcAft>
+              <a:buNone/>
+            </a:pPr>
+            <a:endParaRPr lang="en-US" dirty="0"/>
+          </a:p>
+          <a:p>
+            <a:pPr marL="0" lvl="0" indent="0" algn="l" rtl="0">
+              <a:spcBef>
+                <a:spcPts val="0"/>
+              </a:spcBef>
+              <a:spcAft>
+                <a:spcPts val="0"/>
+              </a:spcAft>
+              <a:buNone/>
+            </a:pPr>
+            <a:r>
+              <a:rPr lang="en-US" dirty="0"/>
+              <a:t>This is a best practice that you may also encounter if you use some of the more well-maintained datasets, such as the MNIST dataset. This dataset is imported as a module and works similarly by providing the data via a Python interface that takes care of downloading and storing data.</a:t>
+            </a:r>
+          </a:p>
+          <a:p>
+            <a:pPr marL="0" lvl="0" indent="0" algn="l" rtl="0">
+              <a:spcBef>
+                <a:spcPts val="0"/>
+              </a:spcBef>
+              <a:spcAft>
+                <a:spcPts val="0"/>
+              </a:spcAft>
+              <a:buNone/>
+            </a:pPr>
+            <a:endParaRPr lang="en-US" dirty="0"/>
+          </a:p>
+          <a:p>
+            <a:pPr marL="0" lvl="0" indent="0" algn="l" rtl="0">
+              <a:spcBef>
+                <a:spcPts val="0"/>
+              </a:spcBef>
+              <a:spcAft>
+                <a:spcPts val="0"/>
+              </a:spcAft>
+              <a:buNone/>
+            </a:pPr>
             <a:endParaRPr dirty="0"/>
           </a:p>
         </p:txBody>
@@ -2348,7 +2491,7 @@
     </p:spTree>
     <p:extLst>
       <p:ext uri="{BB962C8B-B14F-4D97-AF65-F5344CB8AC3E}">
-        <p14:creationId xmlns:p14="http://schemas.microsoft.com/office/powerpoint/2010/main" val="2933836161"/>
+        <p14:creationId xmlns:p14="http://schemas.microsoft.com/office/powerpoint/2010/main" val="3630880628"/>
       </p:ext>
     </p:extLst>
   </p:cSld>
@@ -2450,80 +2593,6 @@
               </a:spcAft>
               <a:buNone/>
             </a:pPr>
-            <a:r>
-              <a:rPr lang="en-US" dirty="0"/>
-              <a:t>After exploring our dataset, it is time for the next step: Data preparation.</a:t>
-            </a:r>
-          </a:p>
-          <a:p>
-            <a:pPr marL="0" lvl="0" indent="0" algn="l" rtl="0">
-              <a:spcBef>
-                <a:spcPts val="0"/>
-              </a:spcBef>
-              <a:spcAft>
-                <a:spcPts val="0"/>
-              </a:spcAft>
-              <a:buNone/>
-            </a:pPr>
-            <a:endParaRPr lang="en-US" dirty="0"/>
-          </a:p>
-          <a:p>
-            <a:pPr marL="0" lvl="0" indent="0" algn="l" rtl="0">
-              <a:spcBef>
-                <a:spcPts val="0"/>
-              </a:spcBef>
-              <a:spcAft>
-                <a:spcPts val="0"/>
-              </a:spcAft>
-              <a:buNone/>
-            </a:pPr>
-            <a:r>
-              <a:rPr lang="en-US" dirty="0"/>
-              <a:t>During this step we prepare our data to create the direct input of the machine learning model. In the case of our supervised example, we want to create the X dataset containing all features and the y dataset, containing labels. </a:t>
-            </a:r>
-          </a:p>
-          <a:p>
-            <a:pPr marL="0" lvl="0" indent="0" algn="l" rtl="0">
-              <a:spcBef>
-                <a:spcPts val="0"/>
-              </a:spcBef>
-              <a:spcAft>
-                <a:spcPts val="0"/>
-              </a:spcAft>
-              <a:buNone/>
-            </a:pPr>
-            <a:endParaRPr lang="en-US" dirty="0"/>
-          </a:p>
-          <a:p>
-            <a:pPr marL="0" lvl="0" indent="0" algn="l" rtl="0">
-              <a:spcBef>
-                <a:spcPts val="0"/>
-              </a:spcBef>
-              <a:spcAft>
-                <a:spcPts val="0"/>
-              </a:spcAft>
-              <a:buNone/>
-            </a:pPr>
-            <a:r>
-              <a:rPr lang="en-US" dirty="0"/>
-              <a:t>How is this done? It’s data science again. Again, the actual methods strongly depend on your problem. An example for our </a:t>
-            </a:r>
-            <a:r>
-              <a:rPr lang="en-US" dirty="0" err="1"/>
-              <a:t>Pokemon</a:t>
-            </a:r>
-            <a:r>
-              <a:rPr lang="en-US" dirty="0"/>
-              <a:t> classification can be seen in </a:t>
-            </a:r>
-            <a:r>
-              <a:rPr lang="en-US" i="1" dirty="0" err="1"/>
-              <a:t>data_processing.ipynb</a:t>
-            </a:r>
-            <a:r>
-              <a:rPr lang="en-US" dirty="0"/>
-              <a:t>.</a:t>
-            </a:r>
             <a:endParaRPr dirty="0"/>
           </a:p>
         </p:txBody>
@@ -2531,7 +2600,7 @@
     </p:spTree>
     <p:extLst>
       <p:ext uri="{BB962C8B-B14F-4D97-AF65-F5344CB8AC3E}">
-        <p14:creationId xmlns:p14="http://schemas.microsoft.com/office/powerpoint/2010/main" val="1675895782"/>
+        <p14:creationId xmlns:p14="http://schemas.microsoft.com/office/powerpoint/2010/main" val="2933836161"/>
       </p:ext>
     </p:extLst>
   </p:cSld>
@@ -2635,8 +2704,20 @@
             </a:pPr>
             <a:r>
               <a:rPr lang="en-US" dirty="0"/>
-              <a:t>On a methodological side, it is often a good idea to separate your code for data processing and learning into different files (or at least notebooks). </a:t>
+              <a:t>After exploring our dataset, it is time for the next step: Data preparation.</a:t>
             </a:r>
+          </a:p>
+          <a:p>
+            <a:pPr marL="0" lvl="0" indent="0" algn="l" rtl="0">
+              <a:spcBef>
+                <a:spcPts val="0"/>
+              </a:spcBef>
+              <a:spcAft>
+                <a:spcPts val="0"/>
+              </a:spcAft>
+              <a:buNone/>
+            </a:pPr>
+            <a:endParaRPr lang="en-US" dirty="0"/>
           </a:p>
           <a:p>
             <a:pPr marL="0" lvl="0" indent="0" algn="l" rtl="0">
@@ -2650,7 +2731,7 @@
             </a:pPr>
             <a:r>
               <a:rPr lang="en-US" dirty="0"/>
-              <a:t>As you will see later, learning may be done multiple times for different experiments. Preparing data once and then storing it for easy access can declutter your experiments a lot. </a:t>
+              <a:t>During this step we prepare our data to create the direct input of the machine learning model. In the case of our supervised example, we want to create the X dataset containing all features and the y dataset, containing labels. </a:t>
             </a:r>
           </a:p>
           <a:p>
@@ -2677,31 +2758,24 @@
             </a:pPr>
             <a:r>
               <a:rPr lang="en-US" dirty="0"/>
-              <a:t>As indicated earlier, our Dataset class is helpful yet again as it also manages storing and loading the prepared data. </a:t>
+              <a:t>How is this done? It’s data science again. Again, the actual methods strongly depend on your problem. An example for our </a:t>
             </a:r>
-          </a:p>
-          <a:p>
-            <a:pPr marL="0" lvl="0" indent="0" algn="l" rtl="0">
-              <a:spcBef>
-                <a:spcPts val="0"/>
-              </a:spcBef>
-              <a:spcAft>
-                <a:spcPts val="0"/>
-              </a:spcAft>
-              <a:buNone/>
-            </a:pPr>
-            <a:endParaRPr lang="en-US" dirty="0"/>
-          </a:p>
-          <a:p>
-            <a:pPr marL="0" lvl="0" indent="0" algn="l" rtl="0">
-              <a:spcBef>
-                <a:spcPts val="0"/>
-              </a:spcBef>
-              <a:spcAft>
-                <a:spcPts val="0"/>
-              </a:spcAft>
-              <a:buNone/>
-            </a:pPr>
+            <a:r>
+              <a:rPr lang="en-US" dirty="0" err="1"/>
+              <a:t>Pokemon</a:t>
+            </a:r>
+            <a:r>
+              <a:rPr lang="en-US" dirty="0"/>
+              <a:t> classification can be seen in </a:t>
+            </a:r>
+            <a:r>
+              <a:rPr lang="en-US" i="1" dirty="0" err="1"/>
+              <a:t>data_processing.ipynb</a:t>
+            </a:r>
+            <a:r>
+              <a:rPr lang="en-US" dirty="0"/>
+              <a:t>.</a:t>
+            </a:r>
             <a:endParaRPr dirty="0"/>
           </a:p>
         </p:txBody>
@@ -2709,7 +2783,7 @@
     </p:spTree>
     <p:extLst>
       <p:ext uri="{BB962C8B-B14F-4D97-AF65-F5344CB8AC3E}">
-        <p14:creationId xmlns:p14="http://schemas.microsoft.com/office/powerpoint/2010/main" val="4005701152"/>
+        <p14:creationId xmlns:p14="http://schemas.microsoft.com/office/powerpoint/2010/main" val="1675895782"/>
       </p:ext>
     </p:extLst>
   </p:cSld>
@@ -3022,20 +3096,8 @@
             </a:pPr>
             <a:r>
               <a:rPr lang="en-US" dirty="0"/>
-              <a:t>One more sidenote is that Machine Learning is not always a linear process. These slides may make it seem like data set selection, data exploration and data preparation are consecutive steps. In reality, they are often more iterative. For example, you may explore a dataset as part of the selection process. </a:t>
+              <a:t>On a methodological side, it is often a good idea to separate your code for data processing and learning into different files (or at least notebooks). </a:t>
             </a:r>
-          </a:p>
-          <a:p>
-            <a:pPr marL="0" lvl="0" indent="0" algn="l" rtl="0">
-              <a:spcBef>
-                <a:spcPts val="0"/>
-              </a:spcBef>
-              <a:spcAft>
-                <a:spcPts val="0"/>
-              </a:spcAft>
-              <a:buNone/>
-            </a:pPr>
-            <a:endParaRPr lang="en-US" dirty="0"/>
           </a:p>
           <a:p>
             <a:pPr marL="0" lvl="0" indent="0" algn="l" rtl="0">
@@ -3049,15 +3111,66 @@
             </a:pPr>
             <a:r>
               <a:rPr lang="en-US" dirty="0"/>
-              <a:t>There is a good example of this in our running example. During model selection, we noted that neural networks perform significantly better if we invert the image colors beforehand. After noting this, we went back and made this a part of the data processing notebook. </a:t>
+              <a:t>As you will see later, learning may be done multiple times for different experiments. Preparing data once and then storing it for easy access can declutter your experiments a lot. </a:t>
             </a:r>
+          </a:p>
+          <a:p>
+            <a:pPr marL="0" lvl="0" indent="0" algn="l" rtl="0">
+              <a:spcBef>
+                <a:spcPts val="0"/>
+              </a:spcBef>
+              <a:spcAft>
+                <a:spcPts val="0"/>
+              </a:spcAft>
+              <a:buNone/>
+            </a:pPr>
+            <a:endParaRPr lang="en-US" dirty="0"/>
+          </a:p>
+          <a:p>
+            <a:pPr marL="0" lvl="0" indent="0" algn="l" rtl="0">
+              <a:spcBef>
+                <a:spcPts val="0"/>
+              </a:spcBef>
+              <a:spcAft>
+                <a:spcPts val="0"/>
+              </a:spcAft>
+              <a:buNone/>
+            </a:pPr>
+            <a:r>
+              <a:rPr lang="en-US" dirty="0"/>
+              <a:t>As indicated earlier, our Dataset class is helpful yet again as it also manages storing and loading the prepared data. </a:t>
+            </a:r>
+          </a:p>
+          <a:p>
+            <a:pPr marL="0" lvl="0" indent="0" algn="l" rtl="0">
+              <a:spcBef>
+                <a:spcPts val="0"/>
+              </a:spcBef>
+              <a:spcAft>
+                <a:spcPts val="0"/>
+              </a:spcAft>
+              <a:buNone/>
+            </a:pPr>
+            <a:endParaRPr lang="en-US" dirty="0"/>
+          </a:p>
+          <a:p>
+            <a:pPr marL="0" lvl="0" indent="0" algn="l" rtl="0">
+              <a:spcBef>
+                <a:spcPts val="0"/>
+              </a:spcBef>
+              <a:spcAft>
+                <a:spcPts val="0"/>
+              </a:spcAft>
+              <a:buNone/>
+            </a:pPr>
+            <a:endParaRPr dirty="0"/>
           </a:p>
         </p:txBody>
       </p:sp>
     </p:spTree>
     <p:extLst>
       <p:ext uri="{BB962C8B-B14F-4D97-AF65-F5344CB8AC3E}">
-        <p14:creationId xmlns:p14="http://schemas.microsoft.com/office/powerpoint/2010/main" val="4256114335"/>
+        <p14:creationId xmlns:p14="http://schemas.microsoft.com/office/powerpoint/2010/main" val="4005701152"/>
       </p:ext>
     </p:extLst>
   </p:cSld>
@@ -3159,14 +3272,44 @@
               </a:spcAft>
               <a:buNone/>
             </a:pPr>
-            <a:endParaRPr dirty="0"/>
+            <a:r>
+              <a:rPr lang="en-US" dirty="0"/>
+              <a:t>One more sidenote is that Machine Learning is not always a linear process. These slides may make it seem like data set selection, data exploration and data preparation are consecutive steps. In reality, they are often more iterative. For example, you may explore a dataset as part of the selection process. </a:t>
+            </a:r>
+          </a:p>
+          <a:p>
+            <a:pPr marL="0" lvl="0" indent="0" algn="l" rtl="0">
+              <a:spcBef>
+                <a:spcPts val="0"/>
+              </a:spcBef>
+              <a:spcAft>
+                <a:spcPts val="0"/>
+              </a:spcAft>
+              <a:buNone/>
+            </a:pPr>
+            <a:endParaRPr lang="en-US" dirty="0"/>
+          </a:p>
+          <a:p>
+            <a:pPr marL="0" lvl="0" indent="0" algn="l" rtl="0">
+              <a:spcBef>
+                <a:spcPts val="0"/>
+              </a:spcBef>
+              <a:spcAft>
+                <a:spcPts val="0"/>
+              </a:spcAft>
+              <a:buNone/>
+            </a:pPr>
+            <a:r>
+              <a:rPr lang="en-US" dirty="0"/>
+              <a:t>There is a good example of this in our running example. During model selection, we noted that neural networks perform significantly better if we invert the image colors beforehand. After noting this, we went back and made this a part of the data processing notebook. </a:t>
+            </a:r>
           </a:p>
         </p:txBody>
       </p:sp>
     </p:spTree>
     <p:extLst>
       <p:ext uri="{BB962C8B-B14F-4D97-AF65-F5344CB8AC3E}">
-        <p14:creationId xmlns:p14="http://schemas.microsoft.com/office/powerpoint/2010/main" val="2623311476"/>
+        <p14:creationId xmlns:p14="http://schemas.microsoft.com/office/powerpoint/2010/main" val="4256114335"/>
       </p:ext>
     </p:extLst>
   </p:cSld>
@@ -3268,123 +3411,14 @@
               </a:spcAft>
               <a:buNone/>
             </a:pPr>
-            <a:r>
-              <a:rPr lang="en-US" dirty="0"/>
-              <a:t>Now that we have our data to learn from, it’s time to define the machine learning problem. There are a few things you should decide on now:</a:t>
-            </a:r>
-          </a:p>
-          <a:p>
-            <a:pPr marL="171450" lvl="0" indent="-171450" algn="l" rtl="0">
-              <a:spcBef>
-                <a:spcPts val="0"/>
-              </a:spcBef>
-              <a:spcAft>
-                <a:spcPts val="0"/>
-              </a:spcAft>
-              <a:buFontTx/>
-              <a:buChar char="-"/>
-            </a:pPr>
-            <a:r>
-              <a:rPr lang="en-US" dirty="0"/>
-              <a:t>Type of machine learning: Is it supervised or unsupervised? Regression or classification? This will likely be obvious from the project goal.</a:t>
-            </a:r>
-          </a:p>
-          <a:p>
-            <a:pPr marL="171450" lvl="0" indent="-171450" algn="l" rtl="0">
-              <a:spcBef>
-                <a:spcPts val="0"/>
-              </a:spcBef>
-              <a:spcAft>
-                <a:spcPts val="0"/>
-              </a:spcAft>
-              <a:buFontTx/>
-              <a:buChar char="-"/>
-            </a:pPr>
-            <a:r>
-              <a:rPr lang="en-US" dirty="0"/>
-              <a:t>Data Signature: Which data do you have as input to your model? What type of output do you expect?</a:t>
-            </a:r>
-          </a:p>
-          <a:p>
-            <a:pPr marL="171450" lvl="0" indent="-171450" algn="l" rtl="0">
-              <a:spcBef>
-                <a:spcPts val="0"/>
-              </a:spcBef>
-              <a:spcAft>
-                <a:spcPts val="0"/>
-              </a:spcAft>
-              <a:buFontTx/>
-              <a:buChar char="-"/>
-            </a:pPr>
-            <a:r>
-              <a:rPr lang="en-US" dirty="0"/>
-              <a:t>Success Metrics: Which metric will you use to measure your model?</a:t>
-            </a:r>
-          </a:p>
-          <a:p>
-            <a:pPr marL="171450" lvl="0" indent="-171450" algn="l" rtl="0">
-              <a:spcBef>
-                <a:spcPts val="0"/>
-              </a:spcBef>
-              <a:spcAft>
-                <a:spcPts val="0"/>
-              </a:spcAft>
-              <a:buFontTx/>
-              <a:buChar char="-"/>
-            </a:pPr>
-            <a:r>
-              <a:rPr lang="en-US" dirty="0"/>
-              <a:t>Benchmarks: What is your benchmark for success? Do you have some simple method / model that you want to beat? Is there a certain value of your success metric that you really want to reach?</a:t>
-            </a:r>
-          </a:p>
-          <a:p>
-            <a:pPr marL="171450" lvl="0" indent="-171450" algn="l" rtl="0">
-              <a:spcBef>
-                <a:spcPts val="0"/>
-              </a:spcBef>
-              <a:spcAft>
-                <a:spcPts val="0"/>
-              </a:spcAft>
-              <a:buFontTx/>
-              <a:buChar char="-"/>
-            </a:pPr>
-            <a:endParaRPr lang="en-US" dirty="0"/>
-          </a:p>
-          <a:p>
-            <a:pPr marL="171450" lvl="0" indent="-171450" algn="l" rtl="0">
-              <a:spcBef>
-                <a:spcPts val="0"/>
-              </a:spcBef>
-              <a:spcAft>
-                <a:spcPts val="0"/>
-              </a:spcAft>
-              <a:buFontTx/>
-              <a:buChar char="-"/>
-            </a:pPr>
-            <a:endParaRPr lang="en-US" dirty="0"/>
-          </a:p>
-          <a:p>
-            <a:pPr marL="0" lvl="0" indent="0" algn="l" rtl="0">
-              <a:spcBef>
-                <a:spcPts val="0"/>
-              </a:spcBef>
-              <a:spcAft>
-                <a:spcPts val="0"/>
-              </a:spcAft>
-              <a:buFontTx/>
-              <a:buNone/>
-            </a:pPr>
-            <a:r>
-              <a:rPr lang="en-US" dirty="0"/>
-              <a:t>It is a good idea to write these down formally before you continue with finding a machine learning model. It will give you an impartial measure of your goals unbiased by the experience of seeing your models in action.</a:t>
-            </a:r>
+            <a:endParaRPr dirty="0"/>
           </a:p>
         </p:txBody>
       </p:sp>
     </p:spTree>
     <p:extLst>
       <p:ext uri="{BB962C8B-B14F-4D97-AF65-F5344CB8AC3E}">
-        <p14:creationId xmlns:p14="http://schemas.microsoft.com/office/powerpoint/2010/main" val="3758990654"/>
+        <p14:creationId xmlns:p14="http://schemas.microsoft.com/office/powerpoint/2010/main" val="2623311476"/>
       </p:ext>
     </p:extLst>
   </p:cSld>
@@ -3488,61 +3522,7 @@
             </a:pPr>
             <a:r>
               <a:rPr lang="en-US" dirty="0"/>
-              <a:t>Let’s apply this to our running example:</a:t>
-            </a:r>
-          </a:p>
-          <a:p>
-            <a:pPr marL="0" lvl="0" indent="0" algn="l" rtl="0">
-              <a:spcBef>
-                <a:spcPts val="0"/>
-              </a:spcBef>
-              <a:spcAft>
-                <a:spcPts val="0"/>
-              </a:spcAft>
-              <a:buNone/>
-            </a:pPr>
-            <a:endParaRPr lang="en-US" dirty="0"/>
-          </a:p>
-          <a:p>
-            <a:pPr marL="0" lvl="0" indent="0" algn="l" rtl="0">
-              <a:spcBef>
-                <a:spcPts val="0"/>
-              </a:spcBef>
-              <a:spcAft>
-                <a:spcPts val="0"/>
-              </a:spcAft>
-              <a:buNone/>
-            </a:pPr>
-            <a:r>
-              <a:rPr lang="en-US" dirty="0"/>
-              <a:t>The learning type is a Multi-Label Classification. We have a classification problem where each Pokémon can have one or more types.  The data signature of this problem contains images of dimension (120,120,3) as input and a vector of class predictions as output. There are 18 Pokémon types, so the output vector has a length of 18. </a:t>
-            </a:r>
-          </a:p>
-          <a:p>
-            <a:pPr marL="0" lvl="0" indent="0" algn="l" rtl="0">
-              <a:spcBef>
-                <a:spcPts val="0"/>
-              </a:spcBef>
-              <a:spcAft>
-                <a:spcPts val="0"/>
-              </a:spcAft>
-              <a:buNone/>
-            </a:pPr>
-            <a:endParaRPr lang="en-US" dirty="0"/>
-          </a:p>
-          <a:p>
-            <a:pPr marL="0" lvl="0" indent="0" algn="l" rtl="0">
-              <a:spcBef>
-                <a:spcPts val="0"/>
-              </a:spcBef>
-              <a:spcAft>
-                <a:spcPts val="0"/>
-              </a:spcAft>
-              <a:buNone/>
-            </a:pPr>
-            <a:r>
-              <a:rPr lang="en-US" dirty="0"/>
-              <a:t>Several success metrics can be chosen for a multi-label classification:</a:t>
+              <a:t>Now that we have our data to learn from, it’s time to define the machine learning problem. There are a few things you should decide on now:</a:t>
             </a:r>
           </a:p>
           <a:p>
@@ -3558,15 +3538,7 @@
             </a:pPr>
             <a:r>
               <a:rPr lang="en-US" dirty="0"/>
-              <a:t>Subset Accuracy represents the percentage of Pokémon have been guessed correctly. This metric is fairly harsh – it does not reward </a:t>
-            </a:r>
-            <a:r>
-              <a:rPr lang="en-US" dirty="0" err="1"/>
-              <a:t>parial</a:t>
-            </a:r>
-            <a:r>
-              <a:rPr lang="en-US" dirty="0"/>
-              <a:t> or close guesses.</a:t>
+              <a:t>Type of machine learning: Is it supervised or unsupervised? Regression or classification? This will likely be obvious from the project goal.</a:t>
             </a:r>
           </a:p>
           <a:p>
@@ -3582,7 +3554,7 @@
             </a:pPr>
             <a:r>
               <a:rPr lang="en-US" dirty="0"/>
-              <a:t>The Hamming Score is a more lenient metric. It counts the relation between correct guesses and overall guesses and classes per sample. </a:t>
+              <a:t>Data Signature: Which data do you have as input to your model? What type of output do you expect?</a:t>
             </a:r>
           </a:p>
           <a:p>
@@ -3598,7 +3570,23 @@
             </a:pPr>
             <a:r>
               <a:rPr lang="en-US" dirty="0"/>
-              <a:t>The F1 score is defined for binary classification. We can extend it to the multi-label classification problem by applying it to each individual label and then averaging.</a:t>
+              <a:t>Success Metrics: Which metric will you use to measure your model?</a:t>
+            </a:r>
+          </a:p>
+          <a:p>
+            <a:pPr marL="171450" lvl="0" indent="-171450" algn="l" rtl="0">
+              <a:spcBef>
+                <a:spcPts val="0"/>
+              </a:spcBef>
+              <a:spcAft>
+                <a:spcPts val="0"/>
+              </a:spcAft>
+              <a:buFontTx/>
+              <a:buChar char="-"/>
+            </a:pPr>
+            <a:r>
+              <a:rPr lang="en-US" dirty="0"/>
+              <a:t>Benchmarks: What is your benchmark for success? Do you have some simple method / model that you want to beat? Is there a certain value of your success metric that you really want to reach?</a:t>
             </a:r>
           </a:p>
           <a:p>
@@ -3615,6 +3603,19 @@
             <a:endParaRPr lang="en-US" dirty="0"/>
           </a:p>
           <a:p>
+            <a:pPr marL="171450" lvl="0" indent="-171450" algn="l" rtl="0">
+              <a:spcBef>
+                <a:spcPts val="0"/>
+              </a:spcBef>
+              <a:spcAft>
+                <a:spcPts val="0"/>
+              </a:spcAft>
+              <a:buFontTx/>
+              <a:buChar char="-"/>
+            </a:pPr>
+            <a:endParaRPr lang="en-US" dirty="0"/>
+          </a:p>
+          <a:p>
             <a:pPr marL="0" lvl="0" indent="0" algn="l" rtl="0">
               <a:spcBef>
                 <a:spcPts val="0"/>
@@ -3627,52 +3628,7 @@
             </a:pPr>
             <a:r>
               <a:rPr lang="en-US" dirty="0"/>
-              <a:t>We have selected the Hamming Score as our primary metric. We will use this during experiments to detect which models perform better. Subset Accuracy ad F1 scores will be checked when evaluating the final model.  The F1 score will not be averaged. Instead, we will apply it to each class to get a feeling for how well that class is predicted.</a:t>
-            </a:r>
-          </a:p>
-          <a:p>
-            <a:pPr marL="0" lvl="0" indent="0" algn="l" rtl="0">
-              <a:spcBef>
-                <a:spcPts val="0"/>
-              </a:spcBef>
-              <a:spcAft>
-                <a:spcPts val="0"/>
-              </a:spcAft>
-              <a:buFontTx/>
-              <a:buNone/>
-            </a:pPr>
-            <a:endParaRPr lang="en-US" dirty="0"/>
-          </a:p>
-          <a:p>
-            <a:pPr marL="0" lvl="0" indent="0" algn="l" rtl="0">
-              <a:spcBef>
-                <a:spcPts val="0"/>
-              </a:spcBef>
-              <a:spcAft>
-                <a:spcPts val="0"/>
-              </a:spcAft>
-              <a:buFontTx/>
-              <a:buNone/>
-            </a:pPr>
-            <a:r>
-              <a:rPr lang="en-US" dirty="0"/>
-              <a:t>There are two natural benchmarks that we want to beat: Guessing Randomly and always guessing the class with the highest occurrence in our data. If we beat these two benchmarks, we can claim to have learned some meaningful patterns. However, being more meaningful than random with 18 classes is not a highly accurate result. We hope to beat these. scores by a good margin. </a:t>
-            </a:r>
-          </a:p>
-          <a:p>
-            <a:pPr marL="0" lvl="0" indent="0" algn="l" rtl="0">
-              <a:spcBef>
-                <a:spcPts val="0"/>
-              </a:spcBef>
-              <a:spcAft>
-                <a:spcPts val="0"/>
-              </a:spcAft>
-              <a:buFontTx/>
-              <a:buNone/>
-            </a:pPr>
-            <a:r>
-              <a:rPr lang="en-US" dirty="0"/>
-              <a:t>A very good result would be close to 1 in hamming score. Due to the small size of the data set we do not think this is realistic. We would be happy with a hamming score of between 0.5 and 0.8. </a:t>
+              <a:t>It is a good idea to write these down formally before you continue with finding a machine learning model. It will give you an impartial measure of your goals unbiased by the experience of seeing your models in action.</a:t>
             </a:r>
           </a:p>
         </p:txBody>
@@ -3680,7 +3636,7 @@
     </p:spTree>
     <p:extLst>
       <p:ext uri="{BB962C8B-B14F-4D97-AF65-F5344CB8AC3E}">
-        <p14:creationId xmlns:p14="http://schemas.microsoft.com/office/powerpoint/2010/main" val="2586366752"/>
+        <p14:creationId xmlns:p14="http://schemas.microsoft.com/office/powerpoint/2010/main" val="3758990654"/>
       </p:ext>
     </p:extLst>
   </p:cSld>
@@ -3782,14 +3738,201 @@
               </a:spcAft>
               <a:buNone/>
             </a:pPr>
-            <a:endParaRPr dirty="0"/>
+            <a:r>
+              <a:rPr lang="en-US" dirty="0"/>
+              <a:t>Let’s apply this to our running example:</a:t>
+            </a:r>
+          </a:p>
+          <a:p>
+            <a:pPr marL="0" lvl="0" indent="0" algn="l" rtl="0">
+              <a:spcBef>
+                <a:spcPts val="0"/>
+              </a:spcBef>
+              <a:spcAft>
+                <a:spcPts val="0"/>
+              </a:spcAft>
+              <a:buNone/>
+            </a:pPr>
+            <a:endParaRPr lang="en-US" dirty="0"/>
+          </a:p>
+          <a:p>
+            <a:pPr marL="0" lvl="0" indent="0" algn="l" rtl="0">
+              <a:spcBef>
+                <a:spcPts val="0"/>
+              </a:spcBef>
+              <a:spcAft>
+                <a:spcPts val="0"/>
+              </a:spcAft>
+              <a:buNone/>
+            </a:pPr>
+            <a:r>
+              <a:rPr lang="en-US" dirty="0"/>
+              <a:t>The learning type is a Multi-Label Classification. We have a classification problem where each Pokémon can have one or more types.  The data signature of this problem contains images of dimension (120,120,3) as input and a vector of class predictions as output. There are 18 Pokémon types, so the output vector has a length of 18. </a:t>
+            </a:r>
+          </a:p>
+          <a:p>
+            <a:pPr marL="0" lvl="0" indent="0" algn="l" rtl="0">
+              <a:spcBef>
+                <a:spcPts val="0"/>
+              </a:spcBef>
+              <a:spcAft>
+                <a:spcPts val="0"/>
+              </a:spcAft>
+              <a:buNone/>
+            </a:pPr>
+            <a:endParaRPr lang="en-US" dirty="0"/>
+          </a:p>
+          <a:p>
+            <a:pPr marL="0" lvl="0" indent="0" algn="l" rtl="0">
+              <a:spcBef>
+                <a:spcPts val="0"/>
+              </a:spcBef>
+              <a:spcAft>
+                <a:spcPts val="0"/>
+              </a:spcAft>
+              <a:buNone/>
+            </a:pPr>
+            <a:r>
+              <a:rPr lang="en-US" dirty="0"/>
+              <a:t>Several success metrics can be chosen for a multi-label classification:</a:t>
+            </a:r>
+          </a:p>
+          <a:p>
+            <a:pPr marL="171450" lvl="0" indent="-171450" algn="l" rtl="0">
+              <a:spcBef>
+                <a:spcPts val="0"/>
+              </a:spcBef>
+              <a:spcAft>
+                <a:spcPts val="0"/>
+              </a:spcAft>
+              <a:buFontTx/>
+              <a:buChar char="-"/>
+            </a:pPr>
+            <a:r>
+              <a:rPr lang="en-US" dirty="0"/>
+              <a:t>Subset Accuracy represents the percentage of Pokémon have been guessed correctly. This metric is fairly harsh – it does not reward </a:t>
+            </a:r>
+            <a:r>
+              <a:rPr lang="en-US" dirty="0" err="1"/>
+              <a:t>parial</a:t>
+            </a:r>
+            <a:r>
+              <a:rPr lang="en-US" dirty="0"/>
+              <a:t> or close guesses.</a:t>
+            </a:r>
+          </a:p>
+          <a:p>
+            <a:pPr marL="171450" lvl="0" indent="-171450" algn="l" rtl="0">
+              <a:spcBef>
+                <a:spcPts val="0"/>
+              </a:spcBef>
+              <a:spcAft>
+                <a:spcPts val="0"/>
+              </a:spcAft>
+              <a:buFontTx/>
+              <a:buChar char="-"/>
+            </a:pPr>
+            <a:r>
+              <a:rPr lang="en-US" dirty="0"/>
+              <a:t>The Hamming Score is a more lenient metric. It counts the relation between correct guesses and overall guesses and classes per sample. </a:t>
+            </a:r>
+          </a:p>
+          <a:p>
+            <a:pPr marL="171450" lvl="0" indent="-171450" algn="l" rtl="0">
+              <a:spcBef>
+                <a:spcPts val="0"/>
+              </a:spcBef>
+              <a:spcAft>
+                <a:spcPts val="0"/>
+              </a:spcAft>
+              <a:buFontTx/>
+              <a:buChar char="-"/>
+            </a:pPr>
+            <a:r>
+              <a:rPr lang="en-US" dirty="0"/>
+              <a:t>The F1 score is defined for binary classification. We can extend it to the multi-label classification problem by applying it to each individual label and then averaging.</a:t>
+            </a:r>
+          </a:p>
+          <a:p>
+            <a:pPr marL="171450" lvl="0" indent="-171450" algn="l" rtl="0">
+              <a:spcBef>
+                <a:spcPts val="0"/>
+              </a:spcBef>
+              <a:spcAft>
+                <a:spcPts val="0"/>
+              </a:spcAft>
+              <a:buFontTx/>
+              <a:buChar char="-"/>
+            </a:pPr>
+            <a:endParaRPr lang="en-US" dirty="0"/>
+          </a:p>
+          <a:p>
+            <a:pPr marL="0" lvl="0" indent="0" algn="l" rtl="0">
+              <a:spcBef>
+                <a:spcPts val="0"/>
+              </a:spcBef>
+              <a:spcAft>
+                <a:spcPts val="0"/>
+              </a:spcAft>
+              <a:buFontTx/>
+              <a:buNone/>
+            </a:pPr>
+            <a:r>
+              <a:rPr lang="en-US" dirty="0"/>
+              <a:t>We have selected the Hamming Score as our primary metric. We will use this during experiments to detect which models perform better. Subset Accuracy ad F1 scores will be checked when evaluating the final model.  The F1 score will not be averaged. Instead, we will apply it to each class to get a feeling for how well that class is predicted.</a:t>
+            </a:r>
+          </a:p>
+          <a:p>
+            <a:pPr marL="0" lvl="0" indent="0" algn="l" rtl="0">
+              <a:spcBef>
+                <a:spcPts val="0"/>
+              </a:spcBef>
+              <a:spcAft>
+                <a:spcPts val="0"/>
+              </a:spcAft>
+              <a:buFontTx/>
+              <a:buNone/>
+            </a:pPr>
+            <a:endParaRPr lang="en-US" dirty="0"/>
+          </a:p>
+          <a:p>
+            <a:pPr marL="0" lvl="0" indent="0" algn="l" rtl="0">
+              <a:spcBef>
+                <a:spcPts val="0"/>
+              </a:spcBef>
+              <a:spcAft>
+                <a:spcPts val="0"/>
+              </a:spcAft>
+              <a:buFontTx/>
+              <a:buNone/>
+            </a:pPr>
+            <a:r>
+              <a:rPr lang="en-US" dirty="0"/>
+              <a:t>There are two natural benchmarks that we want to beat: Guessing Randomly and always guessing the class with the highest occurrence in our data. If we beat these two benchmarks, we can claim to have learned some meaningful patterns. However, being more meaningful than random with 18 classes is not a highly accurate result. We hope to beat these. scores by a good margin. </a:t>
+            </a:r>
+          </a:p>
+          <a:p>
+            <a:pPr marL="0" lvl="0" indent="0" algn="l" rtl="0">
+              <a:spcBef>
+                <a:spcPts val="0"/>
+              </a:spcBef>
+              <a:spcAft>
+                <a:spcPts val="0"/>
+              </a:spcAft>
+              <a:buFontTx/>
+              <a:buNone/>
+            </a:pPr>
+            <a:r>
+              <a:rPr lang="en-US" dirty="0"/>
+              <a:t>A very good result would be close to 1 in hamming score. Due to the small size of the data set we do not think this is realistic. We would be happy with a hamming score of between 0.5 and 0.8. </a:t>
+            </a:r>
           </a:p>
         </p:txBody>
       </p:sp>
     </p:spTree>
     <p:extLst>
       <p:ext uri="{BB962C8B-B14F-4D97-AF65-F5344CB8AC3E}">
-        <p14:creationId xmlns:p14="http://schemas.microsoft.com/office/powerpoint/2010/main" val="2643338182"/>
+        <p14:creationId xmlns:p14="http://schemas.microsoft.com/office/powerpoint/2010/main" val="2586366752"/>
       </p:ext>
     </p:extLst>
   </p:cSld>
@@ -3898,6 +4041,115 @@
     </p:spTree>
     <p:extLst>
       <p:ext uri="{BB962C8B-B14F-4D97-AF65-F5344CB8AC3E}">
+        <p14:creationId xmlns:p14="http://schemas.microsoft.com/office/powerpoint/2010/main" val="2643338182"/>
+      </p:ext>
+    </p:extLst>
+  </p:cSld>
+  <p:clrMapOvr>
+    <a:masterClrMapping/>
+  </p:clrMapOvr>
+</p:notes>
+</file>
+
+<file path=ppt/notesSlides/notesSlide26.xml><?xml version="1.0" encoding="utf-8"?>
+<p:notes xmlns:a="http://schemas.openxmlformats.org/drawingml/2006/main" xmlns:r="http://schemas.openxmlformats.org/officeDocument/2006/relationships" xmlns:p="http://schemas.openxmlformats.org/presentationml/2006/main" showMasterSp="0" showMasterPhAnim="0">
+  <p:cSld>
+    <p:spTree>
+      <p:nvGrpSpPr>
+        <p:cNvPr id="1" name="Shape 92"/>
+        <p:cNvGrpSpPr/>
+        <p:nvPr/>
+      </p:nvGrpSpPr>
+      <p:grpSpPr>
+        <a:xfrm>
+          <a:off x="0" y="0"/>
+          <a:ext cx="0" cy="0"/>
+          <a:chOff x="0" y="0"/>
+          <a:chExt cx="0" cy="0"/>
+        </a:xfrm>
+      </p:grpSpPr>
+      <p:sp>
+        <p:nvSpPr>
+          <p:cNvPr id="93" name="Google Shape;93;g60fe2f7717_0_102:notes"/>
+          <p:cNvSpPr>
+            <a:spLocks noGrp="1" noRot="1" noChangeAspect="1"/>
+          </p:cNvSpPr>
+          <p:nvPr>
+            <p:ph type="sldImg" idx="2"/>
+          </p:nvPr>
+        </p:nvSpPr>
+        <p:spPr>
+          <a:xfrm>
+            <a:off x="381000" y="685800"/>
+            <a:ext cx="6096000" cy="3429000"/>
+          </a:xfrm>
+          <a:custGeom>
+            <a:avLst/>
+            <a:gdLst/>
+            <a:ahLst/>
+            <a:cxnLst/>
+            <a:rect l="l" t="t" r="r" b="b"/>
+            <a:pathLst>
+              <a:path w="120000" h="120000" extrusionOk="0">
+                <a:moveTo>
+                  <a:pt x="0" y="0"/>
+                </a:moveTo>
+                <a:lnTo>
+                  <a:pt x="120000" y="0"/>
+                </a:lnTo>
+                <a:lnTo>
+                  <a:pt x="120000" y="120000"/>
+                </a:lnTo>
+                <a:lnTo>
+                  <a:pt x="0" y="120000"/>
+                </a:lnTo>
+                <a:close/>
+              </a:path>
+            </a:pathLst>
+          </a:custGeom>
+        </p:spPr>
+      </p:sp>
+      <p:sp>
+        <p:nvSpPr>
+          <p:cNvPr id="94" name="Google Shape;94;g60fe2f7717_0_102:notes"/>
+          <p:cNvSpPr txBox="1">
+            <a:spLocks noGrp="1"/>
+          </p:cNvSpPr>
+          <p:nvPr>
+            <p:ph type="body" idx="1"/>
+          </p:nvPr>
+        </p:nvSpPr>
+        <p:spPr>
+          <a:xfrm>
+            <a:off x="685800" y="4343400"/>
+            <a:ext cx="5486400" cy="4114800"/>
+          </a:xfrm>
+          <a:prstGeom prst="rect">
+            <a:avLst/>
+          </a:prstGeom>
+        </p:spPr>
+        <p:txBody>
+          <a:bodyPr spcFirstLastPara="1" wrap="square" lIns="91425" tIns="91425" rIns="91425" bIns="91425" anchor="t" anchorCtr="0">
+            <a:noAutofit/>
+          </a:bodyPr>
+          <a:lstStyle/>
+          <a:p>
+            <a:pPr marL="0" lvl="0" indent="0" algn="l" rtl="0">
+              <a:spcBef>
+                <a:spcPts val="0"/>
+              </a:spcBef>
+              <a:spcAft>
+                <a:spcPts val="0"/>
+              </a:spcAft>
+              <a:buNone/>
+            </a:pPr>
+            <a:endParaRPr dirty="0"/>
+          </a:p>
+        </p:txBody>
+      </p:sp>
+    </p:spTree>
+    <p:extLst>
+      <p:ext uri="{BB962C8B-B14F-4D97-AF65-F5344CB8AC3E}">
         <p14:creationId xmlns:p14="http://schemas.microsoft.com/office/powerpoint/2010/main" val="2200044919"/>
       </p:ext>
     </p:extLst>
@@ -3908,7 +4160,7 @@
 </p:notes>
 </file>
 
-<file path=ppt/notesSlides/notesSlide26.xml><?xml version="1.0" encoding="utf-8"?>
+<file path=ppt/notesSlides/notesSlide27.xml><?xml version="1.0" encoding="utf-8"?>
 <p:notes xmlns:a="http://schemas.openxmlformats.org/drawingml/2006/main" xmlns:r="http://schemas.openxmlformats.org/officeDocument/2006/relationships" xmlns:p="http://schemas.openxmlformats.org/presentationml/2006/main" showMasterSp="0" showMasterPhAnim="0">
   <p:cSld>
     <p:spTree>
@@ -4708,6 +4960,10 @@
               </a:spcAft>
               <a:buNone/>
             </a:pPr>
+            <a:r>
+              <a:rPr lang="en-US" dirty="0"/>
+              <a:t>Today we will discuss the four parts mentioned in the slide.</a:t>
+            </a:r>
             <a:endParaRPr dirty="0"/>
           </a:p>
         </p:txBody>
@@ -4715,7 +4971,7 @@
     </p:spTree>
     <p:extLst>
       <p:ext uri="{BB962C8B-B14F-4D97-AF65-F5344CB8AC3E}">
-        <p14:creationId xmlns:p14="http://schemas.microsoft.com/office/powerpoint/2010/main" val="4285436040"/>
+        <p14:creationId xmlns:p14="http://schemas.microsoft.com/office/powerpoint/2010/main" val="1941584215"/>
       </p:ext>
     </p:extLst>
   </p:cSld>
@@ -4817,59 +5073,14 @@
               </a:spcAft>
               <a:buNone/>
             </a:pPr>
-            <a:r>
-              <a:rPr lang="en-US" dirty="0"/>
-              <a:t>Let’s start with our example project. The problem we want to solve is Pokémon classification.</a:t>
-            </a:r>
-          </a:p>
-          <a:p>
-            <a:pPr marL="0" lvl="0" indent="0" algn="l" rtl="0">
-              <a:spcBef>
-                <a:spcPts val="0"/>
-              </a:spcBef>
-              <a:spcAft>
-                <a:spcPts val="0"/>
-              </a:spcAft>
-              <a:buNone/>
-            </a:pPr>
-            <a:endParaRPr lang="en-US" dirty="0"/>
-          </a:p>
-          <a:p>
-            <a:pPr marL="0" lvl="0" indent="0" algn="l" rtl="0">
-              <a:spcBef>
-                <a:spcPts val="0"/>
-              </a:spcBef>
-              <a:spcAft>
-                <a:spcPts val="0"/>
-              </a:spcAft>
-              <a:buNone/>
-            </a:pPr>
-            <a:r>
-              <a:rPr lang="en-US" dirty="0"/>
-              <a:t>More specifically, we would like to be able to identify the type of a Pokémon based on its image.  </a:t>
-            </a:r>
-          </a:p>
-          <a:p>
-            <a:pPr marL="0" lvl="0" indent="0" algn="l" rtl="0">
-              <a:spcBef>
-                <a:spcPts val="0"/>
-              </a:spcBef>
-              <a:spcAft>
-                <a:spcPts val="0"/>
-              </a:spcAft>
-              <a:buNone/>
-            </a:pPr>
-            <a:r>
-              <a:rPr lang="en-US" dirty="0"/>
-              <a:t>Here, we should note that a Pokémon can have more than one type. </a:t>
-            </a:r>
+            <a:endParaRPr dirty="0"/>
           </a:p>
         </p:txBody>
       </p:sp>
     </p:spTree>
     <p:extLst>
       <p:ext uri="{BB962C8B-B14F-4D97-AF65-F5344CB8AC3E}">
-        <p14:creationId xmlns:p14="http://schemas.microsoft.com/office/powerpoint/2010/main" val="1396466120"/>
+        <p14:creationId xmlns:p14="http://schemas.microsoft.com/office/powerpoint/2010/main" val="783141647"/>
       </p:ext>
     </p:extLst>
   </p:cSld>
@@ -4973,7 +5184,7 @@
             </a:pPr>
             <a:r>
               <a:rPr lang="en-US" dirty="0"/>
-              <a:t>The first thing you should do when having your goal, is search for datasets. Data is the most crucial part of Machine Learning. As the saying goas: Garbage in -&gt; Garbage out. Without good data, you won’t be able to learn a good model.</a:t>
+              <a:t>Let’s start with our example project. The problem we want to solve is Pokémon classification.</a:t>
             </a:r>
           </a:p>
           <a:p>
@@ -5000,174 +5211,30 @@
             </a:pPr>
             <a:r>
               <a:rPr lang="en-US" dirty="0"/>
-              <a:t>For our running example, we want a dataset that fulfills the following requirements:</a:t>
+              <a:t>More specifically, we would like to be able to identify the type of a Pokémon based on its image.  </a:t>
             </a:r>
           </a:p>
           <a:p>
-            <a:pPr marL="171450" lvl="0" indent="-171450" algn="l" rtl="0">
+            <a:pPr marL="0" lvl="0" indent="0" algn="l" rtl="0">
               <a:spcBef>
                 <a:spcPts val="0"/>
               </a:spcBef>
               <a:spcAft>
                 <a:spcPts val="0"/>
               </a:spcAft>
-              <a:buFontTx/>
-              <a:buChar char="-"/>
+              <a:buNone/>
             </a:pPr>
             <a:r>
               <a:rPr lang="en-US" dirty="0"/>
-              <a:t>A high number of Pokémon should be represented in the dataset. </a:t>
+              <a:t>Here, we should note that a Pokémon can have more than one type. </a:t>
             </a:r>
-          </a:p>
-          <a:p>
-            <a:pPr marL="171450" lvl="0" indent="-171450" algn="l" rtl="0">
-              <a:spcBef>
-                <a:spcPts val="0"/>
-              </a:spcBef>
-              <a:spcAft>
-                <a:spcPts val="0"/>
-              </a:spcAft>
-              <a:buFontTx/>
-              <a:buChar char="-"/>
-            </a:pPr>
-            <a:r>
-              <a:rPr lang="en-US" dirty="0"/>
-              <a:t>The dataset should contain information about Pokémon types.</a:t>
-            </a:r>
-          </a:p>
-          <a:p>
-            <a:pPr marL="171450" lvl="0" indent="-171450" algn="l" rtl="0">
-              <a:spcBef>
-                <a:spcPts val="0"/>
-              </a:spcBef>
-              <a:spcAft>
-                <a:spcPts val="0"/>
-              </a:spcAft>
-              <a:buFontTx/>
-              <a:buChar char="-"/>
-            </a:pPr>
-            <a:r>
-              <a:rPr lang="en-US" dirty="0"/>
-              <a:t>The dataset should contain images for each Pokémon. The more the better. </a:t>
-            </a:r>
-          </a:p>
-          <a:p>
-            <a:pPr marL="0" lvl="0" indent="0" algn="l" rtl="0">
-              <a:spcBef>
-                <a:spcPts val="0"/>
-              </a:spcBef>
-              <a:spcAft>
-                <a:spcPts val="0"/>
-              </a:spcAft>
-              <a:buFontTx/>
-              <a:buNone/>
-            </a:pPr>
-            <a:endParaRPr lang="en-US" dirty="0"/>
-          </a:p>
-          <a:p>
-            <a:pPr marL="0" lvl="0" indent="0" algn="l" rtl="0">
-              <a:spcBef>
-                <a:spcPts val="0"/>
-              </a:spcBef>
-              <a:spcAft>
-                <a:spcPts val="0"/>
-              </a:spcAft>
-              <a:buFontTx/>
-              <a:buNone/>
-            </a:pPr>
-            <a:r>
-              <a:rPr lang="en-US" dirty="0"/>
-              <a:t>We found four different datasets. There are quite a few more, but this is one of the places where take the liberty of not being through because our main goal is to build an example for teaching. Of the four datasets, only one the one from </a:t>
-            </a:r>
-            <a:r>
-              <a:rPr lang="en-US" dirty="0" err="1"/>
-              <a:t>Vishalsubbiah</a:t>
-            </a:r>
-            <a:r>
-              <a:rPr lang="en-US" dirty="0"/>
-              <a:t> has type labels and images. With this reasoning, we choose this dataset. Unfortunately, it only has one image per Pokémon, which is not optimal.</a:t>
-            </a:r>
-          </a:p>
-          <a:p>
-            <a:pPr marL="0" lvl="0" indent="0" algn="l" rtl="0">
-              <a:spcBef>
-                <a:spcPts val="0"/>
-              </a:spcBef>
-              <a:spcAft>
-                <a:spcPts val="0"/>
-              </a:spcAft>
-              <a:buFontTx/>
-              <a:buNone/>
-            </a:pPr>
-            <a:endParaRPr lang="en-US" dirty="0"/>
-          </a:p>
-          <a:p>
-            <a:pPr marL="0" lvl="0" indent="0" algn="l" rtl="0">
-              <a:spcBef>
-                <a:spcPts val="0"/>
-              </a:spcBef>
-              <a:spcAft>
-                <a:spcPts val="0"/>
-              </a:spcAft>
-              <a:buFontTx/>
-              <a:buNone/>
-            </a:pPr>
-            <a:r>
-              <a:rPr lang="en-US" dirty="0"/>
-              <a:t>From the table of collected data, we can also see that…</a:t>
-            </a:r>
-          </a:p>
-          <a:p>
-            <a:pPr marL="171450" lvl="0" indent="-171450" algn="l" rtl="0">
-              <a:spcBef>
-                <a:spcPts val="0"/>
-              </a:spcBef>
-              <a:spcAft>
-                <a:spcPts val="0"/>
-              </a:spcAft>
-              <a:buFontTx/>
-              <a:buChar char="-"/>
-            </a:pPr>
-            <a:r>
-              <a:rPr lang="en-US" dirty="0"/>
-              <a:t>At least1044 Pokémon exist, meaning our chosen dataset likely doesn’t contain all generations of Pokémon. </a:t>
-            </a:r>
-          </a:p>
-          <a:p>
-            <a:pPr marL="171450" lvl="0" indent="-171450" algn="l" rtl="0">
-              <a:spcBef>
-                <a:spcPts val="0"/>
-              </a:spcBef>
-              <a:spcAft>
-                <a:spcPts val="0"/>
-              </a:spcAft>
-              <a:buFontTx/>
-              <a:buChar char="-"/>
-            </a:pPr>
-            <a:r>
-              <a:rPr lang="en-US" dirty="0"/>
-              <a:t>There is a dataset with more images per Pokémon. While it only covers a small number of Pokémon, this may be an option to get more image for training data. </a:t>
-            </a:r>
-          </a:p>
-          <a:p>
-            <a:pPr marL="0" lvl="0" indent="0" algn="l" rtl="0">
-              <a:spcBef>
-                <a:spcPts val="0"/>
-              </a:spcBef>
-              <a:spcAft>
-                <a:spcPts val="0"/>
-              </a:spcAft>
-              <a:buFontTx/>
-              <a:buNone/>
-            </a:pPr>
-            <a:endParaRPr lang="en-US" dirty="0"/>
           </a:p>
         </p:txBody>
       </p:sp>
     </p:spTree>
     <p:extLst>
       <p:ext uri="{BB962C8B-B14F-4D97-AF65-F5344CB8AC3E}">
-        <p14:creationId xmlns:p14="http://schemas.microsoft.com/office/powerpoint/2010/main" val="3162733803"/>
+        <p14:creationId xmlns:p14="http://schemas.microsoft.com/office/powerpoint/2010/main" val="1396466120"/>
       </p:ext>
     </p:extLst>
   </p:cSld>
@@ -5271,7 +5338,7 @@
             </a:pPr>
             <a:r>
               <a:rPr lang="en-US" dirty="0"/>
-              <a:t>Unless you have a project that is already tied to a data source, you will have to find good data yourself. Even if you have good data sources, you often can complement them with other data.</a:t>
+              <a:t>The first thing you should do when having your goal, is search for datasets. Data is the most crucial part of Machine Learning. As the saying goas: Garbage in -&gt; Garbage out. Without good data, you won’t be able to learn a good model.</a:t>
             </a:r>
           </a:p>
           <a:p>
@@ -5298,126 +5365,174 @@
             </a:pPr>
             <a:r>
               <a:rPr lang="en-US" dirty="0"/>
-              <a:t>Before you start the search, you should think about and note down your requirements. These should generally be based on what information should be contained in the dataset and which resolution / quantity it should exhibit. At this stage it is not important for the data to be in the right format. You will do Data analysis and processing anyway. </a:t>
+              <a:t>For our running example, we want a dataset that fulfills the following requirements:</a:t>
             </a:r>
           </a:p>
           <a:p>
-            <a:pPr marL="0" lvl="0" indent="0" algn="l" rtl="0">
+            <a:pPr marL="171450" lvl="0" indent="-171450" algn="l" rtl="0">
               <a:spcBef>
                 <a:spcPts val="0"/>
               </a:spcBef>
               <a:spcAft>
                 <a:spcPts val="0"/>
               </a:spcAft>
-              <a:buNone/>
-            </a:pPr>
-            <a:endParaRPr lang="en-US" dirty="0"/>
-          </a:p>
-          <a:p>
-            <a:pPr marL="0" marR="0" lvl="0" indent="0" algn="l" defTabSz="914400" rtl="0" eaLnBrk="1" fontAlgn="auto" latinLnBrk="0" hangingPunct="1">
-              <a:lnSpc>
-                <a:spcPct val="100000"/>
-              </a:lnSpc>
-              <a:spcBef>
-                <a:spcPts val="0"/>
-              </a:spcBef>
-              <a:spcAft>
-                <a:spcPts val="0"/>
-              </a:spcAft>
-              <a:buClr>
-                <a:srgbClr val="000000"/>
-              </a:buClr>
-              <a:buSzPts val="1100"/>
-              <a:buFont typeface="Arial"/>
-              <a:buNone/>
-              <a:tabLst/>
-              <a:defRPr/>
+              <a:buFontTx/>
+              <a:buChar char="-"/>
             </a:pPr>
             <a:r>
               <a:rPr lang="en-US" dirty="0"/>
-              <a:t>After you have defined your criteria, it is time to search. It is a good idea to keep track of all datasets you have seen before in a table evaluating your requirements. This gives you an overview later.  It can be a good idea to also include datasets that don’t fulfill all requirements. On the one hand, this means you can avoid looking at the same dataset twice (more likely to happen if there are a lot of datasets or multiple team members doing the each). On the other hand, you could end up in a situation in which you need to synthesize two datasets and merge them. It’s good to know your options early.</a:t>
+              <a:t>A high number of Pokémon should be represented in the dataset. </a:t>
             </a:r>
           </a:p>
           <a:p>
-            <a:pPr marL="0" marR="0" lvl="0" indent="0" algn="l" defTabSz="914400" rtl="0" eaLnBrk="1" fontAlgn="auto" latinLnBrk="0" hangingPunct="1">
-              <a:lnSpc>
-                <a:spcPct val="100000"/>
-              </a:lnSpc>
+            <a:pPr marL="171450" lvl="0" indent="-171450" algn="l" rtl="0">
               <a:spcBef>
                 <a:spcPts val="0"/>
               </a:spcBef>
               <a:spcAft>
                 <a:spcPts val="0"/>
               </a:spcAft>
-              <a:buClr>
-                <a:srgbClr val="000000"/>
-              </a:buClr>
-              <a:buSzPts val="1100"/>
-              <a:buFont typeface="Arial"/>
-              <a:buNone/>
-              <a:tabLst/>
-              <a:defRPr/>
-            </a:pPr>
-            <a:endParaRPr lang="en-US" dirty="0"/>
-          </a:p>
-          <a:p>
-            <a:pPr marL="0" marR="0" lvl="0" indent="0" algn="l" defTabSz="914400" rtl="0" eaLnBrk="1" fontAlgn="auto" latinLnBrk="0" hangingPunct="1">
-              <a:lnSpc>
-                <a:spcPct val="100000"/>
-              </a:lnSpc>
-              <a:spcBef>
-                <a:spcPts val="0"/>
-              </a:spcBef>
-              <a:spcAft>
-                <a:spcPts val="0"/>
-              </a:spcAft>
-              <a:buClr>
-                <a:srgbClr val="000000"/>
-              </a:buClr>
-              <a:buSzPts val="1100"/>
-              <a:buFont typeface="Arial"/>
-              <a:buNone/>
-              <a:tabLst/>
-              <a:defRPr/>
+              <a:buFontTx/>
+              <a:buChar char="-"/>
             </a:pPr>
             <a:r>
               <a:rPr lang="en-US" dirty="0"/>
-              <a:t>Extracting the criteria may require some more detailed analysis. Don’t be afraid to already load them into a notebook and play around with them if you can’t find all details on their website. </a:t>
+              <a:t>The dataset should contain information about Pokémon types.</a:t>
             </a:r>
           </a:p>
           <a:p>
-            <a:pPr marL="0" lvl="0" indent="0" algn="l" rtl="0">
+            <a:pPr marL="171450" lvl="0" indent="-171450" algn="l" rtl="0">
               <a:spcBef>
                 <a:spcPts val="0"/>
               </a:spcBef>
               <a:spcAft>
                 <a:spcPts val="0"/>
               </a:spcAft>
-              <a:buNone/>
-            </a:pPr>
-            <a:endParaRPr lang="en-US" dirty="0"/>
-          </a:p>
-          <a:p>
-            <a:pPr marL="0" lvl="0" indent="0" algn="l" rtl="0">
-              <a:spcBef>
-                <a:spcPts val="0"/>
-              </a:spcBef>
-              <a:spcAft>
-                <a:spcPts val="0"/>
-              </a:spcAft>
-              <a:buNone/>
+              <a:buFontTx/>
+              <a:buChar char="-"/>
             </a:pPr>
             <a:r>
               <a:rPr lang="en-US" dirty="0"/>
-              <a:t>After collecting datasets, you apply your criteria and select the best one / best ones. You should reflect on your choice. Is it perfect? Do you see weaknesses that you need to keep an eye on and are there possible solutions that you could try?</a:t>
+              <a:t>The dataset should contain images for each Pokémon. The more the better. </a:t>
             </a:r>
+          </a:p>
+          <a:p>
+            <a:pPr marL="0" lvl="0" indent="0" algn="l" rtl="0">
+              <a:spcBef>
+                <a:spcPts val="0"/>
+              </a:spcBef>
+              <a:spcAft>
+                <a:spcPts val="0"/>
+              </a:spcAft>
+              <a:buFontTx/>
+              <a:buNone/>
+            </a:pPr>
+            <a:endParaRPr lang="en-US" dirty="0"/>
+          </a:p>
+          <a:p>
+            <a:pPr marL="0" lvl="0" indent="0" algn="l" rtl="0">
+              <a:spcBef>
+                <a:spcPts val="0"/>
+              </a:spcBef>
+              <a:spcAft>
+                <a:spcPts val="0"/>
+              </a:spcAft>
+              <a:buFontTx/>
+              <a:buNone/>
+            </a:pPr>
+            <a:r>
+              <a:rPr lang="en-US" dirty="0"/>
+              <a:t>We found four different datasets. There are quite a few more, but this is one of the places where take the liberty of not being through because our main goal is to build an example for teaching. Of the four datasets, only one the one from </a:t>
+            </a:r>
+            <a:r>
+              <a:rPr lang="en-US" dirty="0" err="1"/>
+              <a:t>Vishalsubbiah</a:t>
+            </a:r>
+            <a:r>
+              <a:rPr lang="en-US" dirty="0"/>
+              <a:t> has type labels and images. With this reasoning, we choose this dataset. Unfortunately, it only has one image per Pokémon, which is not optimal.</a:t>
+            </a:r>
+          </a:p>
+          <a:p>
+            <a:pPr marL="0" lvl="0" indent="0" algn="l" rtl="0">
+              <a:spcBef>
+                <a:spcPts val="0"/>
+              </a:spcBef>
+              <a:spcAft>
+                <a:spcPts val="0"/>
+              </a:spcAft>
+              <a:buFontTx/>
+              <a:buNone/>
+            </a:pPr>
+            <a:endParaRPr lang="en-US" dirty="0"/>
+          </a:p>
+          <a:p>
+            <a:pPr marL="0" lvl="0" indent="0" algn="l" rtl="0">
+              <a:spcBef>
+                <a:spcPts val="0"/>
+              </a:spcBef>
+              <a:spcAft>
+                <a:spcPts val="0"/>
+              </a:spcAft>
+              <a:buFontTx/>
+              <a:buNone/>
+            </a:pPr>
+            <a:r>
+              <a:rPr lang="en-US" dirty="0"/>
+              <a:t>From the table of collected data, we can also see that…</a:t>
+            </a:r>
+          </a:p>
+          <a:p>
+            <a:pPr marL="171450" lvl="0" indent="-171450" algn="l" rtl="0">
+              <a:spcBef>
+                <a:spcPts val="0"/>
+              </a:spcBef>
+              <a:spcAft>
+                <a:spcPts val="0"/>
+              </a:spcAft>
+              <a:buFontTx/>
+              <a:buChar char="-"/>
+            </a:pPr>
+            <a:r>
+              <a:rPr lang="en-US" dirty="0"/>
+              <a:t>At least1044 Pokémon exist, meaning our chosen dataset likely doesn’t contain all generations of Pokémon. </a:t>
+            </a:r>
+          </a:p>
+          <a:p>
+            <a:pPr marL="171450" lvl="0" indent="-171450" algn="l" rtl="0">
+              <a:spcBef>
+                <a:spcPts val="0"/>
+              </a:spcBef>
+              <a:spcAft>
+                <a:spcPts val="0"/>
+              </a:spcAft>
+              <a:buFontTx/>
+              <a:buChar char="-"/>
+            </a:pPr>
+            <a:r>
+              <a:rPr lang="en-US" dirty="0"/>
+              <a:t>There is a dataset with more images per Pokémon. While it only covers a small number of Pokémon, this may be an option to get more image for training data. </a:t>
+            </a:r>
+          </a:p>
+          <a:p>
+            <a:pPr marL="0" lvl="0" indent="0" algn="l" rtl="0">
+              <a:spcBef>
+                <a:spcPts val="0"/>
+              </a:spcBef>
+              <a:spcAft>
+                <a:spcPts val="0"/>
+              </a:spcAft>
+              <a:buFontTx/>
+              <a:buNone/>
+            </a:pPr>
+            <a:endParaRPr lang="en-US" dirty="0"/>
           </a:p>
         </p:txBody>
       </p:sp>
     </p:spTree>
     <p:extLst>
       <p:ext uri="{BB962C8B-B14F-4D97-AF65-F5344CB8AC3E}">
-        <p14:creationId xmlns:p14="http://schemas.microsoft.com/office/powerpoint/2010/main" val="3563977621"/>
+        <p14:creationId xmlns:p14="http://schemas.microsoft.com/office/powerpoint/2010/main" val="3162733803"/>
       </p:ext>
     </p:extLst>
   </p:cSld>
@@ -9650,6 +9765,740 @@
         </p:nvGrpSpPr>
         <p:grpSpPr>
           <a:xfrm>
+            <a:off x="-596900" y="0"/>
+            <a:ext cx="16950774" cy="5144048"/>
+            <a:chOff x="-5346700" y="0"/>
+            <a:chExt cx="16950774" cy="5144048"/>
+          </a:xfrm>
+        </p:grpSpPr>
+        <p:sp>
+          <p:nvSpPr>
+            <p:cNvPr id="7" name="Rectangle 6">
+              <a:extLst>
+                <a:ext uri="{FF2B5EF4-FFF2-40B4-BE49-F238E27FC236}">
+                  <a16:creationId xmlns:a16="http://schemas.microsoft.com/office/drawing/2014/main" id="{6B8B48F1-C263-1FF0-30A4-D011331D725D}"/>
+                </a:ext>
+              </a:extLst>
+            </p:cNvPr>
+            <p:cNvSpPr/>
+            <p:nvPr/>
+          </p:nvSpPr>
+          <p:spPr>
+            <a:xfrm>
+              <a:off x="-5346700" y="2284"/>
+              <a:ext cx="9920159" cy="5141216"/>
+            </a:xfrm>
+            <a:prstGeom prst="rect">
+              <a:avLst/>
+            </a:prstGeom>
+            <a:solidFill>
+              <a:srgbClr val="92D050"/>
+            </a:solidFill>
+            <a:ln>
+              <a:noFill/>
+            </a:ln>
+          </p:spPr>
+          <p:style>
+            <a:lnRef idx="2">
+              <a:schemeClr val="accent1">
+                <a:shade val="50000"/>
+              </a:schemeClr>
+            </a:lnRef>
+            <a:fillRef idx="1">
+              <a:schemeClr val="accent1"/>
+            </a:fillRef>
+            <a:effectRef idx="0">
+              <a:schemeClr val="accent1"/>
+            </a:effectRef>
+            <a:fontRef idx="minor">
+              <a:schemeClr val="lt1"/>
+            </a:fontRef>
+          </p:style>
+          <p:txBody>
+            <a:bodyPr rtlCol="0" anchor="ctr"/>
+            <a:lstStyle/>
+            <a:p>
+              <a:pPr algn="ctr"/>
+              <a:endParaRPr lang="en-DE" dirty="0">
+                <a:solidFill>
+                  <a:schemeClr val="accent1">
+                    <a:lumMod val="20000"/>
+                    <a:lumOff val="80000"/>
+                  </a:schemeClr>
+                </a:solidFill>
+              </a:endParaRPr>
+            </a:p>
+          </p:txBody>
+        </p:sp>
+        <p:sp>
+          <p:nvSpPr>
+            <p:cNvPr id="8" name="Rectangle 7">
+              <a:extLst>
+                <a:ext uri="{FF2B5EF4-FFF2-40B4-BE49-F238E27FC236}">
+                  <a16:creationId xmlns:a16="http://schemas.microsoft.com/office/drawing/2014/main" id="{160CDC7C-1DF1-1086-5B61-B051388EC862}"/>
+                </a:ext>
+              </a:extLst>
+            </p:cNvPr>
+            <p:cNvSpPr/>
+            <p:nvPr/>
+          </p:nvSpPr>
+          <p:spPr>
+            <a:xfrm>
+              <a:off x="4573455" y="2278"/>
+              <a:ext cx="7030619" cy="5141216"/>
+            </a:xfrm>
+            <a:prstGeom prst="rect">
+              <a:avLst/>
+            </a:prstGeom>
+            <a:solidFill>
+              <a:schemeClr val="accent1">
+                <a:lumMod val="40000"/>
+                <a:lumOff val="60000"/>
+              </a:schemeClr>
+            </a:solidFill>
+            <a:ln>
+              <a:noFill/>
+            </a:ln>
+          </p:spPr>
+          <p:style>
+            <a:lnRef idx="2">
+              <a:schemeClr val="accent1">
+                <a:shade val="50000"/>
+              </a:schemeClr>
+            </a:lnRef>
+            <a:fillRef idx="1">
+              <a:schemeClr val="accent1"/>
+            </a:fillRef>
+            <a:effectRef idx="0">
+              <a:schemeClr val="accent1"/>
+            </a:effectRef>
+            <a:fontRef idx="minor">
+              <a:schemeClr val="lt1"/>
+            </a:fontRef>
+          </p:style>
+          <p:txBody>
+            <a:bodyPr rtlCol="0" anchor="ctr"/>
+            <a:lstStyle/>
+            <a:p>
+              <a:pPr algn="ctr"/>
+              <a:endParaRPr lang="en-DE" dirty="0"/>
+            </a:p>
+          </p:txBody>
+        </p:sp>
+        <p:sp>
+          <p:nvSpPr>
+            <p:cNvPr id="14" name="Oval 13">
+              <a:extLst>
+                <a:ext uri="{FF2B5EF4-FFF2-40B4-BE49-F238E27FC236}">
+                  <a16:creationId xmlns:a16="http://schemas.microsoft.com/office/drawing/2014/main" id="{C0174442-965A-F027-3455-17020BAA5563}"/>
+                </a:ext>
+              </a:extLst>
+            </p:cNvPr>
+            <p:cNvSpPr/>
+            <p:nvPr/>
+          </p:nvSpPr>
+          <p:spPr>
+            <a:xfrm>
+              <a:off x="3283824" y="0"/>
+              <a:ext cx="2573443" cy="2573443"/>
+            </a:xfrm>
+            <a:prstGeom prst="ellipse">
+              <a:avLst/>
+            </a:prstGeom>
+            <a:solidFill>
+              <a:schemeClr val="accent1">
+                <a:lumMod val="40000"/>
+                <a:lumOff val="60000"/>
+              </a:schemeClr>
+            </a:solidFill>
+            <a:ln>
+              <a:noFill/>
+            </a:ln>
+          </p:spPr>
+          <p:style>
+            <a:lnRef idx="2">
+              <a:schemeClr val="accent1">
+                <a:shade val="50000"/>
+              </a:schemeClr>
+            </a:lnRef>
+            <a:fillRef idx="1">
+              <a:schemeClr val="accent1"/>
+            </a:fillRef>
+            <a:effectRef idx="0">
+              <a:schemeClr val="accent1"/>
+            </a:effectRef>
+            <a:fontRef idx="minor">
+              <a:schemeClr val="lt1"/>
+            </a:fontRef>
+          </p:style>
+          <p:txBody>
+            <a:bodyPr rtlCol="0" anchor="ctr"/>
+            <a:lstStyle/>
+            <a:p>
+              <a:pPr algn="ctr"/>
+              <a:endParaRPr lang="en-DE"/>
+            </a:p>
+          </p:txBody>
+        </p:sp>
+        <p:sp>
+          <p:nvSpPr>
+            <p:cNvPr id="15" name="Oval 14">
+              <a:extLst>
+                <a:ext uri="{FF2B5EF4-FFF2-40B4-BE49-F238E27FC236}">
+                  <a16:creationId xmlns:a16="http://schemas.microsoft.com/office/drawing/2014/main" id="{1F82C0BB-7F4C-B6DC-8B80-5BE387960F09}"/>
+                </a:ext>
+              </a:extLst>
+            </p:cNvPr>
+            <p:cNvSpPr/>
+            <p:nvPr/>
+          </p:nvSpPr>
+          <p:spPr>
+            <a:xfrm>
+              <a:off x="3283819" y="2570605"/>
+              <a:ext cx="2573443" cy="2573443"/>
+            </a:xfrm>
+            <a:prstGeom prst="ellipse">
+              <a:avLst/>
+            </a:prstGeom>
+            <a:solidFill>
+              <a:srgbClr val="92D050"/>
+            </a:solidFill>
+            <a:ln>
+              <a:noFill/>
+            </a:ln>
+          </p:spPr>
+          <p:style>
+            <a:lnRef idx="2">
+              <a:schemeClr val="accent1">
+                <a:shade val="50000"/>
+              </a:schemeClr>
+            </a:lnRef>
+            <a:fillRef idx="1">
+              <a:schemeClr val="accent1"/>
+            </a:fillRef>
+            <a:effectRef idx="0">
+              <a:schemeClr val="accent1"/>
+            </a:effectRef>
+            <a:fontRef idx="minor">
+              <a:schemeClr val="lt1"/>
+            </a:fontRef>
+          </p:style>
+          <p:txBody>
+            <a:bodyPr rtlCol="0" anchor="ctr"/>
+            <a:lstStyle/>
+            <a:p>
+              <a:pPr algn="ctr"/>
+              <a:endParaRPr lang="en-DE"/>
+            </a:p>
+          </p:txBody>
+        </p:sp>
+      </p:grpSp>
+      <p:sp>
+        <p:nvSpPr>
+          <p:cNvPr id="3" name="Google Shape;96;p20">
+            <a:extLst>
+              <a:ext uri="{FF2B5EF4-FFF2-40B4-BE49-F238E27FC236}">
+                <a16:creationId xmlns:a16="http://schemas.microsoft.com/office/drawing/2014/main" id="{9294BA7F-CB96-1606-A646-CD249CD552C4}"/>
+              </a:ext>
+            </a:extLst>
+          </p:cNvPr>
+          <p:cNvSpPr txBox="1">
+            <a:spLocks noGrp="1"/>
+          </p:cNvSpPr>
+          <p:nvPr>
+            <p:ph type="title"/>
+          </p:nvPr>
+        </p:nvSpPr>
+        <p:spPr>
+          <a:xfrm>
+            <a:off x="311700" y="445025"/>
+            <a:ext cx="8520600" cy="572700"/>
+          </a:xfrm>
+          <a:prstGeom prst="rect">
+            <a:avLst/>
+          </a:prstGeom>
+        </p:spPr>
+        <p:txBody>
+          <a:bodyPr spcFirstLastPara="1" wrap="square" lIns="91425" tIns="91425" rIns="91425" bIns="91425" anchor="t" anchorCtr="0">
+            <a:noAutofit/>
+          </a:bodyPr>
+          <a:lstStyle/>
+          <a:p>
+            <a:pPr marL="0" lvl="0" indent="0" algn="l" rtl="0">
+              <a:spcBef>
+                <a:spcPts val="0"/>
+              </a:spcBef>
+              <a:spcAft>
+                <a:spcPts val="0"/>
+              </a:spcAft>
+              <a:buNone/>
+            </a:pPr>
+            <a:r>
+              <a:rPr lang="en-GB" sz="3200" dirty="0">
+                <a:solidFill>
+                  <a:schemeClr val="bg1"/>
+                </a:solidFill>
+                <a:latin typeface="Calibri" panose="020F0502020204030204" pitchFamily="34" charset="0"/>
+                <a:cs typeface="Calibri" panose="020F0502020204030204" pitchFamily="34" charset="0"/>
+              </a:rPr>
+              <a:t>How to approach Dataset search?</a:t>
+            </a:r>
+            <a:endParaRPr sz="3200" dirty="0">
+              <a:solidFill>
+                <a:schemeClr val="bg1"/>
+              </a:solidFill>
+              <a:latin typeface="Calibri" panose="020F0502020204030204" pitchFamily="34" charset="0"/>
+              <a:cs typeface="Calibri" panose="020F0502020204030204" pitchFamily="34" charset="0"/>
+            </a:endParaRPr>
+          </a:p>
+        </p:txBody>
+      </p:sp>
+      <p:sp>
+        <p:nvSpPr>
+          <p:cNvPr id="4" name="Google Shape;97;p20">
+            <a:extLst>
+              <a:ext uri="{FF2B5EF4-FFF2-40B4-BE49-F238E27FC236}">
+                <a16:creationId xmlns:a16="http://schemas.microsoft.com/office/drawing/2014/main" id="{4A80821F-95CB-81F7-4EB5-91C848CD2F42}"/>
+              </a:ext>
+            </a:extLst>
+          </p:cNvPr>
+          <p:cNvSpPr txBox="1">
+            <a:spLocks noGrp="1"/>
+          </p:cNvSpPr>
+          <p:nvPr>
+            <p:ph type="body" idx="1"/>
+          </p:nvPr>
+        </p:nvSpPr>
+        <p:spPr>
+          <a:xfrm>
+            <a:off x="311700" y="1191491"/>
+            <a:ext cx="8832300" cy="3647034"/>
+          </a:xfrm>
+          <a:prstGeom prst="rect">
+            <a:avLst/>
+          </a:prstGeom>
+        </p:spPr>
+        <p:txBody>
+          <a:bodyPr spcFirstLastPara="1" wrap="square" lIns="91425" tIns="91425" rIns="91425" bIns="91425" anchor="t" anchorCtr="0">
+            <a:noAutofit/>
+          </a:bodyPr>
+          <a:lstStyle/>
+          <a:p>
+            <a:pPr marL="114300" lvl="0" indent="0">
+              <a:buNone/>
+            </a:pPr>
+            <a:r>
+              <a:rPr lang="en-US" sz="2200" dirty="0">
+                <a:solidFill>
+                  <a:schemeClr val="bg1"/>
+                </a:solidFill>
+              </a:rPr>
+              <a:t>Define criteria beforehand.</a:t>
+            </a:r>
+          </a:p>
+          <a:p>
+            <a:pPr marL="114300" lvl="0" indent="0">
+              <a:buNone/>
+            </a:pPr>
+            <a:endParaRPr lang="en-US" sz="2200" dirty="0">
+              <a:solidFill>
+                <a:schemeClr val="bg1"/>
+              </a:solidFill>
+            </a:endParaRPr>
+          </a:p>
+          <a:p>
+            <a:pPr marL="114300" lvl="0" indent="0">
+              <a:buNone/>
+            </a:pPr>
+            <a:r>
+              <a:rPr lang="en-US" sz="2200" dirty="0">
+                <a:solidFill>
+                  <a:schemeClr val="bg1"/>
+                </a:solidFill>
+              </a:rPr>
+              <a:t>Keep track of datasets you’ve seen</a:t>
+            </a:r>
+          </a:p>
+          <a:p>
+            <a:pPr marL="114300" lvl="0" indent="0">
+              <a:buNone/>
+            </a:pPr>
+            <a:endParaRPr lang="en-US" sz="2200" dirty="0">
+              <a:solidFill>
+                <a:schemeClr val="bg1"/>
+              </a:solidFill>
+            </a:endParaRPr>
+          </a:p>
+          <a:p>
+            <a:pPr marL="114300" lvl="0" indent="0">
+              <a:buNone/>
+            </a:pPr>
+            <a:r>
+              <a:rPr lang="en-US" sz="2200" dirty="0">
+                <a:solidFill>
+                  <a:schemeClr val="bg1"/>
+                </a:solidFill>
+              </a:rPr>
+              <a:t>Don’t be afraid to open a notebook and dig in!</a:t>
+            </a:r>
+          </a:p>
+          <a:p>
+            <a:pPr marL="114300" lvl="0" indent="0">
+              <a:buNone/>
+            </a:pPr>
+            <a:endParaRPr lang="en-US" sz="2200" dirty="0">
+              <a:solidFill>
+                <a:schemeClr val="bg1"/>
+              </a:solidFill>
+            </a:endParaRPr>
+          </a:p>
+          <a:p>
+            <a:pPr marL="114300" lvl="0" indent="0">
+              <a:buNone/>
+            </a:pPr>
+            <a:r>
+              <a:rPr lang="en-US" sz="2200" dirty="0">
+                <a:solidFill>
+                  <a:schemeClr val="bg1"/>
+                </a:solidFill>
+              </a:rPr>
+              <a:t>Select and Reflect!</a:t>
+            </a:r>
+          </a:p>
+          <a:p>
+            <a:pPr marL="114300" lvl="0" indent="0">
+              <a:buNone/>
+            </a:pPr>
+            <a:endParaRPr lang="en-US" sz="2200" dirty="0">
+              <a:solidFill>
+                <a:schemeClr val="bg1"/>
+              </a:solidFill>
+            </a:endParaRPr>
+          </a:p>
+        </p:txBody>
+      </p:sp>
+    </p:spTree>
+    <p:extLst>
+      <p:ext uri="{BB962C8B-B14F-4D97-AF65-F5344CB8AC3E}">
+        <p14:creationId xmlns:p14="http://schemas.microsoft.com/office/powerpoint/2010/main" val="3209440895"/>
+      </p:ext>
+    </p:extLst>
+  </p:cSld>
+  <p:clrMapOvr>
+    <a:masterClrMapping/>
+  </p:clrMapOvr>
+  <p:timing>
+    <p:tnLst>
+      <p:par>
+        <p:cTn id="1" dur="indefinite" restart="never" nodeType="tmRoot">
+          <p:childTnLst>
+            <p:seq concurrent="1" nextAc="seek">
+              <p:cTn id="2" dur="indefinite" nodeType="mainSeq">
+                <p:childTnLst>
+                  <p:par>
+                    <p:cTn id="3" fill="hold">
+                      <p:stCondLst>
+                        <p:cond delay="indefinite"/>
+                      </p:stCondLst>
+                      <p:childTnLst>
+                        <p:par>
+                          <p:cTn id="4" fill="hold">
+                            <p:stCondLst>
+                              <p:cond delay="0"/>
+                            </p:stCondLst>
+                            <p:childTnLst>
+                              <p:par>
+                                <p:cTn id="5" presetID="1" presetClass="entr" presetSubtype="0" fill="hold" nodeType="clickEffect">
+                                  <p:stCondLst>
+                                    <p:cond delay="0"/>
+                                  </p:stCondLst>
+                                  <p:childTnLst>
+                                    <p:set>
+                                      <p:cBhvr>
+                                        <p:cTn id="6" dur="1" fill="hold">
+                                          <p:stCondLst>
+                                            <p:cond delay="0"/>
+                                          </p:stCondLst>
+                                        </p:cTn>
+                                        <p:tgtEl>
+                                          <p:spTgt spid="4">
+                                            <p:txEl>
+                                              <p:pRg st="0" end="0"/>
+                                            </p:txEl>
+                                          </p:spTgt>
+                                        </p:tgtEl>
+                                        <p:attrNameLst>
+                                          <p:attrName>style.visibility</p:attrName>
+                                        </p:attrNameLst>
+                                      </p:cBhvr>
+                                      <p:to>
+                                        <p:strVal val="visible"/>
+                                      </p:to>
+                                    </p:set>
+                                  </p:childTnLst>
+                                </p:cTn>
+                              </p:par>
+                            </p:childTnLst>
+                          </p:cTn>
+                        </p:par>
+                      </p:childTnLst>
+                    </p:cTn>
+                  </p:par>
+                  <p:par>
+                    <p:cTn id="7" fill="hold">
+                      <p:stCondLst>
+                        <p:cond delay="indefinite"/>
+                      </p:stCondLst>
+                      <p:childTnLst>
+                        <p:par>
+                          <p:cTn id="8" fill="hold">
+                            <p:stCondLst>
+                              <p:cond delay="0"/>
+                            </p:stCondLst>
+                            <p:childTnLst>
+                              <p:par>
+                                <p:cTn id="9" presetID="1" presetClass="entr" presetSubtype="0" fill="hold" nodeType="clickEffect">
+                                  <p:stCondLst>
+                                    <p:cond delay="0"/>
+                                  </p:stCondLst>
+                                  <p:childTnLst>
+                                    <p:set>
+                                      <p:cBhvr>
+                                        <p:cTn id="10" dur="1" fill="hold">
+                                          <p:stCondLst>
+                                            <p:cond delay="0"/>
+                                          </p:stCondLst>
+                                        </p:cTn>
+                                        <p:tgtEl>
+                                          <p:spTgt spid="4">
+                                            <p:txEl>
+                                              <p:pRg st="2" end="2"/>
+                                            </p:txEl>
+                                          </p:spTgt>
+                                        </p:tgtEl>
+                                        <p:attrNameLst>
+                                          <p:attrName>style.visibility</p:attrName>
+                                        </p:attrNameLst>
+                                      </p:cBhvr>
+                                      <p:to>
+                                        <p:strVal val="visible"/>
+                                      </p:to>
+                                    </p:set>
+                                  </p:childTnLst>
+                                </p:cTn>
+                              </p:par>
+                            </p:childTnLst>
+                          </p:cTn>
+                        </p:par>
+                      </p:childTnLst>
+                    </p:cTn>
+                  </p:par>
+                  <p:par>
+                    <p:cTn id="11" fill="hold">
+                      <p:stCondLst>
+                        <p:cond delay="indefinite"/>
+                      </p:stCondLst>
+                      <p:childTnLst>
+                        <p:par>
+                          <p:cTn id="12" fill="hold">
+                            <p:stCondLst>
+                              <p:cond delay="0"/>
+                            </p:stCondLst>
+                            <p:childTnLst>
+                              <p:par>
+                                <p:cTn id="13" presetID="1" presetClass="entr" presetSubtype="0" fill="hold" nodeType="clickEffect">
+                                  <p:stCondLst>
+                                    <p:cond delay="0"/>
+                                  </p:stCondLst>
+                                  <p:childTnLst>
+                                    <p:set>
+                                      <p:cBhvr>
+                                        <p:cTn id="14" dur="1" fill="hold">
+                                          <p:stCondLst>
+                                            <p:cond delay="0"/>
+                                          </p:stCondLst>
+                                        </p:cTn>
+                                        <p:tgtEl>
+                                          <p:spTgt spid="4">
+                                            <p:txEl>
+                                              <p:pRg st="4" end="4"/>
+                                            </p:txEl>
+                                          </p:spTgt>
+                                        </p:tgtEl>
+                                        <p:attrNameLst>
+                                          <p:attrName>style.visibility</p:attrName>
+                                        </p:attrNameLst>
+                                      </p:cBhvr>
+                                      <p:to>
+                                        <p:strVal val="visible"/>
+                                      </p:to>
+                                    </p:set>
+                                  </p:childTnLst>
+                                </p:cTn>
+                              </p:par>
+                            </p:childTnLst>
+                          </p:cTn>
+                        </p:par>
+                      </p:childTnLst>
+                    </p:cTn>
+                  </p:par>
+                  <p:par>
+                    <p:cTn id="15" fill="hold">
+                      <p:stCondLst>
+                        <p:cond delay="indefinite"/>
+                      </p:stCondLst>
+                      <p:childTnLst>
+                        <p:par>
+                          <p:cTn id="16" fill="hold">
+                            <p:stCondLst>
+                              <p:cond delay="0"/>
+                            </p:stCondLst>
+                            <p:childTnLst>
+                              <p:par>
+                                <p:cTn id="17" presetID="1" presetClass="entr" presetSubtype="0" fill="hold" nodeType="clickEffect">
+                                  <p:stCondLst>
+                                    <p:cond delay="0"/>
+                                  </p:stCondLst>
+                                  <p:childTnLst>
+                                    <p:set>
+                                      <p:cBhvr>
+                                        <p:cTn id="18" dur="1" fill="hold">
+                                          <p:stCondLst>
+                                            <p:cond delay="0"/>
+                                          </p:stCondLst>
+                                        </p:cTn>
+                                        <p:tgtEl>
+                                          <p:spTgt spid="4">
+                                            <p:txEl>
+                                              <p:pRg st="6" end="6"/>
+                                            </p:txEl>
+                                          </p:spTgt>
+                                        </p:tgtEl>
+                                        <p:attrNameLst>
+                                          <p:attrName>style.visibility</p:attrName>
+                                        </p:attrNameLst>
+                                      </p:cBhvr>
+                                      <p:to>
+                                        <p:strVal val="visible"/>
+                                      </p:to>
+                                    </p:set>
+                                  </p:childTnLst>
+                                </p:cTn>
+                              </p:par>
+                            </p:childTnLst>
+                          </p:cTn>
+                        </p:par>
+                      </p:childTnLst>
+                    </p:cTn>
+                  </p:par>
+                </p:childTnLst>
+              </p:cTn>
+              <p:prevCondLst>
+                <p:cond evt="onPrev" delay="0">
+                  <p:tgtEl>
+                    <p:sldTgt/>
+                  </p:tgtEl>
+                </p:cond>
+              </p:prevCondLst>
+              <p:nextCondLst>
+                <p:cond evt="onNext" delay="0">
+                  <p:tgtEl>
+                    <p:sldTgt/>
+                  </p:tgtEl>
+                </p:cond>
+              </p:nextCondLst>
+            </p:seq>
+          </p:childTnLst>
+        </p:cTn>
+      </p:par>
+    </p:tnLst>
+  </p:timing>
+</p:sld>
+</file>
+
+<file path=ppt/slides/slide11.xml><?xml version="1.0" encoding="utf-8"?>
+<p:sld xmlns:a="http://schemas.openxmlformats.org/drawingml/2006/main" xmlns:r="http://schemas.openxmlformats.org/officeDocument/2006/relationships" xmlns:p="http://schemas.openxmlformats.org/presentationml/2006/main">
+  <p:cSld>
+    <p:spTree>
+      <p:nvGrpSpPr>
+        <p:cNvPr id="1" name="Shape 95"/>
+        <p:cNvGrpSpPr/>
+        <p:nvPr/>
+      </p:nvGrpSpPr>
+      <p:grpSpPr>
+        <a:xfrm>
+          <a:off x="0" y="0"/>
+          <a:ext cx="0" cy="0"/>
+          <a:chOff x="0" y="0"/>
+          <a:chExt cx="0" cy="0"/>
+        </a:xfrm>
+      </p:grpSpPr>
+      <p:sp>
+        <p:nvSpPr>
+          <p:cNvPr id="16" name="Rectangle 15">
+            <a:extLst>
+              <a:ext uri="{FF2B5EF4-FFF2-40B4-BE49-F238E27FC236}">
+                <a16:creationId xmlns:a16="http://schemas.microsoft.com/office/drawing/2014/main" id="{52CE0803-3970-0725-B548-0EC13D3C0E6F}"/>
+              </a:ext>
+            </a:extLst>
+          </p:cNvPr>
+          <p:cNvSpPr/>
+          <p:nvPr/>
+        </p:nvSpPr>
+        <p:spPr>
+          <a:xfrm>
+            <a:off x="0" y="0"/>
+            <a:ext cx="9144000" cy="5143500"/>
+          </a:xfrm>
+          <a:prstGeom prst="rect">
+            <a:avLst/>
+          </a:prstGeom>
+          <a:noFill/>
+          <a:ln>
+            <a:solidFill>
+              <a:schemeClr val="tx1"/>
+            </a:solidFill>
+          </a:ln>
+        </p:spPr>
+        <p:style>
+          <a:lnRef idx="2">
+            <a:schemeClr val="accent1">
+              <a:shade val="50000"/>
+            </a:schemeClr>
+          </a:lnRef>
+          <a:fillRef idx="1">
+            <a:schemeClr val="accent1"/>
+          </a:fillRef>
+          <a:effectRef idx="0">
+            <a:schemeClr val="accent1"/>
+          </a:effectRef>
+          <a:fontRef idx="minor">
+            <a:schemeClr val="lt1"/>
+          </a:fontRef>
+        </p:style>
+        <p:txBody>
+          <a:bodyPr rtlCol="0" anchor="ctr"/>
+          <a:lstStyle/>
+          <a:p>
+            <a:pPr algn="ctr"/>
+            <a:endParaRPr lang="en-DE"/>
+          </a:p>
+        </p:txBody>
+      </p:sp>
+      <p:grpSp>
+        <p:nvGrpSpPr>
+          <p:cNvPr id="2" name="Group 1">
+            <a:extLst>
+              <a:ext uri="{FF2B5EF4-FFF2-40B4-BE49-F238E27FC236}">
+                <a16:creationId xmlns:a16="http://schemas.microsoft.com/office/drawing/2014/main" id="{35963617-8374-40E0-A0F0-AD44706BD865}"/>
+              </a:ext>
+            </a:extLst>
+          </p:cNvPr>
+          <p:cNvGrpSpPr/>
+          <p:nvPr/>
+        </p:nvGrpSpPr>
+        <p:grpSpPr>
+          <a:xfrm>
             <a:off x="-9766300" y="0"/>
             <a:ext cx="19443700" cy="5144048"/>
             <a:chOff x="-5346700" y="0"/>
@@ -9993,7 +10842,7 @@
                   <a:srgbClr val="72AF2F"/>
                 </a:solidFill>
               </a:rPr>
-              <a:t>Version Control, Issue Tracking, Project Management</a:t>
+              <a:t>Version control, issue tracking, project management</a:t>
             </a:r>
           </a:p>
           <a:p>
@@ -10008,7 +10857,7 @@
                   <a:srgbClr val="72AF2F"/>
                 </a:solidFill>
               </a:rPr>
-              <a:t>Folder Structure, Clean Code Conventions, Tests</a:t>
+              <a:t>Folder structure, clean code conventions, tests</a:t>
             </a:r>
           </a:p>
           <a:p>
@@ -10023,7 +10872,7 @@
                   <a:srgbClr val="72AF2F"/>
                 </a:solidFill>
               </a:rPr>
-              <a:t>Tech Choices, Readme, </a:t>
+              <a:t>Tech choices, readme, </a:t>
             </a:r>
             <a:r>
               <a:rPr lang="en-US" sz="2000" dirty="0" err="1">
@@ -10031,7 +10880,7 @@
                   <a:srgbClr val="72AF2F"/>
                 </a:solidFill>
               </a:rPr>
-              <a:t>Venv</a:t>
+              <a:t>venv</a:t>
             </a:r>
             <a:endParaRPr lang="en-US" sz="2000" dirty="0">
               <a:solidFill>
@@ -10064,7 +10913,7 @@
                   <a:srgbClr val="72AF2F"/>
                 </a:solidFill>
               </a:rPr>
-              <a:t>All of these apply to a machine learning project as well.</a:t>
+              <a:t>All of these apply to a Machine Learning project as well.</a:t>
             </a:r>
           </a:p>
           <a:p>
@@ -10441,7 +11290,7 @@
 </p:sld>
 </file>
 
-<file path=ppt/slides/slide11.xml><?xml version="1.0" encoding="utf-8"?>
+<file path=ppt/slides/slide12.xml><?xml version="1.0" encoding="utf-8"?>
 <p:sld xmlns:a="http://schemas.openxmlformats.org/drawingml/2006/main" xmlns:r="http://schemas.openxmlformats.org/officeDocument/2006/relationships" xmlns:p="http://schemas.openxmlformats.org/presentationml/2006/main">
   <p:cSld>
     <p:spTree>
@@ -10954,7 +11803,7 @@
                   <a:srgbClr val="72AF2F"/>
                 </a:solidFill>
               </a:rPr>
-              <a:t>You want to convey reasoning and results to an audience</a:t>
+              <a:t>Communication to an audience</a:t>
             </a:r>
           </a:p>
           <a:p>
@@ -11441,7 +12290,7 @@
 </p:sld>
 </file>
 
-<file path=ppt/slides/slide12.xml><?xml version="1.0" encoding="utf-8"?>
+<file path=ppt/slides/slide13.xml><?xml version="1.0" encoding="utf-8"?>
 <p:sld xmlns:a="http://schemas.openxmlformats.org/drawingml/2006/main" xmlns:r="http://schemas.openxmlformats.org/officeDocument/2006/relationships" xmlns:p="http://schemas.openxmlformats.org/presentationml/2006/main">
   <p:cSld>
     <p:spTree>
@@ -11847,7 +12696,7 @@
               <a:buNone/>
             </a:pPr>
             <a:r>
-              <a:rPr lang="en-US" sz="2400" dirty="0">
+              <a:rPr lang="en-US" sz="2200" dirty="0">
                 <a:solidFill>
                   <a:srgbClr val="72AF2F"/>
                 </a:solidFill>
@@ -11885,20 +12734,12 @@
               </a:buClr>
             </a:pPr>
             <a:r>
-              <a:rPr lang="en-US" sz="2000" dirty="0" err="1">
-                <a:solidFill>
-                  <a:srgbClr val="72AF2F"/>
-                </a:solidFill>
-              </a:rPr>
-              <a:t>Deepnote</a:t>
-            </a:r>
-            <a:r>
               <a:rPr lang="en-US" sz="2000" dirty="0">
                 <a:solidFill>
                   <a:srgbClr val="72AF2F"/>
                 </a:solidFill>
               </a:rPr>
-              <a:t> is a good online alternative.</a:t>
+              <a:t>Deepnote is a good online alternative</a:t>
             </a:r>
           </a:p>
           <a:p>
@@ -11945,21 +12786,6 @@
                 </a:solidFill>
               </a:rPr>
               <a:t>Adjust Notebook Working directory</a:t>
-            </a:r>
-          </a:p>
-          <a:p>
-            <a:pPr marL="1417638">
-              <a:buClr>
-                <a:srgbClr val="72AF2F"/>
-              </a:buClr>
-            </a:pPr>
-            <a:r>
-              <a:rPr lang="en-US" sz="2000" dirty="0">
-                <a:solidFill>
-                  <a:srgbClr val="72AF2F"/>
-                </a:solidFill>
-              </a:rPr>
-              <a:t>Default =  Notebook location.</a:t>
             </a:r>
           </a:p>
           <a:p>
@@ -11988,7 +12814,7 @@
             </a:endParaRPr>
           </a:p>
           <a:p>
-            <a:pPr marL="1074738" indent="-266700">
+            <a:pPr marL="1074738" indent="-87313">
               <a:buNone/>
             </a:pPr>
             <a:r>
@@ -11997,7 +12823,7 @@
                   <a:srgbClr val="72AF2F"/>
                 </a:solidFill>
               </a:rPr>
-              <a:t>Notebooks and Git are only slightly awkward</a:t>
+              <a:t>Notebooks and Git are slightly awkward</a:t>
             </a:r>
           </a:p>
           <a:p>
@@ -12272,15 +13098,33 @@
                                   </p:childTnLst>
                                 </p:cTn>
                               </p:par>
+                            </p:childTnLst>
+                          </p:cTn>
+                        </p:par>
+                      </p:childTnLst>
+                    </p:cTn>
+                  </p:par>
+                  <p:par>
+                    <p:cTn id="21" fill="hold">
+                      <p:stCondLst>
+                        <p:cond delay="indefinite"/>
+                      </p:stCondLst>
+                      <p:childTnLst>
+                        <p:par>
+                          <p:cTn id="22" fill="hold">
+                            <p:stCondLst>
+                              <p:cond delay="0"/>
+                            </p:stCondLst>
+                            <p:childTnLst>
                               <p:par>
-                                <p:cTn id="21" presetID="1" presetClass="entr" presetSubtype="0" fill="hold" nodeType="withEffect">
+                                <p:cTn id="23" presetID="1" presetClass="entr" presetSubtype="0" fill="hold" nodeType="clickEffect">
                                   <p:stCondLst>
                                     <p:cond delay="0"/>
                                   </p:stCondLst>
                                   <p:childTnLst>
                                     <p:set>
                                       <p:cBhvr>
-                                        <p:cTn id="22" dur="1" fill="hold">
+                                        <p:cTn id="24" dur="1" fill="hold">
                                           <p:stCondLst>
                                             <p:cond delay="0"/>
                                           </p:stCondLst>
@@ -12288,7 +13132,7 @@
                                         <p:tgtEl>
                                           <p:spTgt spid="4">
                                             <p:txEl>
-                                              <p:pRg st="8" end="8"/>
+                                              <p:pRg st="9" end="9"/>
                                             </p:txEl>
                                           </p:spTgt>
                                         </p:tgtEl>
@@ -12310,26 +13154,26 @@
                     </p:cTn>
                   </p:par>
                   <p:par>
-                    <p:cTn id="23" fill="hold">
+                    <p:cTn id="25" fill="hold">
                       <p:stCondLst>
                         <p:cond delay="indefinite"/>
                       </p:stCondLst>
                       <p:childTnLst>
                         <p:par>
-                          <p:cTn id="24" fill="hold">
+                          <p:cTn id="26" fill="hold">
                             <p:stCondLst>
                               <p:cond delay="0"/>
                             </p:stCondLst>
                             <p:childTnLst>
                               <p:par>
-                                <p:cTn id="25" presetID="1" presetClass="entr" presetSubtype="0" fill="hold" nodeType="clickEffect">
+                                <p:cTn id="27" presetID="1" presetClass="exit" presetSubtype="0" fill="hold" grpId="0" nodeType="clickEffect">
                                   <p:stCondLst>
                                     <p:cond delay="0"/>
                                   </p:stCondLst>
                                   <p:childTnLst>
                                     <p:set>
                                       <p:cBhvr>
-                                        <p:cTn id="26" dur="1" fill="hold">
+                                        <p:cTn id="28" dur="1" fill="hold">
                                           <p:stCondLst>
                                             <p:cond delay="0"/>
                                           </p:stCondLst>
@@ -12337,7 +13181,7 @@
                                         <p:tgtEl>
                                           <p:spTgt spid="4">
                                             <p:txEl>
-                                              <p:pRg st="10" end="10"/>
+                                              <p:pRg st="0" end="0"/>
                                             </p:txEl>
                                           </p:spTgt>
                                         </p:tgtEl>
@@ -12346,32 +13190,14 @@
                                         </p:attrNameLst>
                                       </p:cBhvr>
                                       <p:to>
-                                        <p:strVal val="visible"/>
+                                        <p:strVal val="hidden"/>
                                       </p:to>
                                     </p:set>
                                   </p:childTnLst>
                                 </p:cTn>
                               </p:par>
-                            </p:childTnLst>
-                          </p:cTn>
-                        </p:par>
-                      </p:childTnLst>
-                    </p:cTn>
-                  </p:par>
-                  <p:par>
-                    <p:cTn id="27" fill="hold">
-                      <p:stCondLst>
-                        <p:cond delay="indefinite"/>
-                      </p:stCondLst>
-                      <p:childTnLst>
-                        <p:par>
-                          <p:cTn id="28" fill="hold">
-                            <p:stCondLst>
-                              <p:cond delay="0"/>
-                            </p:stCondLst>
-                            <p:childTnLst>
                               <p:par>
-                                <p:cTn id="29" presetID="1" presetClass="exit" presetSubtype="0" fill="hold" grpId="0" nodeType="clickEffect">
+                                <p:cTn id="29" presetID="1" presetClass="exit" presetSubtype="0" fill="hold" grpId="0" nodeType="withEffect">
                                   <p:stCondLst>
                                     <p:cond delay="0"/>
                                   </p:stCondLst>
@@ -12386,7 +13212,7 @@
                                         <p:tgtEl>
                                           <p:spTgt spid="4">
                                             <p:txEl>
-                                              <p:pRg st="0" end="0"/>
+                                              <p:pRg st="1" end="1"/>
                                             </p:txEl>
                                           </p:spTgt>
                                         </p:tgtEl>
@@ -12417,7 +13243,7 @@
                                         <p:tgtEl>
                                           <p:spTgt spid="4">
                                             <p:txEl>
-                                              <p:pRg st="1" end="1"/>
+                                              <p:pRg st="2" end="2"/>
                                             </p:txEl>
                                           </p:spTgt>
                                         </p:tgtEl>
@@ -12448,7 +13274,7 @@
                                         <p:tgtEl>
                                           <p:spTgt spid="4">
                                             <p:txEl>
-                                              <p:pRg st="2" end="2"/>
+                                              <p:pRg st="4" end="4"/>
                                             </p:txEl>
                                           </p:spTgt>
                                         </p:tgtEl>
@@ -12479,7 +13305,7 @@
                                         <p:tgtEl>
                                           <p:spTgt spid="4">
                                             <p:txEl>
-                                              <p:pRg st="4" end="4"/>
+                                              <p:pRg st="6" end="6"/>
                                             </p:txEl>
                                           </p:spTgt>
                                         </p:tgtEl>
@@ -12510,7 +13336,7 @@
                                         <p:tgtEl>
                                           <p:spTgt spid="4">
                                             <p:txEl>
-                                              <p:pRg st="6" end="6"/>
+                                              <p:pRg st="7" end="7"/>
                                             </p:txEl>
                                           </p:spTgt>
                                         </p:tgtEl>
@@ -12541,7 +13367,7 @@
                                         <p:tgtEl>
                                           <p:spTgt spid="4">
                                             <p:txEl>
-                                              <p:pRg st="7" end="7"/>
+                                              <p:pRg st="9" end="9"/>
                                             </p:txEl>
                                           </p:spTgt>
                                         </p:tgtEl>
@@ -12570,68 +13396,6 @@
                                           </p:stCondLst>
                                         </p:cTn>
                                         <p:tgtEl>
-                                          <p:spTgt spid="4">
-                                            <p:txEl>
-                                              <p:pRg st="8" end="8"/>
-                                            </p:txEl>
-                                          </p:spTgt>
-                                        </p:tgtEl>
-                                        <p:attrNameLst>
-                                          <p:attrName>style.visibility</p:attrName>
-                                        </p:attrNameLst>
-                                      </p:cBhvr>
-                                      <p:to>
-                                        <p:strVal val="hidden"/>
-                                      </p:to>
-                                    </p:set>
-                                  </p:childTnLst>
-                                </p:cTn>
-                              </p:par>
-                              <p:par>
-                                <p:cTn id="43" presetID="1" presetClass="exit" presetSubtype="0" fill="hold" grpId="0" nodeType="withEffect">
-                                  <p:stCondLst>
-                                    <p:cond delay="0"/>
-                                  </p:stCondLst>
-                                  <p:childTnLst>
-                                    <p:set>
-                                      <p:cBhvr>
-                                        <p:cTn id="44" dur="1" fill="hold">
-                                          <p:stCondLst>
-                                            <p:cond delay="0"/>
-                                          </p:stCondLst>
-                                        </p:cTn>
-                                        <p:tgtEl>
-                                          <p:spTgt spid="4">
-                                            <p:txEl>
-                                              <p:pRg st="10" end="10"/>
-                                            </p:txEl>
-                                          </p:spTgt>
-                                        </p:tgtEl>
-                                        <p:attrNameLst>
-                                          <p:attrName>style.visibility</p:attrName>
-                                        </p:attrNameLst>
-                                      </p:cBhvr>
-                                      <p:to>
-                                        <p:strVal val="hidden"/>
-                                      </p:to>
-                                    </p:set>
-                                  </p:childTnLst>
-                                </p:cTn>
-                              </p:par>
-                              <p:par>
-                                <p:cTn id="45" presetID="1" presetClass="exit" presetSubtype="0" fill="hold" grpId="0" nodeType="withEffect">
-                                  <p:stCondLst>
-                                    <p:cond delay="0"/>
-                                  </p:stCondLst>
-                                  <p:childTnLst>
-                                    <p:set>
-                                      <p:cBhvr>
-                                        <p:cTn id="46" dur="1" fill="hold">
-                                          <p:stCondLst>
-                                            <p:cond delay="0"/>
-                                          </p:stCondLst>
-                                        </p:cTn>
-                                        <p:tgtEl>
                                           <p:spTgt spid="3"/>
                                         </p:tgtEl>
                                         <p:attrNameLst>
@@ -12646,14 +13410,14 @@
                                 </p:cTn>
                               </p:par>
                               <p:par>
-                                <p:cTn id="47" presetID="42" presetClass="path" presetSubtype="0" accel="50000" decel="50000" fill="hold" nodeType="withEffect">
+                                <p:cTn id="43" presetID="42" presetClass="path" presetSubtype="0" accel="50000" decel="50000" fill="hold" nodeType="withEffect">
                                   <p:stCondLst>
                                     <p:cond delay="0"/>
                                   </p:stCondLst>
                                   <p:childTnLst>
                                     <p:animMotion origin="layout" path="M 1.11111E-6 0 L 0.48229 -0.00031 " pathEditMode="relative" rAng="0" ptsTypes="AA">
                                       <p:cBhvr>
-                                        <p:cTn id="48" dur="2000" fill="hold"/>
+                                        <p:cTn id="44" dur="2000" fill="hold"/>
                                         <p:tgtEl>
                                           <p:spTgt spid="2"/>
                                         </p:tgtEl>
@@ -12702,7 +13466,7 @@
 </p:sld>
 </file>
 
-<file path=ppt/slides/slide13.xml><?xml version="1.0" encoding="utf-8"?>
+<file path=ppt/slides/slide14.xml><?xml version="1.0" encoding="utf-8"?>
 <p:sld xmlns:a="http://schemas.openxmlformats.org/drawingml/2006/main" xmlns:r="http://schemas.openxmlformats.org/officeDocument/2006/relationships" xmlns:p="http://schemas.openxmlformats.org/presentationml/2006/main">
   <p:cSld>
     <p:spTree>
@@ -13034,7 +13798,7 @@
             <a:avLst/>
           </a:prstGeom>
           <a:solidFill>
-            <a:srgbClr val="00823B"/>
+            <a:srgbClr val="00B050"/>
           </a:solidFill>
           <a:ln>
             <a:solidFill>
@@ -13388,7 +14152,7 @@
 </p:sld>
 </file>
 
-<file path=ppt/slides/slide14.xml><?xml version="1.0" encoding="utf-8"?>
+<file path=ppt/slides/slide15.xml><?xml version="1.0" encoding="utf-8"?>
 <p:sld xmlns:a="http://schemas.openxmlformats.org/drawingml/2006/main" xmlns:r="http://schemas.openxmlformats.org/officeDocument/2006/relationships" xmlns:p="http://schemas.openxmlformats.org/presentationml/2006/main">
   <p:cSld>
     <p:spTree>
@@ -14402,7 +15166,7 @@
 </p:sld>
 </file>
 
-<file path=ppt/slides/slide15.xml><?xml version="1.0" encoding="utf-8"?>
+<file path=ppt/slides/slide16.xml><?xml version="1.0" encoding="utf-8"?>
 <p:sld xmlns:a="http://schemas.openxmlformats.org/drawingml/2006/main" xmlns:r="http://schemas.openxmlformats.org/officeDocument/2006/relationships" xmlns:p="http://schemas.openxmlformats.org/presentationml/2006/main">
   <p:cSld>
     <p:spTree>
@@ -14791,8 +15555,8 @@
         </p:nvSpPr>
         <p:spPr>
           <a:xfrm>
-            <a:off x="311700" y="1130531"/>
-            <a:ext cx="8832300" cy="3647034"/>
+            <a:off x="311700" y="1130530"/>
+            <a:ext cx="8832300" cy="4012969"/>
           </a:xfrm>
           <a:prstGeom prst="rect">
             <a:avLst/>
@@ -14935,7 +15699,7 @@
             </a:r>
           </a:p>
           <a:p>
-            <a:pPr lvl="2"/>
+            <a:pPr lvl="1"/>
             <a:endParaRPr lang="en-US" sz="1600" dirty="0">
               <a:solidFill>
                 <a:srgbClr val="72AF2F"/>
@@ -15307,7 +16071,7 @@
 </p:sld>
 </file>
 
-<file path=ppt/slides/slide16.xml><?xml version="1.0" encoding="utf-8"?>
+<file path=ppt/slides/slide17.xml><?xml version="1.0" encoding="utf-8"?>
 <p:sld xmlns:a="http://schemas.openxmlformats.org/drawingml/2006/main" xmlns:r="http://schemas.openxmlformats.org/officeDocument/2006/relationships" xmlns:p="http://schemas.openxmlformats.org/presentationml/2006/main">
   <p:cSld>
     <p:spTree>
@@ -15748,7 +16512,7 @@
                   <a:srgbClr val="72AF2F"/>
                 </a:solidFill>
               </a:rPr>
-              <a:t>Data Processing Operations</a:t>
+              <a:t>Data processing operations</a:t>
             </a:r>
           </a:p>
           <a:p>
@@ -15771,7 +16535,7 @@
                   <a:srgbClr val="72AF2F"/>
                 </a:solidFill>
               </a:rPr>
-              <a:t>	Wrapper and Convenience Code.</a:t>
+              <a:t>	Wrapper and Convenience Code</a:t>
             </a:r>
           </a:p>
           <a:p>
@@ -16217,33 +16981,15 @@
                                   </p:childTnLst>
                                 </p:cTn>
                               </p:par>
-                            </p:childTnLst>
-                          </p:cTn>
-                        </p:par>
-                      </p:childTnLst>
-                    </p:cTn>
-                  </p:par>
-                  <p:par>
-                    <p:cTn id="31" fill="hold">
-                      <p:stCondLst>
-                        <p:cond delay="indefinite"/>
-                      </p:stCondLst>
-                      <p:childTnLst>
-                        <p:par>
-                          <p:cTn id="32" fill="hold">
-                            <p:stCondLst>
-                              <p:cond delay="0"/>
-                            </p:stCondLst>
-                            <p:childTnLst>
                               <p:par>
-                                <p:cTn id="33" presetID="1" presetClass="entr" presetSubtype="0" fill="hold" nodeType="clickEffect">
+                                <p:cTn id="31" presetID="1" presetClass="entr" presetSubtype="0" fill="hold" nodeType="withEffect">
                                   <p:stCondLst>
                                     <p:cond delay="0"/>
                                   </p:stCondLst>
                                   <p:childTnLst>
                                     <p:set>
                                       <p:cBhvr>
-                                        <p:cTn id="34" dur="1" fill="hold">
+                                        <p:cTn id="32" dur="1" fill="hold">
                                           <p:stCondLst>
                                             <p:cond delay="0"/>
                                           </p:stCondLst>
@@ -16273,19 +17019,50 @@
                     </p:cTn>
                   </p:par>
                   <p:par>
-                    <p:cTn id="35" fill="hold">
+                    <p:cTn id="33" fill="hold">
                       <p:stCondLst>
                         <p:cond delay="indefinite"/>
                       </p:stCondLst>
                       <p:childTnLst>
                         <p:par>
-                          <p:cTn id="36" fill="hold">
+                          <p:cTn id="34" fill="hold">
                             <p:stCondLst>
                               <p:cond delay="0"/>
                             </p:stCondLst>
                             <p:childTnLst>
                               <p:par>
-                                <p:cTn id="37" presetID="1" presetClass="exit" presetSubtype="0" fill="hold" grpId="0" nodeType="clickEffect">
+                                <p:cTn id="35" presetID="1" presetClass="exit" presetSubtype="0" fill="hold" grpId="0" nodeType="clickEffect">
+                                  <p:stCondLst>
+                                    <p:cond delay="0"/>
+                                  </p:stCondLst>
+                                  <p:childTnLst>
+                                    <p:set>
+                                      <p:cBhvr>
+                                        <p:cTn id="36" dur="1" fill="hold">
+                                          <p:stCondLst>
+                                            <p:cond delay="0"/>
+                                          </p:stCondLst>
+                                        </p:cTn>
+                                        <p:tgtEl>
+                                          <p:spTgt spid="4">
+                                            <p:txEl>
+                                              <p:pRg st="0" end="0"/>
+                                            </p:txEl>
+                                          </p:spTgt>
+                                        </p:tgtEl>
+                                        <p:attrNameLst>
+                                          <p:attrName>style.visibility</p:attrName>
+                                        </p:attrNameLst>
+                                      </p:cBhvr>
+                                      <p:to>
+                                        <p:strVal val="hidden"/>
+                                      </p:to>
+                                    </p:set>
+                                  </p:childTnLst>
+                                </p:cTn>
+                              </p:par>
+                              <p:par>
+                                <p:cTn id="37" presetID="1" presetClass="exit" presetSubtype="0" fill="hold" grpId="0" nodeType="withEffect">
                                   <p:stCondLst>
                                     <p:cond delay="0"/>
                                   </p:stCondLst>
@@ -16300,7 +17077,7 @@
                                         <p:tgtEl>
                                           <p:spTgt spid="4">
                                             <p:txEl>
-                                              <p:pRg st="0" end="0"/>
+                                              <p:pRg st="1" end="1"/>
                                             </p:txEl>
                                           </p:spTgt>
                                         </p:tgtEl>
@@ -16331,7 +17108,7 @@
                                         <p:tgtEl>
                                           <p:spTgt spid="4">
                                             <p:txEl>
-                                              <p:pRg st="1" end="1"/>
+                                              <p:pRg st="2" end="2"/>
                                             </p:txEl>
                                           </p:spTgt>
                                         </p:tgtEl>
@@ -16362,7 +17139,7 @@
                                         <p:tgtEl>
                                           <p:spTgt spid="4">
                                             <p:txEl>
-                                              <p:pRg st="2" end="2"/>
+                                              <p:pRg st="4" end="4"/>
                                             </p:txEl>
                                           </p:spTgt>
                                         </p:tgtEl>
@@ -16393,7 +17170,7 @@
                                         <p:tgtEl>
                                           <p:spTgt spid="4">
                                             <p:txEl>
-                                              <p:pRg st="4" end="4"/>
+                                              <p:pRg st="5" end="5"/>
                                             </p:txEl>
                                           </p:spTgt>
                                         </p:tgtEl>
@@ -16424,7 +17201,7 @@
                                         <p:tgtEl>
                                           <p:spTgt spid="4">
                                             <p:txEl>
-                                              <p:pRg st="5" end="5"/>
+                                              <p:pRg st="6" end="6"/>
                                             </p:txEl>
                                           </p:spTgt>
                                         </p:tgtEl>
@@ -16455,7 +17232,7 @@
                                         <p:tgtEl>
                                           <p:spTgt spid="4">
                                             <p:txEl>
-                                              <p:pRg st="6" end="6"/>
+                                              <p:pRg st="8" end="8"/>
                                             </p:txEl>
                                           </p:spTgt>
                                         </p:tgtEl>
@@ -16486,7 +17263,7 @@
                                         <p:tgtEl>
                                           <p:spTgt spid="4">
                                             <p:txEl>
-                                              <p:pRg st="8" end="8"/>
+                                              <p:pRg st="9" end="9"/>
                                             </p:txEl>
                                           </p:spTgt>
                                         </p:tgtEl>
@@ -16515,37 +17292,6 @@
                                           </p:stCondLst>
                                         </p:cTn>
                                         <p:tgtEl>
-                                          <p:spTgt spid="4">
-                                            <p:txEl>
-                                              <p:pRg st="9" end="9"/>
-                                            </p:txEl>
-                                          </p:spTgt>
-                                        </p:tgtEl>
-                                        <p:attrNameLst>
-                                          <p:attrName>style.visibility</p:attrName>
-                                        </p:attrNameLst>
-                                      </p:cBhvr>
-                                      <p:to>
-                                        <p:strVal val="hidden"/>
-                                      </p:to>
-                                    </p:set>
-                                  </p:childTnLst>
-                                </p:cTn>
-                              </p:par>
-                              <p:par>
-                                <p:cTn id="53" presetID="1" presetClass="exit" presetSubtype="0" fill="hold" grpId="0" nodeType="withEffect">
-                                  <p:stCondLst>
-                                    <p:cond delay="0"/>
-                                  </p:stCondLst>
-                                  <p:childTnLst>
-                                    <p:set>
-                                      <p:cBhvr>
-                                        <p:cTn id="54" dur="1" fill="hold">
-                                          <p:stCondLst>
-                                            <p:cond delay="0"/>
-                                          </p:stCondLst>
-                                        </p:cTn>
-                                        <p:tgtEl>
                                           <p:spTgt spid="3"/>
                                         </p:tgtEl>
                                         <p:attrNameLst>
@@ -16560,14 +17306,14 @@
                                 </p:cTn>
                               </p:par>
                               <p:par>
-                                <p:cTn id="55" presetID="42" presetClass="path" presetSubtype="0" accel="50000" decel="50000" fill="hold" nodeType="withEffect">
+                                <p:cTn id="53" presetID="42" presetClass="path" presetSubtype="0" accel="50000" decel="50000" fill="hold" nodeType="withEffect">
                                   <p:stCondLst>
                                     <p:cond delay="0"/>
                                   </p:stCondLst>
                                   <p:childTnLst>
                                     <p:animMotion origin="layout" path="M 1.11111E-6 0 L 0.48229 -0.00031 " pathEditMode="relative" rAng="0" ptsTypes="AA">
                                       <p:cBhvr>
-                                        <p:cTn id="56" dur="2000" fill="hold"/>
+                                        <p:cTn id="54" dur="2000" fill="hold"/>
                                         <p:tgtEl>
                                           <p:spTgt spid="2"/>
                                         </p:tgtEl>
@@ -16616,7 +17362,7 @@
 </p:sld>
 </file>
 
-<file path=ppt/slides/slide17.xml><?xml version="1.0" encoding="utf-8"?>
+<file path=ppt/slides/slide18.xml><?xml version="1.0" encoding="utf-8"?>
 <p:sld xmlns:a="http://schemas.openxmlformats.org/drawingml/2006/main" xmlns:r="http://schemas.openxmlformats.org/officeDocument/2006/relationships" xmlns:p="http://schemas.openxmlformats.org/presentationml/2006/main">
   <p:cSld>
     <p:spTree>
@@ -16948,7 +17694,7 @@
             <a:avLst/>
           </a:prstGeom>
           <a:solidFill>
-            <a:srgbClr val="00823B"/>
+            <a:srgbClr val="00B050"/>
           </a:solidFill>
           <a:ln>
             <a:solidFill>
@@ -17326,7 +18072,7 @@
 </p:sld>
 </file>
 
-<file path=ppt/slides/slide18.xml><?xml version="1.0" encoding="utf-8"?>
+<file path=ppt/slides/slide19.xml><?xml version="1.0" encoding="utf-8"?>
 <p:sld xmlns:a="http://schemas.openxmlformats.org/drawingml/2006/main" xmlns:r="http://schemas.openxmlformats.org/officeDocument/2006/relationships" xmlns:p="http://schemas.openxmlformats.org/presentationml/2006/main">
   <p:cSld>
     <p:spTree>
@@ -18078,7 +18824,435 @@
 </p:sld>
 </file>
 
-<file path=ppt/slides/slide19.xml><?xml version="1.0" encoding="utf-8"?>
+<file path=ppt/slides/slide2.xml><?xml version="1.0" encoding="utf-8"?>
+<p:sld xmlns:a="http://schemas.openxmlformats.org/drawingml/2006/main" xmlns:r="http://schemas.openxmlformats.org/officeDocument/2006/relationships" xmlns:p="http://schemas.openxmlformats.org/presentationml/2006/main">
+  <p:cSld>
+    <p:spTree>
+      <p:nvGrpSpPr>
+        <p:cNvPr id="1" name="Shape 95"/>
+        <p:cNvGrpSpPr/>
+        <p:nvPr/>
+      </p:nvGrpSpPr>
+      <p:grpSpPr>
+        <a:xfrm>
+          <a:off x="0" y="0"/>
+          <a:ext cx="0" cy="0"/>
+          <a:chOff x="0" y="0"/>
+          <a:chExt cx="0" cy="0"/>
+        </a:xfrm>
+      </p:grpSpPr>
+      <p:sp>
+        <p:nvSpPr>
+          <p:cNvPr id="96" name="Google Shape;96;p20"/>
+          <p:cNvSpPr txBox="1">
+            <a:spLocks noGrp="1"/>
+          </p:cNvSpPr>
+          <p:nvPr>
+            <p:ph type="title"/>
+          </p:nvPr>
+        </p:nvSpPr>
+        <p:spPr>
+          <a:xfrm>
+            <a:off x="311700" y="445025"/>
+            <a:ext cx="8520600" cy="572700"/>
+          </a:xfrm>
+          <a:prstGeom prst="rect">
+            <a:avLst/>
+          </a:prstGeom>
+        </p:spPr>
+        <p:txBody>
+          <a:bodyPr spcFirstLastPara="1" wrap="square" lIns="91425" tIns="91425" rIns="91425" bIns="91425" anchor="t" anchorCtr="0">
+            <a:noAutofit/>
+          </a:bodyPr>
+          <a:lstStyle/>
+          <a:p>
+            <a:pPr marL="0" lvl="0" indent="0" algn="l" rtl="0">
+              <a:spcBef>
+                <a:spcPts val="0"/>
+              </a:spcBef>
+              <a:spcAft>
+                <a:spcPts val="0"/>
+              </a:spcAft>
+              <a:buNone/>
+            </a:pPr>
+            <a:r>
+              <a:rPr lang="en-GB" sz="3200" dirty="0">
+                <a:latin typeface="Calibri" panose="020F0502020204030204" pitchFamily="34" charset="0"/>
+                <a:cs typeface="Calibri" panose="020F0502020204030204" pitchFamily="34" charset="0"/>
+              </a:rPr>
+              <a:t>Do you agree with these statements?</a:t>
+            </a:r>
+            <a:endParaRPr sz="3200" dirty="0">
+              <a:latin typeface="Calibri" panose="020F0502020204030204" pitchFamily="34" charset="0"/>
+              <a:cs typeface="Calibri" panose="020F0502020204030204" pitchFamily="34" charset="0"/>
+            </a:endParaRPr>
+          </a:p>
+        </p:txBody>
+      </p:sp>
+      <p:sp>
+        <p:nvSpPr>
+          <p:cNvPr id="97" name="Google Shape;97;p20"/>
+          <p:cNvSpPr txBox="1">
+            <a:spLocks noGrp="1"/>
+          </p:cNvSpPr>
+          <p:nvPr>
+            <p:ph type="body" idx="1"/>
+          </p:nvPr>
+        </p:nvSpPr>
+        <p:spPr>
+          <a:xfrm>
+            <a:off x="311700" y="1495425"/>
+            <a:ext cx="8520600" cy="2943050"/>
+          </a:xfrm>
+          <a:prstGeom prst="rect">
+            <a:avLst/>
+          </a:prstGeom>
+        </p:spPr>
+        <p:txBody>
+          <a:bodyPr spcFirstLastPara="1" wrap="square" lIns="91425" tIns="91425" rIns="91425" bIns="91425" anchor="t" anchorCtr="0">
+            <a:noAutofit/>
+          </a:bodyPr>
+          <a:lstStyle/>
+          <a:p>
+            <a:pPr marL="114300" indent="0">
+              <a:buNone/>
+            </a:pPr>
+            <a:r>
+              <a:rPr lang="en-US" sz="2200" dirty="0">
+                <a:solidFill>
+                  <a:schemeClr val="tx1"/>
+                </a:solidFill>
+              </a:rPr>
+              <a:t>Machine Learning is three lines of code. </a:t>
+            </a:r>
+          </a:p>
+          <a:p>
+            <a:pPr marL="114300" lvl="0" indent="0">
+              <a:buNone/>
+            </a:pPr>
+            <a:endParaRPr lang="en-US" sz="2200" dirty="0">
+              <a:solidFill>
+                <a:schemeClr val="tx1"/>
+              </a:solidFill>
+            </a:endParaRPr>
+          </a:p>
+          <a:p>
+            <a:pPr marL="114300" lvl="0" indent="0">
+              <a:buNone/>
+            </a:pPr>
+            <a:r>
+              <a:rPr lang="en-US" sz="2200" dirty="0">
+                <a:solidFill>
+                  <a:schemeClr val="tx1"/>
+                </a:solidFill>
+              </a:rPr>
+              <a:t>Machine Learning projects consist of a single </a:t>
+            </a:r>
+            <a:r>
+              <a:rPr lang="en-US" sz="2200" dirty="0" err="1">
+                <a:solidFill>
+                  <a:schemeClr val="tx1"/>
+                </a:solidFill>
+              </a:rPr>
+              <a:t>Jupyter</a:t>
+            </a:r>
+            <a:r>
+              <a:rPr lang="en-US" sz="2200" dirty="0">
+                <a:solidFill>
+                  <a:schemeClr val="tx1"/>
+                </a:solidFill>
+              </a:rPr>
+              <a:t> Notebook.</a:t>
+            </a:r>
+          </a:p>
+          <a:p>
+            <a:pPr marL="114300" lvl="0" indent="0">
+              <a:buNone/>
+            </a:pPr>
+            <a:endParaRPr lang="en-US" sz="2200" dirty="0">
+              <a:solidFill>
+                <a:schemeClr val="tx1"/>
+              </a:solidFill>
+            </a:endParaRPr>
+          </a:p>
+          <a:p>
+            <a:pPr marL="114300" lvl="0" indent="0">
+              <a:buNone/>
+            </a:pPr>
+            <a:r>
+              <a:rPr lang="en-US" sz="2200" dirty="0">
+                <a:solidFill>
+                  <a:schemeClr val="tx1"/>
+                </a:solidFill>
+              </a:rPr>
+              <a:t>Clean Code does not apply to Machine Learning projects.</a:t>
+            </a:r>
+          </a:p>
+          <a:p>
+            <a:pPr marL="114300" lvl="0" indent="0">
+              <a:buNone/>
+            </a:pPr>
+            <a:endParaRPr lang="en-US" sz="2200" dirty="0">
+              <a:solidFill>
+                <a:schemeClr val="tx1"/>
+              </a:solidFill>
+            </a:endParaRPr>
+          </a:p>
+          <a:p>
+            <a:pPr marL="114300" lvl="0" indent="0">
+              <a:buNone/>
+            </a:pPr>
+            <a:r>
+              <a:rPr lang="en-US" sz="2200" dirty="0">
+                <a:solidFill>
+                  <a:schemeClr val="tx1"/>
+                </a:solidFill>
+              </a:rPr>
+              <a:t>Automated Testing does not apply to Machine Learning projects.</a:t>
+            </a:r>
+          </a:p>
+        </p:txBody>
+      </p:sp>
+    </p:spTree>
+    <p:extLst>
+      <p:ext uri="{BB962C8B-B14F-4D97-AF65-F5344CB8AC3E}">
+        <p14:creationId xmlns:p14="http://schemas.microsoft.com/office/powerpoint/2010/main" val="3221039787"/>
+      </p:ext>
+    </p:extLst>
+  </p:cSld>
+  <p:clrMapOvr>
+    <a:masterClrMapping/>
+  </p:clrMapOvr>
+  <p:timing>
+    <p:tnLst>
+      <p:par>
+        <p:cTn id="1" dur="indefinite" restart="never" nodeType="tmRoot">
+          <p:childTnLst>
+            <p:seq concurrent="1" nextAc="seek">
+              <p:cTn id="2" dur="indefinite" nodeType="mainSeq">
+                <p:childTnLst>
+                  <p:par>
+                    <p:cTn id="3" fill="hold">
+                      <p:stCondLst>
+                        <p:cond delay="indefinite"/>
+                      </p:stCondLst>
+                      <p:childTnLst>
+                        <p:par>
+                          <p:cTn id="4" fill="hold">
+                            <p:stCondLst>
+                              <p:cond delay="0"/>
+                            </p:stCondLst>
+                            <p:childTnLst>
+                              <p:par>
+                                <p:cTn id="5" presetID="1" presetClass="entr" presetSubtype="0" fill="hold" nodeType="clickEffect">
+                                  <p:stCondLst>
+                                    <p:cond delay="0"/>
+                                  </p:stCondLst>
+                                  <p:childTnLst>
+                                    <p:set>
+                                      <p:cBhvr>
+                                        <p:cTn id="6" dur="1" fill="hold">
+                                          <p:stCondLst>
+                                            <p:cond delay="0"/>
+                                          </p:stCondLst>
+                                        </p:cTn>
+                                        <p:tgtEl>
+                                          <p:spTgt spid="97">
+                                            <p:txEl>
+                                              <p:pRg st="0" end="0"/>
+                                            </p:txEl>
+                                          </p:spTgt>
+                                        </p:tgtEl>
+                                        <p:attrNameLst>
+                                          <p:attrName>style.visibility</p:attrName>
+                                        </p:attrNameLst>
+                                      </p:cBhvr>
+                                      <p:to>
+                                        <p:strVal val="visible"/>
+                                      </p:to>
+                                    </p:set>
+                                  </p:childTnLst>
+                                </p:cTn>
+                              </p:par>
+                            </p:childTnLst>
+                          </p:cTn>
+                        </p:par>
+                      </p:childTnLst>
+                    </p:cTn>
+                  </p:par>
+                  <p:par>
+                    <p:cTn id="7" fill="hold">
+                      <p:stCondLst>
+                        <p:cond delay="indefinite"/>
+                      </p:stCondLst>
+                      <p:childTnLst>
+                        <p:par>
+                          <p:cTn id="8" fill="hold">
+                            <p:stCondLst>
+                              <p:cond delay="0"/>
+                            </p:stCondLst>
+                            <p:childTnLst>
+                              <p:par>
+                                <p:cTn id="9" presetID="1" presetClass="entr" presetSubtype="0" fill="hold" nodeType="clickEffect">
+                                  <p:stCondLst>
+                                    <p:cond delay="0"/>
+                                  </p:stCondLst>
+                                  <p:childTnLst>
+                                    <p:set>
+                                      <p:cBhvr>
+                                        <p:cTn id="10" dur="1" fill="hold">
+                                          <p:stCondLst>
+                                            <p:cond delay="0"/>
+                                          </p:stCondLst>
+                                        </p:cTn>
+                                        <p:tgtEl>
+                                          <p:spTgt spid="97">
+                                            <p:txEl>
+                                              <p:pRg st="2" end="2"/>
+                                            </p:txEl>
+                                          </p:spTgt>
+                                        </p:tgtEl>
+                                        <p:attrNameLst>
+                                          <p:attrName>style.visibility</p:attrName>
+                                        </p:attrNameLst>
+                                      </p:cBhvr>
+                                      <p:to>
+                                        <p:strVal val="visible"/>
+                                      </p:to>
+                                    </p:set>
+                                  </p:childTnLst>
+                                </p:cTn>
+                              </p:par>
+                            </p:childTnLst>
+                          </p:cTn>
+                        </p:par>
+                      </p:childTnLst>
+                    </p:cTn>
+                  </p:par>
+                  <p:par>
+                    <p:cTn id="11" fill="hold">
+                      <p:stCondLst>
+                        <p:cond delay="indefinite"/>
+                      </p:stCondLst>
+                      <p:childTnLst>
+                        <p:par>
+                          <p:cTn id="12" fill="hold">
+                            <p:stCondLst>
+                              <p:cond delay="0"/>
+                            </p:stCondLst>
+                            <p:childTnLst>
+                              <p:par>
+                                <p:cTn id="13" presetID="1" presetClass="entr" presetSubtype="0" fill="hold" nodeType="clickEffect">
+                                  <p:stCondLst>
+                                    <p:cond delay="0"/>
+                                  </p:stCondLst>
+                                  <p:childTnLst>
+                                    <p:set>
+                                      <p:cBhvr>
+                                        <p:cTn id="14" dur="1" fill="hold">
+                                          <p:stCondLst>
+                                            <p:cond delay="0"/>
+                                          </p:stCondLst>
+                                        </p:cTn>
+                                        <p:tgtEl>
+                                          <p:spTgt spid="97">
+                                            <p:txEl>
+                                              <p:pRg st="4" end="4"/>
+                                            </p:txEl>
+                                          </p:spTgt>
+                                        </p:tgtEl>
+                                        <p:attrNameLst>
+                                          <p:attrName>style.visibility</p:attrName>
+                                        </p:attrNameLst>
+                                      </p:cBhvr>
+                                      <p:to>
+                                        <p:strVal val="visible"/>
+                                      </p:to>
+                                    </p:set>
+                                  </p:childTnLst>
+                                </p:cTn>
+                              </p:par>
+                            </p:childTnLst>
+                          </p:cTn>
+                        </p:par>
+                      </p:childTnLst>
+                    </p:cTn>
+                  </p:par>
+                  <p:par>
+                    <p:cTn id="15" fill="hold">
+                      <p:stCondLst>
+                        <p:cond delay="indefinite"/>
+                      </p:stCondLst>
+                      <p:childTnLst>
+                        <p:par>
+                          <p:cTn id="16" fill="hold">
+                            <p:stCondLst>
+                              <p:cond delay="0"/>
+                            </p:stCondLst>
+                            <p:childTnLst>
+                              <p:par>
+                                <p:cTn id="17" presetID="1" presetClass="entr" presetSubtype="0" fill="hold" nodeType="clickEffect">
+                                  <p:stCondLst>
+                                    <p:cond delay="0"/>
+                                  </p:stCondLst>
+                                  <p:childTnLst>
+                                    <p:set>
+                                      <p:cBhvr>
+                                        <p:cTn id="18" dur="1" fill="hold">
+                                          <p:stCondLst>
+                                            <p:cond delay="0"/>
+                                          </p:stCondLst>
+                                        </p:cTn>
+                                        <p:tgtEl>
+                                          <p:spTgt spid="97">
+                                            <p:txEl>
+                                              <p:pRg st="6" end="6"/>
+                                            </p:txEl>
+                                          </p:spTgt>
+                                        </p:tgtEl>
+                                        <p:attrNameLst>
+                                          <p:attrName>style.visibility</p:attrName>
+                                        </p:attrNameLst>
+                                      </p:cBhvr>
+                                      <p:to>
+                                        <p:strVal val="visible"/>
+                                      </p:to>
+                                    </p:set>
+                                  </p:childTnLst>
+                                </p:cTn>
+                              </p:par>
+                            </p:childTnLst>
+                          </p:cTn>
+                        </p:par>
+                      </p:childTnLst>
+                    </p:cTn>
+                  </p:par>
+                </p:childTnLst>
+              </p:cTn>
+              <p:prevCondLst>
+                <p:cond evt="onPrev" delay="0">
+                  <p:tgtEl>
+                    <p:sldTgt/>
+                  </p:tgtEl>
+                </p:cond>
+              </p:prevCondLst>
+              <p:nextCondLst>
+                <p:cond evt="onNext" delay="0">
+                  <p:tgtEl>
+                    <p:sldTgt/>
+                  </p:tgtEl>
+                </p:cond>
+              </p:nextCondLst>
+            </p:seq>
+          </p:childTnLst>
+        </p:cTn>
+      </p:par>
+    </p:tnLst>
+  </p:timing>
+</p:sld>
+</file>
+
+<file path=ppt/slides/slide20.xml><?xml version="1.0" encoding="utf-8"?>
 <p:sld xmlns:a="http://schemas.openxmlformats.org/drawingml/2006/main" xmlns:r="http://schemas.openxmlformats.org/officeDocument/2006/relationships" xmlns:p="http://schemas.openxmlformats.org/presentationml/2006/main">
   <p:cSld>
     <p:spTree>
@@ -18842,435 +20016,7 @@
 </p:sld>
 </file>
 
-<file path=ppt/slides/slide2.xml><?xml version="1.0" encoding="utf-8"?>
-<p:sld xmlns:a="http://schemas.openxmlformats.org/drawingml/2006/main" xmlns:r="http://schemas.openxmlformats.org/officeDocument/2006/relationships" xmlns:p="http://schemas.openxmlformats.org/presentationml/2006/main">
-  <p:cSld>
-    <p:spTree>
-      <p:nvGrpSpPr>
-        <p:cNvPr id="1" name="Shape 95"/>
-        <p:cNvGrpSpPr/>
-        <p:nvPr/>
-      </p:nvGrpSpPr>
-      <p:grpSpPr>
-        <a:xfrm>
-          <a:off x="0" y="0"/>
-          <a:ext cx="0" cy="0"/>
-          <a:chOff x="0" y="0"/>
-          <a:chExt cx="0" cy="0"/>
-        </a:xfrm>
-      </p:grpSpPr>
-      <p:sp>
-        <p:nvSpPr>
-          <p:cNvPr id="96" name="Google Shape;96;p20"/>
-          <p:cNvSpPr txBox="1">
-            <a:spLocks noGrp="1"/>
-          </p:cNvSpPr>
-          <p:nvPr>
-            <p:ph type="title"/>
-          </p:nvPr>
-        </p:nvSpPr>
-        <p:spPr>
-          <a:xfrm>
-            <a:off x="311700" y="445025"/>
-            <a:ext cx="8520600" cy="572700"/>
-          </a:xfrm>
-          <a:prstGeom prst="rect">
-            <a:avLst/>
-          </a:prstGeom>
-        </p:spPr>
-        <p:txBody>
-          <a:bodyPr spcFirstLastPara="1" wrap="square" lIns="91425" tIns="91425" rIns="91425" bIns="91425" anchor="t" anchorCtr="0">
-            <a:noAutofit/>
-          </a:bodyPr>
-          <a:lstStyle/>
-          <a:p>
-            <a:pPr marL="0" lvl="0" indent="0" algn="l" rtl="0">
-              <a:spcBef>
-                <a:spcPts val="0"/>
-              </a:spcBef>
-              <a:spcAft>
-                <a:spcPts val="0"/>
-              </a:spcAft>
-              <a:buNone/>
-            </a:pPr>
-            <a:r>
-              <a:rPr lang="en-GB" sz="3200" dirty="0">
-                <a:latin typeface="Calibri" panose="020F0502020204030204" pitchFamily="34" charset="0"/>
-                <a:cs typeface="Calibri" panose="020F0502020204030204" pitchFamily="34" charset="0"/>
-              </a:rPr>
-              <a:t>Do you agree with these statements?</a:t>
-            </a:r>
-            <a:endParaRPr sz="3200" dirty="0">
-              <a:latin typeface="Calibri" panose="020F0502020204030204" pitchFamily="34" charset="0"/>
-              <a:cs typeface="Calibri" panose="020F0502020204030204" pitchFamily="34" charset="0"/>
-            </a:endParaRPr>
-          </a:p>
-        </p:txBody>
-      </p:sp>
-      <p:sp>
-        <p:nvSpPr>
-          <p:cNvPr id="97" name="Google Shape;97;p20"/>
-          <p:cNvSpPr txBox="1">
-            <a:spLocks noGrp="1"/>
-          </p:cNvSpPr>
-          <p:nvPr>
-            <p:ph type="body" idx="1"/>
-          </p:nvPr>
-        </p:nvSpPr>
-        <p:spPr>
-          <a:xfrm>
-            <a:off x="311700" y="1495425"/>
-            <a:ext cx="8520600" cy="2943050"/>
-          </a:xfrm>
-          <a:prstGeom prst="rect">
-            <a:avLst/>
-          </a:prstGeom>
-        </p:spPr>
-        <p:txBody>
-          <a:bodyPr spcFirstLastPara="1" wrap="square" lIns="91425" tIns="91425" rIns="91425" bIns="91425" anchor="t" anchorCtr="0">
-            <a:noAutofit/>
-          </a:bodyPr>
-          <a:lstStyle/>
-          <a:p>
-            <a:pPr marL="114300" indent="0">
-              <a:buNone/>
-            </a:pPr>
-            <a:r>
-              <a:rPr lang="en-US" sz="2200" dirty="0">
-                <a:solidFill>
-                  <a:schemeClr val="tx1"/>
-                </a:solidFill>
-              </a:rPr>
-              <a:t>Machine Learning is three lines of code. </a:t>
-            </a:r>
-          </a:p>
-          <a:p>
-            <a:pPr marL="114300" lvl="0" indent="0">
-              <a:buNone/>
-            </a:pPr>
-            <a:endParaRPr lang="en-US" sz="2200" dirty="0">
-              <a:solidFill>
-                <a:schemeClr val="tx1"/>
-              </a:solidFill>
-            </a:endParaRPr>
-          </a:p>
-          <a:p>
-            <a:pPr marL="114300" lvl="0" indent="0">
-              <a:buNone/>
-            </a:pPr>
-            <a:r>
-              <a:rPr lang="en-US" sz="2200" dirty="0">
-                <a:solidFill>
-                  <a:schemeClr val="tx1"/>
-                </a:solidFill>
-              </a:rPr>
-              <a:t>Machine Learning Projects consist of a single </a:t>
-            </a:r>
-            <a:r>
-              <a:rPr lang="en-US" sz="2200" dirty="0" err="1">
-                <a:solidFill>
-                  <a:schemeClr val="tx1"/>
-                </a:solidFill>
-              </a:rPr>
-              <a:t>Jupyter</a:t>
-            </a:r>
-            <a:r>
-              <a:rPr lang="en-US" sz="2200" dirty="0">
-                <a:solidFill>
-                  <a:schemeClr val="tx1"/>
-                </a:solidFill>
-              </a:rPr>
-              <a:t> Notebook.</a:t>
-            </a:r>
-          </a:p>
-          <a:p>
-            <a:pPr marL="114300" lvl="0" indent="0">
-              <a:buNone/>
-            </a:pPr>
-            <a:endParaRPr lang="en-US" sz="2200" dirty="0">
-              <a:solidFill>
-                <a:schemeClr val="tx1"/>
-              </a:solidFill>
-            </a:endParaRPr>
-          </a:p>
-          <a:p>
-            <a:pPr marL="114300" lvl="0" indent="0">
-              <a:buNone/>
-            </a:pPr>
-            <a:r>
-              <a:rPr lang="en-US" sz="2200" dirty="0">
-                <a:solidFill>
-                  <a:schemeClr val="tx1"/>
-                </a:solidFill>
-              </a:rPr>
-              <a:t>Clean Code does not apply to Machine Learning Projects.</a:t>
-            </a:r>
-          </a:p>
-          <a:p>
-            <a:pPr marL="114300" lvl="0" indent="0">
-              <a:buNone/>
-            </a:pPr>
-            <a:endParaRPr lang="en-US" sz="2200" dirty="0">
-              <a:solidFill>
-                <a:schemeClr val="tx1"/>
-              </a:solidFill>
-            </a:endParaRPr>
-          </a:p>
-          <a:p>
-            <a:pPr marL="114300" lvl="0" indent="0">
-              <a:buNone/>
-            </a:pPr>
-            <a:r>
-              <a:rPr lang="en-US" sz="2200" dirty="0">
-                <a:solidFill>
-                  <a:schemeClr val="tx1"/>
-                </a:solidFill>
-              </a:rPr>
-              <a:t>Automated Testing does not apply to Machine Learning projects.</a:t>
-            </a:r>
-          </a:p>
-        </p:txBody>
-      </p:sp>
-    </p:spTree>
-    <p:extLst>
-      <p:ext uri="{BB962C8B-B14F-4D97-AF65-F5344CB8AC3E}">
-        <p14:creationId xmlns:p14="http://schemas.microsoft.com/office/powerpoint/2010/main" val="3221039787"/>
-      </p:ext>
-    </p:extLst>
-  </p:cSld>
-  <p:clrMapOvr>
-    <a:masterClrMapping/>
-  </p:clrMapOvr>
-  <p:timing>
-    <p:tnLst>
-      <p:par>
-        <p:cTn id="1" dur="indefinite" restart="never" nodeType="tmRoot">
-          <p:childTnLst>
-            <p:seq concurrent="1" nextAc="seek">
-              <p:cTn id="2" dur="indefinite" nodeType="mainSeq">
-                <p:childTnLst>
-                  <p:par>
-                    <p:cTn id="3" fill="hold">
-                      <p:stCondLst>
-                        <p:cond delay="indefinite"/>
-                      </p:stCondLst>
-                      <p:childTnLst>
-                        <p:par>
-                          <p:cTn id="4" fill="hold">
-                            <p:stCondLst>
-                              <p:cond delay="0"/>
-                            </p:stCondLst>
-                            <p:childTnLst>
-                              <p:par>
-                                <p:cTn id="5" presetID="1" presetClass="entr" presetSubtype="0" fill="hold" nodeType="clickEffect">
-                                  <p:stCondLst>
-                                    <p:cond delay="0"/>
-                                  </p:stCondLst>
-                                  <p:childTnLst>
-                                    <p:set>
-                                      <p:cBhvr>
-                                        <p:cTn id="6" dur="1" fill="hold">
-                                          <p:stCondLst>
-                                            <p:cond delay="0"/>
-                                          </p:stCondLst>
-                                        </p:cTn>
-                                        <p:tgtEl>
-                                          <p:spTgt spid="97">
-                                            <p:txEl>
-                                              <p:pRg st="2" end="2"/>
-                                            </p:txEl>
-                                          </p:spTgt>
-                                        </p:tgtEl>
-                                        <p:attrNameLst>
-                                          <p:attrName>style.visibility</p:attrName>
-                                        </p:attrNameLst>
-                                      </p:cBhvr>
-                                      <p:to>
-                                        <p:strVal val="visible"/>
-                                      </p:to>
-                                    </p:set>
-                                  </p:childTnLst>
-                                </p:cTn>
-                              </p:par>
-                            </p:childTnLst>
-                          </p:cTn>
-                        </p:par>
-                      </p:childTnLst>
-                    </p:cTn>
-                  </p:par>
-                  <p:par>
-                    <p:cTn id="7" fill="hold">
-                      <p:stCondLst>
-                        <p:cond delay="indefinite"/>
-                      </p:stCondLst>
-                      <p:childTnLst>
-                        <p:par>
-                          <p:cTn id="8" fill="hold">
-                            <p:stCondLst>
-                              <p:cond delay="0"/>
-                            </p:stCondLst>
-                            <p:childTnLst>
-                              <p:par>
-                                <p:cTn id="9" presetID="1" presetClass="entr" presetSubtype="0" fill="hold" nodeType="clickEffect">
-                                  <p:stCondLst>
-                                    <p:cond delay="0"/>
-                                  </p:stCondLst>
-                                  <p:childTnLst>
-                                    <p:set>
-                                      <p:cBhvr>
-                                        <p:cTn id="10" dur="1" fill="hold">
-                                          <p:stCondLst>
-                                            <p:cond delay="0"/>
-                                          </p:stCondLst>
-                                        </p:cTn>
-                                        <p:tgtEl>
-                                          <p:spTgt spid="97">
-                                            <p:txEl>
-                                              <p:pRg st="0" end="0"/>
-                                            </p:txEl>
-                                          </p:spTgt>
-                                        </p:tgtEl>
-                                        <p:attrNameLst>
-                                          <p:attrName>style.visibility</p:attrName>
-                                        </p:attrNameLst>
-                                      </p:cBhvr>
-                                      <p:to>
-                                        <p:strVal val="visible"/>
-                                      </p:to>
-                                    </p:set>
-                                  </p:childTnLst>
-                                </p:cTn>
-                              </p:par>
-                            </p:childTnLst>
-                          </p:cTn>
-                        </p:par>
-                      </p:childTnLst>
-                    </p:cTn>
-                  </p:par>
-                  <p:par>
-                    <p:cTn id="11" fill="hold">
-                      <p:stCondLst>
-                        <p:cond delay="indefinite"/>
-                      </p:stCondLst>
-                      <p:childTnLst>
-                        <p:par>
-                          <p:cTn id="12" fill="hold">
-                            <p:stCondLst>
-                              <p:cond delay="0"/>
-                            </p:stCondLst>
-                            <p:childTnLst>
-                              <p:par>
-                                <p:cTn id="13" presetID="1" presetClass="entr" presetSubtype="0" fill="hold" nodeType="clickEffect">
-                                  <p:stCondLst>
-                                    <p:cond delay="0"/>
-                                  </p:stCondLst>
-                                  <p:childTnLst>
-                                    <p:set>
-                                      <p:cBhvr>
-                                        <p:cTn id="14" dur="1" fill="hold">
-                                          <p:stCondLst>
-                                            <p:cond delay="0"/>
-                                          </p:stCondLst>
-                                        </p:cTn>
-                                        <p:tgtEl>
-                                          <p:spTgt spid="97">
-                                            <p:txEl>
-                                              <p:pRg st="4" end="4"/>
-                                            </p:txEl>
-                                          </p:spTgt>
-                                        </p:tgtEl>
-                                        <p:attrNameLst>
-                                          <p:attrName>style.visibility</p:attrName>
-                                        </p:attrNameLst>
-                                      </p:cBhvr>
-                                      <p:to>
-                                        <p:strVal val="visible"/>
-                                      </p:to>
-                                    </p:set>
-                                  </p:childTnLst>
-                                </p:cTn>
-                              </p:par>
-                            </p:childTnLst>
-                          </p:cTn>
-                        </p:par>
-                      </p:childTnLst>
-                    </p:cTn>
-                  </p:par>
-                  <p:par>
-                    <p:cTn id="15" fill="hold">
-                      <p:stCondLst>
-                        <p:cond delay="indefinite"/>
-                      </p:stCondLst>
-                      <p:childTnLst>
-                        <p:par>
-                          <p:cTn id="16" fill="hold">
-                            <p:stCondLst>
-                              <p:cond delay="0"/>
-                            </p:stCondLst>
-                            <p:childTnLst>
-                              <p:par>
-                                <p:cTn id="17" presetID="1" presetClass="entr" presetSubtype="0" fill="hold" nodeType="clickEffect">
-                                  <p:stCondLst>
-                                    <p:cond delay="0"/>
-                                  </p:stCondLst>
-                                  <p:childTnLst>
-                                    <p:set>
-                                      <p:cBhvr>
-                                        <p:cTn id="18" dur="1" fill="hold">
-                                          <p:stCondLst>
-                                            <p:cond delay="0"/>
-                                          </p:stCondLst>
-                                        </p:cTn>
-                                        <p:tgtEl>
-                                          <p:spTgt spid="97">
-                                            <p:txEl>
-                                              <p:pRg st="6" end="6"/>
-                                            </p:txEl>
-                                          </p:spTgt>
-                                        </p:tgtEl>
-                                        <p:attrNameLst>
-                                          <p:attrName>style.visibility</p:attrName>
-                                        </p:attrNameLst>
-                                      </p:cBhvr>
-                                      <p:to>
-                                        <p:strVal val="visible"/>
-                                      </p:to>
-                                    </p:set>
-                                  </p:childTnLst>
-                                </p:cTn>
-                              </p:par>
-                            </p:childTnLst>
-                          </p:cTn>
-                        </p:par>
-                      </p:childTnLst>
-                    </p:cTn>
-                  </p:par>
-                </p:childTnLst>
-              </p:cTn>
-              <p:prevCondLst>
-                <p:cond evt="onPrev" delay="0">
-                  <p:tgtEl>
-                    <p:sldTgt/>
-                  </p:tgtEl>
-                </p:cond>
-              </p:prevCondLst>
-              <p:nextCondLst>
-                <p:cond evt="onNext" delay="0">
-                  <p:tgtEl>
-                    <p:sldTgt/>
-                  </p:tgtEl>
-                </p:cond>
-              </p:nextCondLst>
-            </p:seq>
-          </p:childTnLst>
-        </p:cTn>
-      </p:par>
-    </p:tnLst>
-  </p:timing>
-</p:sld>
-</file>
-
-<file path=ppt/slides/slide20.xml><?xml version="1.0" encoding="utf-8"?>
+<file path=ppt/slides/slide21.xml><?xml version="1.0" encoding="utf-8"?>
 <p:sld xmlns:a="http://schemas.openxmlformats.org/drawingml/2006/main" xmlns:r="http://schemas.openxmlformats.org/officeDocument/2006/relationships" xmlns:p="http://schemas.openxmlformats.org/presentationml/2006/main">
   <p:cSld>
     <p:spTree>
@@ -20301,7 +21047,7 @@
 </p:sld>
 </file>
 
-<file path=ppt/slides/slide21.xml><?xml version="1.0" encoding="utf-8"?>
+<file path=ppt/slides/slide22.xml><?xml version="1.0" encoding="utf-8"?>
 <p:sld xmlns:a="http://schemas.openxmlformats.org/drawingml/2006/main" xmlns:r="http://schemas.openxmlformats.org/officeDocument/2006/relationships" xmlns:p="http://schemas.openxmlformats.org/presentationml/2006/main">
   <p:cSld>
     <p:spTree>
@@ -20633,7 +21379,7 @@
             <a:avLst/>
           </a:prstGeom>
           <a:solidFill>
-            <a:srgbClr val="00823B"/>
+            <a:srgbClr val="00B050"/>
           </a:solidFill>
           <a:ln>
             <a:solidFill>
@@ -20944,7 +21690,7 @@
 </p:sld>
 </file>
 
-<file path=ppt/slides/slide22.xml><?xml version="1.0" encoding="utf-8"?>
+<file path=ppt/slides/slide23.xml><?xml version="1.0" encoding="utf-8"?>
 <p:sld xmlns:a="http://schemas.openxmlformats.org/drawingml/2006/main" xmlns:r="http://schemas.openxmlformats.org/officeDocument/2006/relationships" xmlns:p="http://schemas.openxmlformats.org/presentationml/2006/main">
   <p:cSld>
     <p:spTree>
@@ -21476,7 +22222,7 @@
 </p:sld>
 </file>
 
-<file path=ppt/slides/slide23.xml><?xml version="1.0" encoding="utf-8"?>
+<file path=ppt/slides/slide24.xml><?xml version="1.0" encoding="utf-8"?>
 <p:sld xmlns:a="http://schemas.openxmlformats.org/drawingml/2006/main" xmlns:r="http://schemas.openxmlformats.org/officeDocument/2006/relationships" xmlns:p="http://schemas.openxmlformats.org/presentationml/2006/main">
   <p:cSld>
     <p:spTree>
@@ -22738,7 +23484,7 @@
 </p:sld>
 </file>
 
-<file path=ppt/slides/slide24.xml><?xml version="1.0" encoding="utf-8"?>
+<file path=ppt/slides/slide25.xml><?xml version="1.0" encoding="utf-8"?>
 <p:sld xmlns:a="http://schemas.openxmlformats.org/drawingml/2006/main" xmlns:r="http://schemas.openxmlformats.org/officeDocument/2006/relationships" xmlns:p="http://schemas.openxmlformats.org/presentationml/2006/main">
   <p:cSld>
     <p:spTree>
@@ -23070,7 +23816,7 @@
             <a:avLst/>
           </a:prstGeom>
           <a:solidFill>
-            <a:srgbClr val="00823B"/>
+            <a:srgbClr val="00B050"/>
           </a:solidFill>
           <a:ln>
             <a:solidFill>
@@ -23223,7 +23969,7 @@
 </p:sld>
 </file>
 
-<file path=ppt/slides/slide25.xml><?xml version="1.0" encoding="utf-8"?>
+<file path=ppt/slides/slide26.xml><?xml version="1.0" encoding="utf-8"?>
 <p:sld xmlns:a="http://schemas.openxmlformats.org/drawingml/2006/main" xmlns:r="http://schemas.openxmlformats.org/officeDocument/2006/relationships" xmlns:p="http://schemas.openxmlformats.org/presentationml/2006/main">
   <p:cSld>
     <p:spTree>
@@ -23767,10 +24513,138 @@
       <p:transition advClick="0"/>
     </mc:Fallback>
   </mc:AlternateContent>
+  <p:timing>
+    <p:tnLst>
+      <p:par>
+        <p:cTn id="1" dur="indefinite" restart="never" nodeType="tmRoot">
+          <p:childTnLst>
+            <p:seq concurrent="1" nextAc="seek">
+              <p:cTn id="2" dur="indefinite" nodeType="mainSeq">
+                <p:childTnLst>
+                  <p:par>
+                    <p:cTn id="3" fill="hold">
+                      <p:stCondLst>
+                        <p:cond delay="indefinite"/>
+                      </p:stCondLst>
+                      <p:childTnLst>
+                        <p:par>
+                          <p:cTn id="4" fill="hold">
+                            <p:stCondLst>
+                              <p:cond delay="0"/>
+                            </p:stCondLst>
+                            <p:childTnLst>
+                              <p:par>
+                                <p:cTn id="5" presetID="1" presetClass="entr" presetSubtype="0" fill="hold" nodeType="clickEffect">
+                                  <p:stCondLst>
+                                    <p:cond delay="0"/>
+                                  </p:stCondLst>
+                                  <p:childTnLst>
+                                    <p:set>
+                                      <p:cBhvr>
+                                        <p:cTn id="6" dur="1" fill="hold">
+                                          <p:stCondLst>
+                                            <p:cond delay="0"/>
+                                          </p:stCondLst>
+                                        </p:cTn>
+                                        <p:tgtEl>
+                                          <p:spTgt spid="4">
+                                            <p:txEl>
+                                              <p:pRg st="5" end="5"/>
+                                            </p:txEl>
+                                          </p:spTgt>
+                                        </p:tgtEl>
+                                        <p:attrNameLst>
+                                          <p:attrName>style.visibility</p:attrName>
+                                        </p:attrNameLst>
+                                      </p:cBhvr>
+                                      <p:to>
+                                        <p:strVal val="visible"/>
+                                      </p:to>
+                                    </p:set>
+                                  </p:childTnLst>
+                                </p:cTn>
+                              </p:par>
+                            </p:childTnLst>
+                          </p:cTn>
+                        </p:par>
+                      </p:childTnLst>
+                    </p:cTn>
+                  </p:par>
+                  <p:par>
+                    <p:cTn id="7" fill="hold">
+                      <p:stCondLst>
+                        <p:cond delay="indefinite"/>
+                      </p:stCondLst>
+                      <p:childTnLst>
+                        <p:par>
+                          <p:cTn id="8" fill="hold">
+                            <p:stCondLst>
+                              <p:cond delay="0"/>
+                            </p:stCondLst>
+                            <p:childTnLst>
+                              <p:par>
+                                <p:cTn id="9" presetID="1" presetClass="entr" presetSubtype="0" fill="hold" nodeType="clickEffect">
+                                  <p:stCondLst>
+                                    <p:cond delay="0"/>
+                                  </p:stCondLst>
+                                  <p:childTnLst>
+                                    <p:set>
+                                      <p:cBhvr>
+                                        <p:cTn id="10" dur="1" fill="hold">
+                                          <p:stCondLst>
+                                            <p:cond delay="0"/>
+                                          </p:stCondLst>
+                                        </p:cTn>
+                                        <p:tgtEl>
+                                          <p:spTgt spid="4">
+                                            <p:txEl>
+                                              <p:pRg st="6" end="6"/>
+                                            </p:txEl>
+                                          </p:spTgt>
+                                        </p:tgtEl>
+                                        <p:attrNameLst>
+                                          <p:attrName>style.visibility</p:attrName>
+                                        </p:attrNameLst>
+                                      </p:cBhvr>
+                                      <p:to>
+                                        <p:strVal val="visible"/>
+                                      </p:to>
+                                    </p:set>
+                                  </p:childTnLst>
+                                </p:cTn>
+                              </p:par>
+                            </p:childTnLst>
+                          </p:cTn>
+                        </p:par>
+                      </p:childTnLst>
+                    </p:cTn>
+                  </p:par>
+                </p:childTnLst>
+              </p:cTn>
+              <p:prevCondLst>
+                <p:cond evt="onPrev" delay="0">
+                  <p:tgtEl>
+                    <p:sldTgt/>
+                  </p:tgtEl>
+                </p:cond>
+              </p:prevCondLst>
+              <p:nextCondLst>
+                <p:cond evt="onNext" delay="0">
+                  <p:tgtEl>
+                    <p:sldTgt/>
+                  </p:tgtEl>
+                </p:cond>
+              </p:nextCondLst>
+            </p:seq>
+          </p:childTnLst>
+        </p:cTn>
+      </p:par>
+    </p:tnLst>
+  </p:timing>
 </p:sld>
 </file>
 
-<file path=ppt/slides/slide26.xml><?xml version="1.0" encoding="utf-8"?>
+<file path=ppt/slides/slide27.xml><?xml version="1.0" encoding="utf-8"?>
 <p:sld xmlns:a="http://schemas.openxmlformats.org/drawingml/2006/main" xmlns:r="http://schemas.openxmlformats.org/officeDocument/2006/relationships" xmlns:p="http://schemas.openxmlformats.org/presentationml/2006/main">
   <p:cSld>
     <p:spTree>
@@ -23845,9 +24719,18 @@
   <p:clrMapOvr>
     <a:masterClrMapping/>
   </p:clrMapOvr>
-  <p:transition spd="slow">
-    <p:push dir="d"/>
-  </p:transition>
+  <mc:AlternateContent xmlns:mc="http://schemas.openxmlformats.org/markup-compatibility/2006">
+    <mc:Choice xmlns:p14="http://schemas.microsoft.com/office/powerpoint/2010/main" Requires="p14">
+      <p:transition spd="slow" p14:dur="800">
+        <p14:flythrough dir="out"/>
+      </p:transition>
+    </mc:Choice>
+    <mc:Fallback>
+      <p:transition spd="slow">
+        <p:fade/>
+      </p:transition>
+    </mc:Fallback>
+  </mc:AlternateContent>
 </p:sld>
 </file>
 
@@ -24777,7 +25660,7 @@
               <a:buChar char="•"/>
             </a:pPr>
             <a:r>
-              <a:rPr lang="en-US" sz="2200" dirty="0">
+              <a:rPr lang="en-US" sz="2000" dirty="0">
                 <a:solidFill>
                   <a:schemeClr val="tx1"/>
                 </a:solidFill>
@@ -24791,12 +25674,12 @@
               <a:buChar char="•"/>
             </a:pPr>
             <a:r>
-              <a:rPr lang="en-US" sz="2200" dirty="0">
+              <a:rPr lang="en-US" sz="2000" dirty="0">
                 <a:solidFill>
                   <a:schemeClr val="tx1"/>
                 </a:solidFill>
               </a:rPr>
-              <a:t>Specific Libraries</a:t>
+              <a:t>Specific libraries</a:t>
             </a:r>
           </a:p>
         </p:txBody>
@@ -24914,26 +25797,39 @@
                                   </p:childTnLst>
                                 </p:cTn>
                               </p:par>
-                            </p:childTnLst>
-                          </p:cTn>
-                        </p:par>
-                      </p:childTnLst>
-                    </p:cTn>
-                  </p:par>
-                  <p:par>
-                    <p:cTn id="7" fill="hold">
-                      <p:stCondLst>
-                        <p:cond delay="indefinite"/>
-                      </p:stCondLst>
-                      <p:childTnLst>
-                        <p:par>
-                          <p:cTn id="8" fill="hold">
-                            <p:stCondLst>
-                              <p:cond delay="0"/>
-                            </p:stCondLst>
-                            <p:childTnLst>
                               <p:par>
-                                <p:cTn id="9" presetID="1" presetClass="entr" presetSubtype="0" fill="hold" nodeType="clickEffect">
+                                <p:cTn id="7" presetID="1" presetClass="entr" presetSubtype="0" fill="hold" nodeType="withEffect">
+                                  <p:stCondLst>
+                                    <p:cond delay="0"/>
+                                  </p:stCondLst>
+                                  <p:childTnLst>
+                                    <p:set>
+                                      <p:cBhvr>
+                                        <p:cTn id="8" dur="1" fill="hold">
+                                          <p:stCondLst>
+                                            <p:cond delay="0"/>
+                                          </p:stCondLst>
+                                        </p:cTn>
+                                        <p:tgtEl>
+                                          <p:spTgt spid="97">
+                                            <p:txEl>
+                                              <p:pRg st="1" end="1"/>
+                                            </p:txEl>
+                                          </p:spTgt>
+                                        </p:tgtEl>
+                                        <p:attrNameLst>
+                                          <p:attrName>style.visibility</p:attrName>
+                                        </p:attrNameLst>
+                                      </p:cBhvr>
+                                      <p:to>
+                                        <p:strVal val="visible"/>
+                                      </p:to>
+                                    </p:set>
+                                  </p:childTnLst>
+                                </p:cTn>
+                              </p:par>
+                              <p:par>
+                                <p:cTn id="9" presetID="1" presetClass="entr" presetSubtype="0" fill="hold" nodeType="withEffect">
                                   <p:stCondLst>
                                     <p:cond delay="0"/>
                                   </p:stCondLst>
@@ -24948,7 +25844,7 @@
                                         <p:tgtEl>
                                           <p:spTgt spid="97">
                                             <p:txEl>
-                                              <p:pRg st="1" end="1"/>
+                                              <p:pRg st="2" end="2"/>
                                             </p:txEl>
                                           </p:spTgt>
                                         </p:tgtEl>
@@ -24997,7 +25893,7 @@
                                         <p:tgtEl>
                                           <p:spTgt spid="97">
                                             <p:txEl>
-                                              <p:pRg st="2" end="2"/>
+                                              <p:pRg st="4" end="4"/>
                                             </p:txEl>
                                           </p:spTgt>
                                         </p:tgtEl>
@@ -25046,55 +25942,6 @@
                                         <p:tgtEl>
                                           <p:spTgt spid="97">
                                             <p:txEl>
-                                              <p:pRg st="4" end="4"/>
-                                            </p:txEl>
-                                          </p:spTgt>
-                                        </p:tgtEl>
-                                        <p:attrNameLst>
-                                          <p:attrName>style.visibility</p:attrName>
-                                        </p:attrNameLst>
-                                      </p:cBhvr>
-                                      <p:to>
-                                        <p:strVal val="visible"/>
-                                      </p:to>
-                                    </p:set>
-                                  </p:childTnLst>
-                                </p:cTn>
-                              </p:par>
-                            </p:childTnLst>
-                          </p:cTn>
-                        </p:par>
-                      </p:childTnLst>
-                    </p:cTn>
-                  </p:par>
-                  <p:par>
-                    <p:cTn id="19" fill="hold">
-                      <p:stCondLst>
-                        <p:cond delay="indefinite"/>
-                      </p:stCondLst>
-                      <p:childTnLst>
-                        <p:par>
-                          <p:cTn id="20" fill="hold">
-                            <p:stCondLst>
-                              <p:cond delay="0"/>
-                            </p:stCondLst>
-                            <p:childTnLst>
-                              <p:par>
-                                <p:cTn id="21" presetID="1" presetClass="entr" presetSubtype="0" fill="hold" nodeType="clickEffect">
-                                  <p:stCondLst>
-                                    <p:cond delay="0"/>
-                                  </p:stCondLst>
-                                  <p:childTnLst>
-                                    <p:set>
-                                      <p:cBhvr>
-                                        <p:cTn id="22" dur="1" fill="hold">
-                                          <p:stCondLst>
-                                            <p:cond delay="0"/>
-                                          </p:stCondLst>
-                                        </p:cTn>
-                                        <p:tgtEl>
-                                          <p:spTgt spid="97">
-                                            <p:txEl>
                                               <p:pRg st="6" end="6"/>
                                             </p:txEl>
                                           </p:spTgt>
@@ -25110,33 +25957,15 @@
                                   </p:childTnLst>
                                 </p:cTn>
                               </p:par>
-                            </p:childTnLst>
-                          </p:cTn>
-                        </p:par>
-                      </p:childTnLst>
-                    </p:cTn>
-                  </p:par>
-                  <p:par>
-                    <p:cTn id="23" fill="hold">
-                      <p:stCondLst>
-                        <p:cond delay="indefinite"/>
-                      </p:stCondLst>
-                      <p:childTnLst>
-                        <p:par>
-                          <p:cTn id="24" fill="hold">
-                            <p:stCondLst>
-                              <p:cond delay="0"/>
-                            </p:stCondLst>
-                            <p:childTnLst>
                               <p:par>
-                                <p:cTn id="25" presetID="1" presetClass="entr" presetSubtype="0" fill="hold" nodeType="clickEffect">
+                                <p:cTn id="19" presetID="1" presetClass="entr" presetSubtype="0" fill="hold" nodeType="withEffect">
                                   <p:stCondLst>
                                     <p:cond delay="0"/>
                                   </p:stCondLst>
                                   <p:childTnLst>
                                     <p:set>
                                       <p:cBhvr>
-                                        <p:cTn id="26" dur="1" fill="hold">
+                                        <p:cTn id="20" dur="1" fill="hold">
                                           <p:stCondLst>
                                             <p:cond delay="0"/>
                                           </p:stCondLst>
@@ -25159,33 +25988,15 @@
                                   </p:childTnLst>
                                 </p:cTn>
                               </p:par>
-                            </p:childTnLst>
-                          </p:cTn>
-                        </p:par>
-                      </p:childTnLst>
-                    </p:cTn>
-                  </p:par>
-                  <p:par>
-                    <p:cTn id="27" fill="hold">
-                      <p:stCondLst>
-                        <p:cond delay="indefinite"/>
-                      </p:stCondLst>
-                      <p:childTnLst>
-                        <p:par>
-                          <p:cTn id="28" fill="hold">
-                            <p:stCondLst>
-                              <p:cond delay="0"/>
-                            </p:stCondLst>
-                            <p:childTnLst>
                               <p:par>
-                                <p:cTn id="29" presetID="1" presetClass="entr" presetSubtype="0" fill="hold" nodeType="clickEffect">
+                                <p:cTn id="21" presetID="1" presetClass="entr" presetSubtype="0" fill="hold" nodeType="withEffect">
                                   <p:stCondLst>
                                     <p:cond delay="0"/>
                                   </p:stCondLst>
                                   <p:childTnLst>
                                     <p:set>
                                       <p:cBhvr>
-                                        <p:cTn id="30" dur="1" fill="hold">
+                                        <p:cTn id="22" dur="1" fill="hold">
                                           <p:stCondLst>
                                             <p:cond delay="0"/>
                                           </p:stCondLst>
@@ -26506,7 +27317,7 @@
           <a:p>
             <a:pPr algn="ctr"/>
             <a:r>
-              <a:rPr lang="en-US" sz="1400" dirty="0">
+              <a:rPr lang="en-US" sz="1600" dirty="0">
                 <a:solidFill>
                   <a:schemeClr val="bg1"/>
                 </a:solidFill>
@@ -26567,12 +27378,12 @@
           <a:p>
             <a:pPr algn="ctr"/>
             <a:r>
-              <a:rPr lang="en-US" dirty="0">
+              <a:rPr lang="en-US" sz="1600" dirty="0">
                 <a:solidFill>
                   <a:schemeClr val="bg1"/>
                 </a:solidFill>
               </a:rPr>
-              <a:t>Session 2: A tale of three experiments</a:t>
+              <a:t>Session 2: A tale of three experiments.</a:t>
             </a:r>
           </a:p>
         </p:txBody>
@@ -26628,7 +27439,7 @@
           <a:p>
             <a:pPr algn="ctr"/>
             <a:r>
-              <a:rPr lang="en-US" dirty="0">
+              <a:rPr lang="en-US" sz="1600" dirty="0">
                 <a:solidFill>
                   <a:schemeClr val="bg1"/>
                 </a:solidFill>
@@ -26919,6 +27730,1822 @@
           <a:chExt cx="0" cy="0"/>
         </a:xfrm>
       </p:grpSpPr>
+      <p:grpSp>
+        <p:nvGrpSpPr>
+          <p:cNvPr id="12" name="Group 11">
+            <a:extLst>
+              <a:ext uri="{FF2B5EF4-FFF2-40B4-BE49-F238E27FC236}">
+                <a16:creationId xmlns:a16="http://schemas.microsoft.com/office/drawing/2014/main" id="{0E89AFF9-9D76-8781-99C6-3BFCB74E7360}"/>
+              </a:ext>
+            </a:extLst>
+          </p:cNvPr>
+          <p:cNvGrpSpPr/>
+          <p:nvPr/>
+        </p:nvGrpSpPr>
+        <p:grpSpPr>
+          <a:xfrm>
+            <a:off x="605315" y="1437028"/>
+            <a:ext cx="7655458" cy="848972"/>
+            <a:chOff x="741262" y="1869068"/>
+            <a:chExt cx="7655458" cy="848972"/>
+          </a:xfrm>
+        </p:grpSpPr>
+        <p:sp>
+          <p:nvSpPr>
+            <p:cNvPr id="13" name="Rectangle 12">
+              <a:extLst>
+                <a:ext uri="{FF2B5EF4-FFF2-40B4-BE49-F238E27FC236}">
+                  <a16:creationId xmlns:a16="http://schemas.microsoft.com/office/drawing/2014/main" id="{A17BA60E-5AE0-AF0B-976A-3E27E17177DA}"/>
+                </a:ext>
+              </a:extLst>
+            </p:cNvPr>
+            <p:cNvSpPr/>
+            <p:nvPr/>
+          </p:nvSpPr>
+          <p:spPr>
+            <a:xfrm>
+              <a:off x="1166263" y="1869445"/>
+              <a:ext cx="3403434" cy="848595"/>
+            </a:xfrm>
+            <a:prstGeom prst="rect">
+              <a:avLst/>
+            </a:prstGeom>
+            <a:solidFill>
+              <a:srgbClr val="92D050"/>
+            </a:solidFill>
+            <a:ln>
+              <a:noFill/>
+            </a:ln>
+          </p:spPr>
+          <p:style>
+            <a:lnRef idx="2">
+              <a:schemeClr val="accent1">
+                <a:shade val="50000"/>
+              </a:schemeClr>
+            </a:lnRef>
+            <a:fillRef idx="1">
+              <a:schemeClr val="accent1"/>
+            </a:fillRef>
+            <a:effectRef idx="0">
+              <a:schemeClr val="accent1"/>
+            </a:effectRef>
+            <a:fontRef idx="minor">
+              <a:schemeClr val="lt1"/>
+            </a:fontRef>
+          </p:style>
+          <p:txBody>
+            <a:bodyPr rtlCol="0" anchor="ctr"/>
+            <a:lstStyle/>
+            <a:p>
+              <a:pPr algn="ctr"/>
+              <a:r>
+                <a:rPr lang="en-US" dirty="0">
+                  <a:solidFill>
+                    <a:schemeClr val="accent1">
+                      <a:lumMod val="20000"/>
+                      <a:lumOff val="80000"/>
+                    </a:schemeClr>
+                  </a:solidFill>
+                </a:rPr>
+                <a:t>Data Exploration</a:t>
+              </a:r>
+            </a:p>
+            <a:p>
+              <a:pPr algn="ctr"/>
+              <a:r>
+                <a:rPr lang="en-US" dirty="0">
+                  <a:solidFill>
+                    <a:schemeClr val="accent1">
+                      <a:lumMod val="20000"/>
+                      <a:lumOff val="80000"/>
+                    </a:schemeClr>
+                  </a:solidFill>
+                </a:rPr>
+                <a:t>Problem Formulation</a:t>
+              </a:r>
+              <a:endParaRPr lang="en-DE" dirty="0">
+                <a:solidFill>
+                  <a:schemeClr val="accent1">
+                    <a:lumMod val="20000"/>
+                    <a:lumOff val="80000"/>
+                  </a:schemeClr>
+                </a:solidFill>
+              </a:endParaRPr>
+            </a:p>
+          </p:txBody>
+        </p:sp>
+        <p:sp>
+          <p:nvSpPr>
+            <p:cNvPr id="14" name="Rectangle 13">
+              <a:extLst>
+                <a:ext uri="{FF2B5EF4-FFF2-40B4-BE49-F238E27FC236}">
+                  <a16:creationId xmlns:a16="http://schemas.microsoft.com/office/drawing/2014/main" id="{F72F5E88-0705-35B6-8542-325BE7804138}"/>
+                </a:ext>
+              </a:extLst>
+            </p:cNvPr>
+            <p:cNvSpPr/>
+            <p:nvPr/>
+          </p:nvSpPr>
+          <p:spPr>
+            <a:xfrm>
+              <a:off x="4569695" y="1869444"/>
+              <a:ext cx="3402729" cy="848595"/>
+            </a:xfrm>
+            <a:prstGeom prst="rect">
+              <a:avLst/>
+            </a:prstGeom>
+            <a:solidFill>
+              <a:schemeClr val="accent1">
+                <a:lumMod val="40000"/>
+                <a:lumOff val="60000"/>
+              </a:schemeClr>
+            </a:solidFill>
+            <a:ln>
+              <a:noFill/>
+            </a:ln>
+          </p:spPr>
+          <p:style>
+            <a:lnRef idx="2">
+              <a:schemeClr val="accent1">
+                <a:shade val="50000"/>
+              </a:schemeClr>
+            </a:lnRef>
+            <a:fillRef idx="1">
+              <a:schemeClr val="accent1"/>
+            </a:fillRef>
+            <a:effectRef idx="0">
+              <a:schemeClr val="accent1"/>
+            </a:effectRef>
+            <a:fontRef idx="minor">
+              <a:schemeClr val="lt1"/>
+            </a:fontRef>
+          </p:style>
+          <p:txBody>
+            <a:bodyPr rtlCol="0" anchor="ctr"/>
+            <a:lstStyle/>
+            <a:p>
+              <a:pPr algn="ctr"/>
+              <a:r>
+                <a:rPr lang="en-US" dirty="0">
+                  <a:solidFill>
+                    <a:srgbClr val="72AF2F"/>
+                  </a:solidFill>
+                </a:rPr>
+                <a:t>Project Setup</a:t>
+              </a:r>
+              <a:endParaRPr lang="en-DE" dirty="0"/>
+            </a:p>
+          </p:txBody>
+        </p:sp>
+        <p:sp>
+          <p:nvSpPr>
+            <p:cNvPr id="15" name="Oval 14">
+              <a:extLst>
+                <a:ext uri="{FF2B5EF4-FFF2-40B4-BE49-F238E27FC236}">
+                  <a16:creationId xmlns:a16="http://schemas.microsoft.com/office/drawing/2014/main" id="{70546C5C-0937-5FDC-BF66-6A583B619B57}"/>
+                </a:ext>
+              </a:extLst>
+            </p:cNvPr>
+            <p:cNvSpPr/>
+            <p:nvPr/>
+          </p:nvSpPr>
+          <p:spPr>
+            <a:xfrm>
+              <a:off x="4356844" y="1869445"/>
+              <a:ext cx="425706" cy="425707"/>
+            </a:xfrm>
+            <a:prstGeom prst="ellipse">
+              <a:avLst/>
+            </a:prstGeom>
+            <a:solidFill>
+              <a:schemeClr val="accent1">
+                <a:lumMod val="40000"/>
+                <a:lumOff val="60000"/>
+              </a:schemeClr>
+            </a:solidFill>
+            <a:ln>
+              <a:noFill/>
+            </a:ln>
+          </p:spPr>
+          <p:style>
+            <a:lnRef idx="2">
+              <a:schemeClr val="accent1">
+                <a:shade val="50000"/>
+              </a:schemeClr>
+            </a:lnRef>
+            <a:fillRef idx="1">
+              <a:schemeClr val="accent1"/>
+            </a:fillRef>
+            <a:effectRef idx="0">
+              <a:schemeClr val="accent1"/>
+            </a:effectRef>
+            <a:fontRef idx="minor">
+              <a:schemeClr val="lt1"/>
+            </a:fontRef>
+          </p:style>
+          <p:txBody>
+            <a:bodyPr rtlCol="0" anchor="ctr"/>
+            <a:lstStyle/>
+            <a:p>
+              <a:pPr algn="ctr"/>
+              <a:endParaRPr lang="en-DE" dirty="0"/>
+            </a:p>
+          </p:txBody>
+        </p:sp>
+        <p:sp>
+          <p:nvSpPr>
+            <p:cNvPr id="16" name="Oval 15">
+              <a:extLst>
+                <a:ext uri="{FF2B5EF4-FFF2-40B4-BE49-F238E27FC236}">
+                  <a16:creationId xmlns:a16="http://schemas.microsoft.com/office/drawing/2014/main" id="{77C8A1CC-94FC-070C-8CD0-8AF219B217B7}"/>
+                </a:ext>
+              </a:extLst>
+            </p:cNvPr>
+            <p:cNvSpPr/>
+            <p:nvPr/>
+          </p:nvSpPr>
+          <p:spPr>
+            <a:xfrm>
+              <a:off x="4356844" y="2284215"/>
+              <a:ext cx="425706" cy="425707"/>
+            </a:xfrm>
+            <a:prstGeom prst="ellipse">
+              <a:avLst/>
+            </a:prstGeom>
+            <a:solidFill>
+              <a:srgbClr val="92D050"/>
+            </a:solidFill>
+            <a:ln>
+              <a:noFill/>
+            </a:ln>
+          </p:spPr>
+          <p:style>
+            <a:lnRef idx="2">
+              <a:schemeClr val="accent1">
+                <a:shade val="50000"/>
+              </a:schemeClr>
+            </a:lnRef>
+            <a:fillRef idx="1">
+              <a:schemeClr val="accent1"/>
+            </a:fillRef>
+            <a:effectRef idx="0">
+              <a:schemeClr val="accent1"/>
+            </a:effectRef>
+            <a:fontRef idx="minor">
+              <a:schemeClr val="lt1"/>
+            </a:fontRef>
+          </p:style>
+          <p:txBody>
+            <a:bodyPr rtlCol="0" anchor="ctr"/>
+            <a:lstStyle/>
+            <a:p>
+              <a:pPr algn="ctr"/>
+              <a:endParaRPr lang="en-DE" dirty="0"/>
+            </a:p>
+          </p:txBody>
+        </p:sp>
+        <p:sp>
+          <p:nvSpPr>
+            <p:cNvPr id="17" name="Oval 16">
+              <a:extLst>
+                <a:ext uri="{FF2B5EF4-FFF2-40B4-BE49-F238E27FC236}">
+                  <a16:creationId xmlns:a16="http://schemas.microsoft.com/office/drawing/2014/main" id="{C0FFEEED-FB37-ED5C-5D24-3C1C4CF6B99D}"/>
+                </a:ext>
+              </a:extLst>
+            </p:cNvPr>
+            <p:cNvSpPr/>
+            <p:nvPr/>
+          </p:nvSpPr>
+          <p:spPr>
+            <a:xfrm>
+              <a:off x="7548128" y="1869068"/>
+              <a:ext cx="848592" cy="848594"/>
+            </a:xfrm>
+            <a:prstGeom prst="ellipse">
+              <a:avLst/>
+            </a:prstGeom>
+            <a:solidFill>
+              <a:schemeClr val="accent1">
+                <a:lumMod val="40000"/>
+                <a:lumOff val="60000"/>
+              </a:schemeClr>
+            </a:solidFill>
+            <a:ln>
+              <a:noFill/>
+            </a:ln>
+          </p:spPr>
+          <p:style>
+            <a:lnRef idx="2">
+              <a:schemeClr val="accent1">
+                <a:shade val="50000"/>
+              </a:schemeClr>
+            </a:lnRef>
+            <a:fillRef idx="1">
+              <a:schemeClr val="accent1"/>
+            </a:fillRef>
+            <a:effectRef idx="0">
+              <a:schemeClr val="accent1"/>
+            </a:effectRef>
+            <a:fontRef idx="minor">
+              <a:schemeClr val="lt1"/>
+            </a:fontRef>
+          </p:style>
+          <p:txBody>
+            <a:bodyPr rtlCol="0" anchor="ctr"/>
+            <a:lstStyle/>
+            <a:p>
+              <a:pPr algn="ctr"/>
+              <a:endParaRPr lang="en-DE" dirty="0"/>
+            </a:p>
+          </p:txBody>
+        </p:sp>
+        <p:sp>
+          <p:nvSpPr>
+            <p:cNvPr id="18" name="Oval 17">
+              <a:extLst>
+                <a:ext uri="{FF2B5EF4-FFF2-40B4-BE49-F238E27FC236}">
+                  <a16:creationId xmlns:a16="http://schemas.microsoft.com/office/drawing/2014/main" id="{308AFE33-5DEE-6FF7-2DB2-8586BF52A38F}"/>
+                </a:ext>
+              </a:extLst>
+            </p:cNvPr>
+            <p:cNvSpPr/>
+            <p:nvPr/>
+          </p:nvSpPr>
+          <p:spPr>
+            <a:xfrm>
+              <a:off x="741262" y="1869445"/>
+              <a:ext cx="848592" cy="848594"/>
+            </a:xfrm>
+            <a:prstGeom prst="ellipse">
+              <a:avLst/>
+            </a:prstGeom>
+            <a:solidFill>
+              <a:srgbClr val="92D050"/>
+            </a:solidFill>
+            <a:ln>
+              <a:noFill/>
+            </a:ln>
+          </p:spPr>
+          <p:style>
+            <a:lnRef idx="2">
+              <a:schemeClr val="accent1">
+                <a:shade val="50000"/>
+              </a:schemeClr>
+            </a:lnRef>
+            <a:fillRef idx="1">
+              <a:schemeClr val="accent1"/>
+            </a:fillRef>
+            <a:effectRef idx="0">
+              <a:schemeClr val="accent1"/>
+            </a:effectRef>
+            <a:fontRef idx="minor">
+              <a:schemeClr val="lt1"/>
+            </a:fontRef>
+          </p:style>
+          <p:txBody>
+            <a:bodyPr rtlCol="0" anchor="ctr"/>
+            <a:lstStyle/>
+            <a:p>
+              <a:pPr algn="ctr"/>
+              <a:endParaRPr lang="en-DE" dirty="0"/>
+            </a:p>
+          </p:txBody>
+        </p:sp>
+      </p:grpSp>
+      <p:sp>
+        <p:nvSpPr>
+          <p:cNvPr id="96" name="Google Shape;96;p20"/>
+          <p:cNvSpPr txBox="1">
+            <a:spLocks noGrp="1"/>
+          </p:cNvSpPr>
+          <p:nvPr>
+            <p:ph type="title"/>
+          </p:nvPr>
+        </p:nvSpPr>
+        <p:spPr>
+          <a:xfrm>
+            <a:off x="311700" y="445025"/>
+            <a:ext cx="8520600" cy="572700"/>
+          </a:xfrm>
+          <a:prstGeom prst="rect">
+            <a:avLst/>
+          </a:prstGeom>
+        </p:spPr>
+        <p:txBody>
+          <a:bodyPr spcFirstLastPara="1" wrap="square" lIns="91425" tIns="91425" rIns="91425" bIns="91425" anchor="t" anchorCtr="0">
+            <a:noAutofit/>
+          </a:bodyPr>
+          <a:lstStyle/>
+          <a:p>
+            <a:pPr marL="0" lvl="0" indent="0" algn="l" rtl="0">
+              <a:spcBef>
+                <a:spcPts val="0"/>
+              </a:spcBef>
+              <a:spcAft>
+                <a:spcPts val="0"/>
+              </a:spcAft>
+              <a:buNone/>
+            </a:pPr>
+            <a:r>
+              <a:rPr lang="en-GB" sz="3200" dirty="0">
+                <a:latin typeface="Calibri" panose="020F0502020204030204" pitchFamily="34" charset="0"/>
+                <a:cs typeface="Calibri" panose="020F0502020204030204" pitchFamily="34" charset="0"/>
+              </a:rPr>
+              <a:t>Sessions</a:t>
+            </a:r>
+            <a:endParaRPr sz="3200" dirty="0">
+              <a:latin typeface="Calibri" panose="020F0502020204030204" pitchFamily="34" charset="0"/>
+              <a:cs typeface="Calibri" panose="020F0502020204030204" pitchFamily="34" charset="0"/>
+            </a:endParaRPr>
+          </a:p>
+        </p:txBody>
+      </p:sp>
+      <p:grpSp>
+        <p:nvGrpSpPr>
+          <p:cNvPr id="101" name="Group 100">
+            <a:extLst>
+              <a:ext uri="{FF2B5EF4-FFF2-40B4-BE49-F238E27FC236}">
+                <a16:creationId xmlns:a16="http://schemas.microsoft.com/office/drawing/2014/main" id="{0C7DCB77-6DE6-8C50-6E26-5A8FCC89AD61}"/>
+              </a:ext>
+            </a:extLst>
+          </p:cNvPr>
+          <p:cNvGrpSpPr/>
+          <p:nvPr/>
+        </p:nvGrpSpPr>
+        <p:grpSpPr>
+          <a:xfrm>
+            <a:off x="137856" y="1425638"/>
+            <a:ext cx="8877234" cy="2864231"/>
+            <a:chOff x="3261233" y="1869067"/>
+            <a:chExt cx="2634547" cy="850034"/>
+          </a:xfrm>
+        </p:grpSpPr>
+        <p:sp>
+          <p:nvSpPr>
+            <p:cNvPr id="2" name="Rectangle 1">
+              <a:extLst>
+                <a:ext uri="{FF2B5EF4-FFF2-40B4-BE49-F238E27FC236}">
+                  <a16:creationId xmlns:a16="http://schemas.microsoft.com/office/drawing/2014/main" id="{27040A7D-4D25-3780-B717-BC7441D249E4}"/>
+                </a:ext>
+              </a:extLst>
+            </p:cNvPr>
+            <p:cNvSpPr/>
+            <p:nvPr/>
+          </p:nvSpPr>
+          <p:spPr>
+            <a:xfrm>
+              <a:off x="3667908" y="1869445"/>
+              <a:ext cx="901789" cy="848595"/>
+            </a:xfrm>
+            <a:prstGeom prst="rect">
+              <a:avLst/>
+            </a:prstGeom>
+            <a:solidFill>
+              <a:srgbClr val="92D050"/>
+            </a:solidFill>
+            <a:ln>
+              <a:noFill/>
+            </a:ln>
+          </p:spPr>
+          <p:style>
+            <a:lnRef idx="2">
+              <a:schemeClr val="accent1">
+                <a:shade val="50000"/>
+              </a:schemeClr>
+            </a:lnRef>
+            <a:fillRef idx="1">
+              <a:schemeClr val="accent1"/>
+            </a:fillRef>
+            <a:effectRef idx="0">
+              <a:schemeClr val="accent1"/>
+            </a:effectRef>
+            <a:fontRef idx="minor">
+              <a:schemeClr val="lt1"/>
+            </a:fontRef>
+          </p:style>
+          <p:txBody>
+            <a:bodyPr rtlCol="0" anchor="ctr"/>
+            <a:lstStyle/>
+            <a:p>
+              <a:pPr algn="ctr"/>
+              <a:endParaRPr lang="en-DE" dirty="0">
+                <a:solidFill>
+                  <a:schemeClr val="accent1">
+                    <a:lumMod val="20000"/>
+                    <a:lumOff val="80000"/>
+                  </a:schemeClr>
+                </a:solidFill>
+              </a:endParaRPr>
+            </a:p>
+          </p:txBody>
+        </p:sp>
+        <p:sp>
+          <p:nvSpPr>
+            <p:cNvPr id="3" name="Rectangle 2">
+              <a:extLst>
+                <a:ext uri="{FF2B5EF4-FFF2-40B4-BE49-F238E27FC236}">
+                  <a16:creationId xmlns:a16="http://schemas.microsoft.com/office/drawing/2014/main" id="{9C8BBE7B-2D62-F02E-3489-8C3D5A5C493E}"/>
+                </a:ext>
+              </a:extLst>
+            </p:cNvPr>
+            <p:cNvSpPr/>
+            <p:nvPr/>
+          </p:nvSpPr>
+          <p:spPr>
+            <a:xfrm>
+              <a:off x="4569695" y="1869444"/>
+              <a:ext cx="916755" cy="848595"/>
+            </a:xfrm>
+            <a:prstGeom prst="rect">
+              <a:avLst/>
+            </a:prstGeom>
+            <a:solidFill>
+              <a:schemeClr val="accent1">
+                <a:lumMod val="40000"/>
+                <a:lumOff val="60000"/>
+              </a:schemeClr>
+            </a:solidFill>
+            <a:ln>
+              <a:noFill/>
+            </a:ln>
+          </p:spPr>
+          <p:style>
+            <a:lnRef idx="2">
+              <a:schemeClr val="accent1">
+                <a:shade val="50000"/>
+              </a:schemeClr>
+            </a:lnRef>
+            <a:fillRef idx="1">
+              <a:schemeClr val="accent1"/>
+            </a:fillRef>
+            <a:effectRef idx="0">
+              <a:schemeClr val="accent1"/>
+            </a:effectRef>
+            <a:fontRef idx="minor">
+              <a:schemeClr val="lt1"/>
+            </a:fontRef>
+          </p:style>
+          <p:txBody>
+            <a:bodyPr rtlCol="0" anchor="ctr"/>
+            <a:lstStyle/>
+            <a:p>
+              <a:pPr algn="ctr"/>
+              <a:endParaRPr lang="en-DE" dirty="0"/>
+            </a:p>
+          </p:txBody>
+        </p:sp>
+        <p:sp>
+          <p:nvSpPr>
+            <p:cNvPr id="4" name="Oval 3">
+              <a:extLst>
+                <a:ext uri="{FF2B5EF4-FFF2-40B4-BE49-F238E27FC236}">
+                  <a16:creationId xmlns:a16="http://schemas.microsoft.com/office/drawing/2014/main" id="{58AE06E2-24AC-161B-5185-89C14F7391C9}"/>
+                </a:ext>
+              </a:extLst>
+            </p:cNvPr>
+            <p:cNvSpPr/>
+            <p:nvPr/>
+          </p:nvSpPr>
+          <p:spPr>
+            <a:xfrm>
+              <a:off x="4356844" y="1869445"/>
+              <a:ext cx="425706" cy="425707"/>
+            </a:xfrm>
+            <a:prstGeom prst="ellipse">
+              <a:avLst/>
+            </a:prstGeom>
+            <a:solidFill>
+              <a:schemeClr val="accent1">
+                <a:lumMod val="40000"/>
+                <a:lumOff val="60000"/>
+              </a:schemeClr>
+            </a:solidFill>
+            <a:ln>
+              <a:noFill/>
+            </a:ln>
+          </p:spPr>
+          <p:style>
+            <a:lnRef idx="2">
+              <a:schemeClr val="accent1">
+                <a:shade val="50000"/>
+              </a:schemeClr>
+            </a:lnRef>
+            <a:fillRef idx="1">
+              <a:schemeClr val="accent1"/>
+            </a:fillRef>
+            <a:effectRef idx="0">
+              <a:schemeClr val="accent1"/>
+            </a:effectRef>
+            <a:fontRef idx="minor">
+              <a:schemeClr val="lt1"/>
+            </a:fontRef>
+          </p:style>
+          <p:txBody>
+            <a:bodyPr rtlCol="0" anchor="ctr"/>
+            <a:lstStyle/>
+            <a:p>
+              <a:pPr algn="ctr"/>
+              <a:endParaRPr lang="en-DE" dirty="0"/>
+            </a:p>
+          </p:txBody>
+        </p:sp>
+        <p:sp>
+          <p:nvSpPr>
+            <p:cNvPr id="5" name="Oval 4">
+              <a:extLst>
+                <a:ext uri="{FF2B5EF4-FFF2-40B4-BE49-F238E27FC236}">
+                  <a16:creationId xmlns:a16="http://schemas.microsoft.com/office/drawing/2014/main" id="{9CACAB36-7A1D-76DD-902C-D1CB990B8CEA}"/>
+                </a:ext>
+              </a:extLst>
+            </p:cNvPr>
+            <p:cNvSpPr/>
+            <p:nvPr/>
+          </p:nvSpPr>
+          <p:spPr>
+            <a:xfrm>
+              <a:off x="4356844" y="2297204"/>
+              <a:ext cx="425706" cy="412718"/>
+            </a:xfrm>
+            <a:prstGeom prst="ellipse">
+              <a:avLst/>
+            </a:prstGeom>
+            <a:solidFill>
+              <a:srgbClr val="92D050"/>
+            </a:solidFill>
+            <a:ln>
+              <a:noFill/>
+            </a:ln>
+          </p:spPr>
+          <p:style>
+            <a:lnRef idx="2">
+              <a:schemeClr val="accent1">
+                <a:shade val="50000"/>
+              </a:schemeClr>
+            </a:lnRef>
+            <a:fillRef idx="1">
+              <a:schemeClr val="accent1"/>
+            </a:fillRef>
+            <a:effectRef idx="0">
+              <a:schemeClr val="accent1"/>
+            </a:effectRef>
+            <a:fontRef idx="minor">
+              <a:schemeClr val="lt1"/>
+            </a:fontRef>
+          </p:style>
+          <p:txBody>
+            <a:bodyPr rtlCol="0" anchor="ctr"/>
+            <a:lstStyle/>
+            <a:p>
+              <a:pPr algn="ctr"/>
+              <a:endParaRPr lang="en-DE" dirty="0"/>
+            </a:p>
+          </p:txBody>
+        </p:sp>
+        <p:sp>
+          <p:nvSpPr>
+            <p:cNvPr id="7" name="Oval 6">
+              <a:extLst>
+                <a:ext uri="{FF2B5EF4-FFF2-40B4-BE49-F238E27FC236}">
+                  <a16:creationId xmlns:a16="http://schemas.microsoft.com/office/drawing/2014/main" id="{7B31E420-5CB0-151F-77EB-115B6DFE2214}"/>
+                </a:ext>
+              </a:extLst>
+            </p:cNvPr>
+            <p:cNvSpPr/>
+            <p:nvPr/>
+          </p:nvSpPr>
+          <p:spPr>
+            <a:xfrm>
+              <a:off x="5047188" y="1869067"/>
+              <a:ext cx="848592" cy="848594"/>
+            </a:xfrm>
+            <a:prstGeom prst="ellipse">
+              <a:avLst/>
+            </a:prstGeom>
+            <a:solidFill>
+              <a:schemeClr val="accent1">
+                <a:lumMod val="40000"/>
+                <a:lumOff val="60000"/>
+              </a:schemeClr>
+            </a:solidFill>
+            <a:ln>
+              <a:noFill/>
+            </a:ln>
+          </p:spPr>
+          <p:style>
+            <a:lnRef idx="2">
+              <a:schemeClr val="accent1">
+                <a:shade val="50000"/>
+              </a:schemeClr>
+            </a:lnRef>
+            <a:fillRef idx="1">
+              <a:schemeClr val="accent1"/>
+            </a:fillRef>
+            <a:effectRef idx="0">
+              <a:schemeClr val="accent1"/>
+            </a:effectRef>
+            <a:fontRef idx="minor">
+              <a:schemeClr val="lt1"/>
+            </a:fontRef>
+          </p:style>
+          <p:txBody>
+            <a:bodyPr rtlCol="0" anchor="ctr"/>
+            <a:lstStyle/>
+            <a:p>
+              <a:pPr algn="ctr"/>
+              <a:endParaRPr lang="en-DE" dirty="0"/>
+            </a:p>
+          </p:txBody>
+        </p:sp>
+        <p:sp>
+          <p:nvSpPr>
+            <p:cNvPr id="8" name="Oval 7">
+              <a:extLst>
+                <a:ext uri="{FF2B5EF4-FFF2-40B4-BE49-F238E27FC236}">
+                  <a16:creationId xmlns:a16="http://schemas.microsoft.com/office/drawing/2014/main" id="{F2CD2648-8B30-9654-7B44-5349BF976AE6}"/>
+                </a:ext>
+              </a:extLst>
+            </p:cNvPr>
+            <p:cNvSpPr/>
+            <p:nvPr/>
+          </p:nvSpPr>
+          <p:spPr>
+            <a:xfrm>
+              <a:off x="3261233" y="1870507"/>
+              <a:ext cx="848592" cy="848594"/>
+            </a:xfrm>
+            <a:prstGeom prst="ellipse">
+              <a:avLst/>
+            </a:prstGeom>
+            <a:solidFill>
+              <a:srgbClr val="92D050"/>
+            </a:solidFill>
+            <a:ln>
+              <a:noFill/>
+            </a:ln>
+          </p:spPr>
+          <p:style>
+            <a:lnRef idx="2">
+              <a:schemeClr val="accent1">
+                <a:shade val="50000"/>
+              </a:schemeClr>
+            </a:lnRef>
+            <a:fillRef idx="1">
+              <a:schemeClr val="accent1"/>
+            </a:fillRef>
+            <a:effectRef idx="0">
+              <a:schemeClr val="accent1"/>
+            </a:effectRef>
+            <a:fontRef idx="minor">
+              <a:schemeClr val="lt1"/>
+            </a:fontRef>
+          </p:style>
+          <p:txBody>
+            <a:bodyPr rtlCol="0" anchor="ctr"/>
+            <a:lstStyle/>
+            <a:p>
+              <a:pPr algn="ctr"/>
+              <a:endParaRPr lang="en-DE" dirty="0"/>
+            </a:p>
+          </p:txBody>
+        </p:sp>
+      </p:grpSp>
+      <p:sp>
+        <p:nvSpPr>
+          <p:cNvPr id="120" name="Rectangle: Rounded Corners 119">
+            <a:extLst>
+              <a:ext uri="{FF2B5EF4-FFF2-40B4-BE49-F238E27FC236}">
+                <a16:creationId xmlns:a16="http://schemas.microsoft.com/office/drawing/2014/main" id="{3D38F9FB-D8E2-799A-403F-922F5276541B}"/>
+              </a:ext>
+            </a:extLst>
+          </p:cNvPr>
+          <p:cNvSpPr/>
+          <p:nvPr/>
+        </p:nvSpPr>
+        <p:spPr>
+          <a:xfrm>
+            <a:off x="2268893" y="1070071"/>
+            <a:ext cx="4160551" cy="355568"/>
+          </a:xfrm>
+          <a:prstGeom prst="roundRect">
+            <a:avLst/>
+          </a:prstGeom>
+          <a:solidFill>
+            <a:srgbClr val="00823B"/>
+          </a:solidFill>
+          <a:ln>
+            <a:solidFill>
+              <a:schemeClr val="tx1"/>
+            </a:solidFill>
+          </a:ln>
+        </p:spPr>
+        <p:style>
+          <a:lnRef idx="2">
+            <a:schemeClr val="accent1">
+              <a:shade val="50000"/>
+            </a:schemeClr>
+          </a:lnRef>
+          <a:fillRef idx="1">
+            <a:schemeClr val="accent1"/>
+          </a:fillRef>
+          <a:effectRef idx="0">
+            <a:schemeClr val="accent1"/>
+          </a:effectRef>
+          <a:fontRef idx="minor">
+            <a:schemeClr val="lt1"/>
+          </a:fontRef>
+        </p:style>
+        <p:txBody>
+          <a:bodyPr rtlCol="0" anchor="ctr"/>
+          <a:lstStyle/>
+          <a:p>
+            <a:pPr algn="ctr"/>
+            <a:r>
+              <a:rPr lang="en-US" sz="1600" dirty="0">
+                <a:solidFill>
+                  <a:schemeClr val="bg1"/>
+                </a:solidFill>
+              </a:rPr>
+              <a:t>Session 1: Machine Learning, I choose you!</a:t>
+            </a:r>
+          </a:p>
+        </p:txBody>
+      </p:sp>
+      <p:sp>
+        <p:nvSpPr>
+          <p:cNvPr id="6" name="Rectangle: Rounded Corners 5">
+            <a:extLst>
+              <a:ext uri="{FF2B5EF4-FFF2-40B4-BE49-F238E27FC236}">
+                <a16:creationId xmlns:a16="http://schemas.microsoft.com/office/drawing/2014/main" id="{127C60C0-2513-7025-810A-902B7DC1D6B6}"/>
+              </a:ext>
+            </a:extLst>
+          </p:cNvPr>
+          <p:cNvSpPr/>
+          <p:nvPr/>
+        </p:nvSpPr>
+        <p:spPr>
+          <a:xfrm>
+            <a:off x="3117097" y="1844057"/>
+            <a:ext cx="2706933" cy="255488"/>
+          </a:xfrm>
+          <a:prstGeom prst="roundRect">
+            <a:avLst/>
+          </a:prstGeom>
+          <a:solidFill>
+            <a:srgbClr val="00B050"/>
+          </a:solidFill>
+          <a:ln>
+            <a:solidFill>
+              <a:schemeClr val="tx1"/>
+            </a:solidFill>
+          </a:ln>
+        </p:spPr>
+        <p:style>
+          <a:lnRef idx="2">
+            <a:schemeClr val="accent1">
+              <a:shade val="50000"/>
+            </a:schemeClr>
+          </a:lnRef>
+          <a:fillRef idx="1">
+            <a:schemeClr val="accent1"/>
+          </a:fillRef>
+          <a:effectRef idx="0">
+            <a:schemeClr val="accent1"/>
+          </a:effectRef>
+          <a:fontRef idx="minor">
+            <a:schemeClr val="lt1"/>
+          </a:fontRef>
+        </p:style>
+        <p:txBody>
+          <a:bodyPr rtlCol="0" anchor="ctr"/>
+          <a:lstStyle/>
+          <a:p>
+            <a:pPr algn="ctr"/>
+            <a:r>
+              <a:rPr lang="en-US" dirty="0">
+                <a:solidFill>
+                  <a:schemeClr val="bg1"/>
+                </a:solidFill>
+              </a:rPr>
+              <a:t>Part 1: Our Example Problem</a:t>
+            </a:r>
+          </a:p>
+        </p:txBody>
+      </p:sp>
+      <p:sp>
+        <p:nvSpPr>
+          <p:cNvPr id="9" name="Rectangle: Rounded Corners 8">
+            <a:extLst>
+              <a:ext uri="{FF2B5EF4-FFF2-40B4-BE49-F238E27FC236}">
+                <a16:creationId xmlns:a16="http://schemas.microsoft.com/office/drawing/2014/main" id="{0713D097-2A70-1286-BC37-D90AC1F74992}"/>
+              </a:ext>
+            </a:extLst>
+          </p:cNvPr>
+          <p:cNvSpPr/>
+          <p:nvPr/>
+        </p:nvSpPr>
+        <p:spPr>
+          <a:xfrm>
+            <a:off x="3117097" y="2416787"/>
+            <a:ext cx="2706932" cy="238127"/>
+          </a:xfrm>
+          <a:prstGeom prst="roundRect">
+            <a:avLst/>
+          </a:prstGeom>
+          <a:solidFill>
+            <a:srgbClr val="00B050"/>
+          </a:solidFill>
+          <a:ln>
+            <a:solidFill>
+              <a:schemeClr val="tx1"/>
+            </a:solidFill>
+          </a:ln>
+        </p:spPr>
+        <p:style>
+          <a:lnRef idx="2">
+            <a:schemeClr val="accent1">
+              <a:shade val="50000"/>
+            </a:schemeClr>
+          </a:lnRef>
+          <a:fillRef idx="1">
+            <a:schemeClr val="accent1"/>
+          </a:fillRef>
+          <a:effectRef idx="0">
+            <a:schemeClr val="accent1"/>
+          </a:effectRef>
+          <a:fontRef idx="minor">
+            <a:schemeClr val="lt1"/>
+          </a:fontRef>
+        </p:style>
+        <p:txBody>
+          <a:bodyPr rtlCol="0" anchor="ctr"/>
+          <a:lstStyle/>
+          <a:p>
+            <a:pPr algn="ctr"/>
+            <a:r>
+              <a:rPr lang="en-US" dirty="0">
+                <a:solidFill>
+                  <a:schemeClr val="bg1"/>
+                </a:solidFill>
+              </a:rPr>
+              <a:t>Part 2: </a:t>
+            </a:r>
+            <a:r>
+              <a:rPr lang="en-US">
+                <a:solidFill>
+                  <a:schemeClr val="bg1"/>
+                </a:solidFill>
+              </a:rPr>
+              <a:t>Data Exploration</a:t>
+            </a:r>
+            <a:endParaRPr lang="en-US" dirty="0">
+              <a:solidFill>
+                <a:schemeClr val="bg1"/>
+              </a:solidFill>
+            </a:endParaRPr>
+          </a:p>
+        </p:txBody>
+      </p:sp>
+      <p:sp>
+        <p:nvSpPr>
+          <p:cNvPr id="10" name="Rectangle: Rounded Corners 9">
+            <a:extLst>
+              <a:ext uri="{FF2B5EF4-FFF2-40B4-BE49-F238E27FC236}">
+                <a16:creationId xmlns:a16="http://schemas.microsoft.com/office/drawing/2014/main" id="{4E7E91FE-1C13-FDB1-3B1B-92EC4E9CC850}"/>
+              </a:ext>
+            </a:extLst>
+          </p:cNvPr>
+          <p:cNvSpPr/>
+          <p:nvPr/>
+        </p:nvSpPr>
+        <p:spPr>
+          <a:xfrm>
+            <a:off x="3110260" y="2992139"/>
+            <a:ext cx="2706932" cy="238127"/>
+          </a:xfrm>
+          <a:prstGeom prst="roundRect">
+            <a:avLst/>
+          </a:prstGeom>
+          <a:solidFill>
+            <a:srgbClr val="00B050"/>
+          </a:solidFill>
+          <a:ln>
+            <a:solidFill>
+              <a:schemeClr val="tx1"/>
+            </a:solidFill>
+          </a:ln>
+        </p:spPr>
+        <p:style>
+          <a:lnRef idx="2">
+            <a:schemeClr val="accent1">
+              <a:shade val="50000"/>
+            </a:schemeClr>
+          </a:lnRef>
+          <a:fillRef idx="1">
+            <a:schemeClr val="accent1"/>
+          </a:fillRef>
+          <a:effectRef idx="0">
+            <a:schemeClr val="accent1"/>
+          </a:effectRef>
+          <a:fontRef idx="minor">
+            <a:schemeClr val="lt1"/>
+          </a:fontRef>
+        </p:style>
+        <p:txBody>
+          <a:bodyPr rtlCol="0" anchor="ctr"/>
+          <a:lstStyle/>
+          <a:p>
+            <a:pPr algn="ctr"/>
+            <a:r>
+              <a:rPr lang="en-US" dirty="0">
+                <a:solidFill>
+                  <a:schemeClr val="bg1"/>
+                </a:solidFill>
+              </a:rPr>
+              <a:t>Part 3: </a:t>
+            </a:r>
+            <a:r>
+              <a:rPr lang="en-US">
+                <a:solidFill>
+                  <a:schemeClr val="bg1"/>
+                </a:solidFill>
+              </a:rPr>
+              <a:t>Data Preparation</a:t>
+            </a:r>
+            <a:endParaRPr lang="en-US" dirty="0">
+              <a:solidFill>
+                <a:schemeClr val="bg1"/>
+              </a:solidFill>
+            </a:endParaRPr>
+          </a:p>
+        </p:txBody>
+      </p:sp>
+      <p:sp>
+        <p:nvSpPr>
+          <p:cNvPr id="11" name="Rectangle: Rounded Corners 10">
+            <a:extLst>
+              <a:ext uri="{FF2B5EF4-FFF2-40B4-BE49-F238E27FC236}">
+                <a16:creationId xmlns:a16="http://schemas.microsoft.com/office/drawing/2014/main" id="{38604618-67B7-ECC8-B0AC-3B5765B1E4AD}"/>
+              </a:ext>
+            </a:extLst>
+          </p:cNvPr>
+          <p:cNvSpPr/>
+          <p:nvPr/>
+        </p:nvSpPr>
+        <p:spPr>
+          <a:xfrm>
+            <a:off x="3027478" y="3548441"/>
+            <a:ext cx="2918746" cy="283158"/>
+          </a:xfrm>
+          <a:prstGeom prst="roundRect">
+            <a:avLst/>
+          </a:prstGeom>
+          <a:solidFill>
+            <a:srgbClr val="00B050"/>
+          </a:solidFill>
+          <a:ln>
+            <a:solidFill>
+              <a:schemeClr val="tx1"/>
+            </a:solidFill>
+          </a:ln>
+        </p:spPr>
+        <p:style>
+          <a:lnRef idx="2">
+            <a:schemeClr val="accent1">
+              <a:shade val="50000"/>
+            </a:schemeClr>
+          </a:lnRef>
+          <a:fillRef idx="1">
+            <a:schemeClr val="accent1"/>
+          </a:fillRef>
+          <a:effectRef idx="0">
+            <a:schemeClr val="accent1"/>
+          </a:effectRef>
+          <a:fontRef idx="minor">
+            <a:schemeClr val="lt1"/>
+          </a:fontRef>
+        </p:style>
+        <p:txBody>
+          <a:bodyPr rtlCol="0" anchor="ctr"/>
+          <a:lstStyle/>
+          <a:p>
+            <a:pPr algn="ctr"/>
+            <a:r>
+              <a:rPr lang="en-US" dirty="0">
+                <a:solidFill>
+                  <a:schemeClr val="bg1"/>
+                </a:solidFill>
+              </a:rPr>
+              <a:t>Part 4: Machine Learning Problem</a:t>
+            </a:r>
+          </a:p>
+        </p:txBody>
+      </p:sp>
+    </p:spTree>
+    <p:extLst>
+      <p:ext uri="{BB962C8B-B14F-4D97-AF65-F5344CB8AC3E}">
+        <p14:creationId xmlns:p14="http://schemas.microsoft.com/office/powerpoint/2010/main" val="2884143794"/>
+      </p:ext>
+    </p:extLst>
+  </p:cSld>
+  <p:clrMapOvr>
+    <a:masterClrMapping/>
+  </p:clrMapOvr>
+  <p:timing>
+    <p:tnLst>
+      <p:par>
+        <p:cTn id="1" dur="indefinite" restart="never" nodeType="tmRoot">
+          <p:childTnLst>
+            <p:seq concurrent="1" nextAc="seek">
+              <p:cTn id="2" dur="indefinite" nodeType="mainSeq">
+                <p:childTnLst>
+                  <p:par>
+                    <p:cTn id="3" fill="hold">
+                      <p:stCondLst>
+                        <p:cond delay="indefinite"/>
+                      </p:stCondLst>
+                      <p:childTnLst>
+                        <p:par>
+                          <p:cTn id="4" fill="hold">
+                            <p:stCondLst>
+                              <p:cond delay="0"/>
+                            </p:stCondLst>
+                            <p:childTnLst>
+                              <p:par>
+                                <p:cTn id="5" presetID="22" presetClass="entr" presetSubtype="1" fill="hold" nodeType="clickEffect">
+                                  <p:stCondLst>
+                                    <p:cond delay="0"/>
+                                  </p:stCondLst>
+                                  <p:childTnLst>
+                                    <p:set>
+                                      <p:cBhvr>
+                                        <p:cTn id="6" dur="1" fill="hold">
+                                          <p:stCondLst>
+                                            <p:cond delay="0"/>
+                                          </p:stCondLst>
+                                        </p:cTn>
+                                        <p:tgtEl>
+                                          <p:spTgt spid="101"/>
+                                        </p:tgtEl>
+                                        <p:attrNameLst>
+                                          <p:attrName>style.visibility</p:attrName>
+                                        </p:attrNameLst>
+                                      </p:cBhvr>
+                                      <p:to>
+                                        <p:strVal val="visible"/>
+                                      </p:to>
+                                    </p:set>
+                                    <p:animEffect transition="in" filter="wipe(up)">
+                                      <p:cBhvr>
+                                        <p:cTn id="7" dur="500"/>
+                                        <p:tgtEl>
+                                          <p:spTgt spid="101"/>
+                                        </p:tgtEl>
+                                      </p:cBhvr>
+                                    </p:animEffect>
+                                  </p:childTnLst>
+                                </p:cTn>
+                              </p:par>
+                              <p:par>
+                                <p:cTn id="8" presetID="22" presetClass="exit" presetSubtype="1" fill="hold" nodeType="withEffect">
+                                  <p:stCondLst>
+                                    <p:cond delay="0"/>
+                                  </p:stCondLst>
+                                  <p:childTnLst>
+                                    <p:animEffect transition="out" filter="wipe(up)">
+                                      <p:cBhvr>
+                                        <p:cTn id="9" dur="500"/>
+                                        <p:tgtEl>
+                                          <p:spTgt spid="12"/>
+                                        </p:tgtEl>
+                                      </p:cBhvr>
+                                    </p:animEffect>
+                                    <p:set>
+                                      <p:cBhvr>
+                                        <p:cTn id="10" dur="1" fill="hold">
+                                          <p:stCondLst>
+                                            <p:cond delay="499"/>
+                                          </p:stCondLst>
+                                        </p:cTn>
+                                        <p:tgtEl>
+                                          <p:spTgt spid="12"/>
+                                        </p:tgtEl>
+                                        <p:attrNameLst>
+                                          <p:attrName>style.visibility</p:attrName>
+                                        </p:attrNameLst>
+                                      </p:cBhvr>
+                                      <p:to>
+                                        <p:strVal val="hidden"/>
+                                      </p:to>
+                                    </p:set>
+                                  </p:childTnLst>
+                                </p:cTn>
+                              </p:par>
+                            </p:childTnLst>
+                          </p:cTn>
+                        </p:par>
+                        <p:par>
+                          <p:cTn id="11" fill="hold">
+                            <p:stCondLst>
+                              <p:cond delay="500"/>
+                            </p:stCondLst>
+                            <p:childTnLst>
+                              <p:par>
+                                <p:cTn id="12" presetID="1" presetClass="entr" presetSubtype="0" fill="hold" grpId="0" nodeType="afterEffect">
+                                  <p:stCondLst>
+                                    <p:cond delay="0"/>
+                                  </p:stCondLst>
+                                  <p:childTnLst>
+                                    <p:set>
+                                      <p:cBhvr>
+                                        <p:cTn id="13" dur="1" fill="hold">
+                                          <p:stCondLst>
+                                            <p:cond delay="0"/>
+                                          </p:stCondLst>
+                                        </p:cTn>
+                                        <p:tgtEl>
+                                          <p:spTgt spid="6"/>
+                                        </p:tgtEl>
+                                        <p:attrNameLst>
+                                          <p:attrName>style.visibility</p:attrName>
+                                        </p:attrNameLst>
+                                      </p:cBhvr>
+                                      <p:to>
+                                        <p:strVal val="visible"/>
+                                      </p:to>
+                                    </p:set>
+                                  </p:childTnLst>
+                                </p:cTn>
+                              </p:par>
+                            </p:childTnLst>
+                          </p:cTn>
+                        </p:par>
+                        <p:par>
+                          <p:cTn id="14" fill="hold">
+                            <p:stCondLst>
+                              <p:cond delay="500"/>
+                            </p:stCondLst>
+                            <p:childTnLst>
+                              <p:par>
+                                <p:cTn id="15" presetID="1" presetClass="entr" presetSubtype="0" fill="hold" grpId="0" nodeType="afterEffect">
+                                  <p:stCondLst>
+                                    <p:cond delay="0"/>
+                                  </p:stCondLst>
+                                  <p:childTnLst>
+                                    <p:set>
+                                      <p:cBhvr>
+                                        <p:cTn id="16" dur="1" fill="hold">
+                                          <p:stCondLst>
+                                            <p:cond delay="0"/>
+                                          </p:stCondLst>
+                                        </p:cTn>
+                                        <p:tgtEl>
+                                          <p:spTgt spid="9"/>
+                                        </p:tgtEl>
+                                        <p:attrNameLst>
+                                          <p:attrName>style.visibility</p:attrName>
+                                        </p:attrNameLst>
+                                      </p:cBhvr>
+                                      <p:to>
+                                        <p:strVal val="visible"/>
+                                      </p:to>
+                                    </p:set>
+                                  </p:childTnLst>
+                                </p:cTn>
+                              </p:par>
+                            </p:childTnLst>
+                          </p:cTn>
+                        </p:par>
+                        <p:par>
+                          <p:cTn id="17" fill="hold">
+                            <p:stCondLst>
+                              <p:cond delay="500"/>
+                            </p:stCondLst>
+                            <p:childTnLst>
+                              <p:par>
+                                <p:cTn id="18" presetID="1" presetClass="entr" presetSubtype="0" fill="hold" grpId="0" nodeType="afterEffect">
+                                  <p:stCondLst>
+                                    <p:cond delay="0"/>
+                                  </p:stCondLst>
+                                  <p:childTnLst>
+                                    <p:set>
+                                      <p:cBhvr>
+                                        <p:cTn id="19" dur="1" fill="hold">
+                                          <p:stCondLst>
+                                            <p:cond delay="0"/>
+                                          </p:stCondLst>
+                                        </p:cTn>
+                                        <p:tgtEl>
+                                          <p:spTgt spid="10"/>
+                                        </p:tgtEl>
+                                        <p:attrNameLst>
+                                          <p:attrName>style.visibility</p:attrName>
+                                        </p:attrNameLst>
+                                      </p:cBhvr>
+                                      <p:to>
+                                        <p:strVal val="visible"/>
+                                      </p:to>
+                                    </p:set>
+                                  </p:childTnLst>
+                                </p:cTn>
+                              </p:par>
+                            </p:childTnLst>
+                          </p:cTn>
+                        </p:par>
+                        <p:par>
+                          <p:cTn id="20" fill="hold">
+                            <p:stCondLst>
+                              <p:cond delay="500"/>
+                            </p:stCondLst>
+                            <p:childTnLst>
+                              <p:par>
+                                <p:cTn id="21" presetID="1" presetClass="entr" presetSubtype="0" fill="hold" grpId="0" nodeType="afterEffect">
+                                  <p:stCondLst>
+                                    <p:cond delay="0"/>
+                                  </p:stCondLst>
+                                  <p:childTnLst>
+                                    <p:set>
+                                      <p:cBhvr>
+                                        <p:cTn id="22" dur="1" fill="hold">
+                                          <p:stCondLst>
+                                            <p:cond delay="0"/>
+                                          </p:stCondLst>
+                                        </p:cTn>
+                                        <p:tgtEl>
+                                          <p:spTgt spid="11"/>
+                                        </p:tgtEl>
+                                        <p:attrNameLst>
+                                          <p:attrName>style.visibility</p:attrName>
+                                        </p:attrNameLst>
+                                      </p:cBhvr>
+                                      <p:to>
+                                        <p:strVal val="visible"/>
+                                      </p:to>
+                                    </p:set>
+                                  </p:childTnLst>
+                                </p:cTn>
+                              </p:par>
+                            </p:childTnLst>
+                          </p:cTn>
+                        </p:par>
+                      </p:childTnLst>
+                    </p:cTn>
+                  </p:par>
+                </p:childTnLst>
+              </p:cTn>
+              <p:prevCondLst>
+                <p:cond evt="onPrev" delay="0">
+                  <p:tgtEl>
+                    <p:sldTgt/>
+                  </p:tgtEl>
+                </p:cond>
+              </p:prevCondLst>
+              <p:nextCondLst>
+                <p:cond evt="onNext" delay="0">
+                  <p:tgtEl>
+                    <p:sldTgt/>
+                  </p:tgtEl>
+                </p:cond>
+              </p:nextCondLst>
+            </p:seq>
+          </p:childTnLst>
+        </p:cTn>
+      </p:par>
+    </p:tnLst>
+    <p:bldLst>
+      <p:bldP spid="6" grpId="0" animBg="1"/>
+      <p:bldP spid="9" grpId="0" animBg="1"/>
+      <p:bldP spid="10" grpId="0" animBg="1"/>
+      <p:bldP spid="11" grpId="0" animBg="1"/>
+    </p:bldLst>
+  </p:timing>
+</p:sld>
+</file>
+
+<file path=ppt/slides/slide7.xml><?xml version="1.0" encoding="utf-8"?>
+<p:sld xmlns:a="http://schemas.openxmlformats.org/drawingml/2006/main" xmlns:r="http://schemas.openxmlformats.org/officeDocument/2006/relationships" xmlns:p="http://schemas.openxmlformats.org/presentationml/2006/main">
+  <p:cSld>
+    <p:spTree>
+      <p:nvGrpSpPr>
+        <p:cNvPr id="1" name="Shape 95"/>
+        <p:cNvGrpSpPr/>
+        <p:nvPr/>
+      </p:nvGrpSpPr>
+      <p:grpSpPr>
+        <a:xfrm>
+          <a:off x="0" y="0"/>
+          <a:ext cx="0" cy="0"/>
+          <a:chOff x="0" y="0"/>
+          <a:chExt cx="0" cy="0"/>
+        </a:xfrm>
+      </p:grpSpPr>
+      <p:sp>
+        <p:nvSpPr>
+          <p:cNvPr id="26" name="Rectangle 25">
+            <a:extLst>
+              <a:ext uri="{FF2B5EF4-FFF2-40B4-BE49-F238E27FC236}">
+                <a16:creationId xmlns:a16="http://schemas.microsoft.com/office/drawing/2014/main" id="{65FB96E9-3651-8F80-E16A-30ADDFC80006}"/>
+              </a:ext>
+            </a:extLst>
+          </p:cNvPr>
+          <p:cNvSpPr/>
+          <p:nvPr/>
+        </p:nvSpPr>
+        <p:spPr>
+          <a:xfrm>
+            <a:off x="-2265" y="-548"/>
+            <a:ext cx="9146265" cy="5225923"/>
+          </a:xfrm>
+          <a:prstGeom prst="rect">
+            <a:avLst/>
+          </a:prstGeom>
+          <a:solidFill>
+            <a:srgbClr val="92D050"/>
+          </a:solidFill>
+          <a:ln>
+            <a:noFill/>
+          </a:ln>
+        </p:spPr>
+        <p:style>
+          <a:lnRef idx="2">
+            <a:schemeClr val="accent1">
+              <a:shade val="50000"/>
+            </a:schemeClr>
+          </a:lnRef>
+          <a:fillRef idx="1">
+            <a:schemeClr val="accent1"/>
+          </a:fillRef>
+          <a:effectRef idx="0">
+            <a:schemeClr val="accent1"/>
+          </a:effectRef>
+          <a:fontRef idx="minor">
+            <a:schemeClr val="lt1"/>
+          </a:fontRef>
+        </p:style>
+        <p:txBody>
+          <a:bodyPr rtlCol="0" anchor="ctr"/>
+          <a:lstStyle/>
+          <a:p>
+            <a:pPr algn="ctr"/>
+            <a:endParaRPr lang="en-DE" dirty="0">
+              <a:solidFill>
+                <a:schemeClr val="accent1">
+                  <a:lumMod val="20000"/>
+                  <a:lumOff val="80000"/>
+                </a:schemeClr>
+              </a:solidFill>
+            </a:endParaRPr>
+          </a:p>
+        </p:txBody>
+      </p:sp>
+      <p:grpSp>
+        <p:nvGrpSpPr>
+          <p:cNvPr id="11" name="Group 10">
+            <a:extLst>
+              <a:ext uri="{FF2B5EF4-FFF2-40B4-BE49-F238E27FC236}">
+                <a16:creationId xmlns:a16="http://schemas.microsoft.com/office/drawing/2014/main" id="{686581EA-2739-B9FF-137A-EDAC81ACFC5F}"/>
+              </a:ext>
+            </a:extLst>
+          </p:cNvPr>
+          <p:cNvGrpSpPr/>
+          <p:nvPr/>
+        </p:nvGrpSpPr>
+        <p:grpSpPr>
+          <a:xfrm>
+            <a:off x="-3505113" y="-548"/>
+            <a:ext cx="16151317" cy="5211207"/>
+            <a:chOff x="3261233" y="1869067"/>
+            <a:chExt cx="2634547" cy="850034"/>
+          </a:xfrm>
+        </p:grpSpPr>
+        <p:sp>
+          <p:nvSpPr>
+            <p:cNvPr id="12" name="Rectangle 11">
+              <a:extLst>
+                <a:ext uri="{FF2B5EF4-FFF2-40B4-BE49-F238E27FC236}">
+                  <a16:creationId xmlns:a16="http://schemas.microsoft.com/office/drawing/2014/main" id="{7317243F-79E9-B267-878C-BA7985BDD42E}"/>
+                </a:ext>
+              </a:extLst>
+            </p:cNvPr>
+            <p:cNvSpPr/>
+            <p:nvPr/>
+          </p:nvSpPr>
+          <p:spPr>
+            <a:xfrm>
+              <a:off x="3667908" y="1869445"/>
+              <a:ext cx="901789" cy="848595"/>
+            </a:xfrm>
+            <a:prstGeom prst="rect">
+              <a:avLst/>
+            </a:prstGeom>
+            <a:solidFill>
+              <a:srgbClr val="92D050"/>
+            </a:solidFill>
+            <a:ln>
+              <a:noFill/>
+            </a:ln>
+          </p:spPr>
+          <p:style>
+            <a:lnRef idx="2">
+              <a:schemeClr val="accent1">
+                <a:shade val="50000"/>
+              </a:schemeClr>
+            </a:lnRef>
+            <a:fillRef idx="1">
+              <a:schemeClr val="accent1"/>
+            </a:fillRef>
+            <a:effectRef idx="0">
+              <a:schemeClr val="accent1"/>
+            </a:effectRef>
+            <a:fontRef idx="minor">
+              <a:schemeClr val="lt1"/>
+            </a:fontRef>
+          </p:style>
+          <p:txBody>
+            <a:bodyPr rtlCol="0" anchor="ctr"/>
+            <a:lstStyle/>
+            <a:p>
+              <a:pPr algn="ctr"/>
+              <a:endParaRPr lang="en-DE" dirty="0">
+                <a:solidFill>
+                  <a:schemeClr val="accent1">
+                    <a:lumMod val="20000"/>
+                    <a:lumOff val="80000"/>
+                  </a:schemeClr>
+                </a:solidFill>
+              </a:endParaRPr>
+            </a:p>
+          </p:txBody>
+        </p:sp>
+        <p:sp>
+          <p:nvSpPr>
+            <p:cNvPr id="13" name="Rectangle 12">
+              <a:extLst>
+                <a:ext uri="{FF2B5EF4-FFF2-40B4-BE49-F238E27FC236}">
+                  <a16:creationId xmlns:a16="http://schemas.microsoft.com/office/drawing/2014/main" id="{AAC5F1C0-2227-6BBB-06B0-FD77DBE60341}"/>
+                </a:ext>
+              </a:extLst>
+            </p:cNvPr>
+            <p:cNvSpPr/>
+            <p:nvPr/>
+          </p:nvSpPr>
+          <p:spPr>
+            <a:xfrm>
+              <a:off x="4569695" y="1869444"/>
+              <a:ext cx="916755" cy="848595"/>
+            </a:xfrm>
+            <a:prstGeom prst="rect">
+              <a:avLst/>
+            </a:prstGeom>
+            <a:solidFill>
+              <a:schemeClr val="accent1">
+                <a:lumMod val="40000"/>
+                <a:lumOff val="60000"/>
+              </a:schemeClr>
+            </a:solidFill>
+            <a:ln>
+              <a:noFill/>
+            </a:ln>
+          </p:spPr>
+          <p:style>
+            <a:lnRef idx="2">
+              <a:schemeClr val="accent1">
+                <a:shade val="50000"/>
+              </a:schemeClr>
+            </a:lnRef>
+            <a:fillRef idx="1">
+              <a:schemeClr val="accent1"/>
+            </a:fillRef>
+            <a:effectRef idx="0">
+              <a:schemeClr val="accent1"/>
+            </a:effectRef>
+            <a:fontRef idx="minor">
+              <a:schemeClr val="lt1"/>
+            </a:fontRef>
+          </p:style>
+          <p:txBody>
+            <a:bodyPr rtlCol="0" anchor="ctr"/>
+            <a:lstStyle/>
+            <a:p>
+              <a:pPr algn="ctr"/>
+              <a:endParaRPr lang="en-DE" dirty="0"/>
+            </a:p>
+          </p:txBody>
+        </p:sp>
+        <p:sp>
+          <p:nvSpPr>
+            <p:cNvPr id="22" name="Oval 21">
+              <a:extLst>
+                <a:ext uri="{FF2B5EF4-FFF2-40B4-BE49-F238E27FC236}">
+                  <a16:creationId xmlns:a16="http://schemas.microsoft.com/office/drawing/2014/main" id="{6ABF0469-38EF-FB24-3994-C85DCAD8D658}"/>
+                </a:ext>
+              </a:extLst>
+            </p:cNvPr>
+            <p:cNvSpPr/>
+            <p:nvPr/>
+          </p:nvSpPr>
+          <p:spPr>
+            <a:xfrm>
+              <a:off x="4356844" y="1869445"/>
+              <a:ext cx="425706" cy="425707"/>
+            </a:xfrm>
+            <a:prstGeom prst="ellipse">
+              <a:avLst/>
+            </a:prstGeom>
+            <a:solidFill>
+              <a:schemeClr val="accent1">
+                <a:lumMod val="40000"/>
+                <a:lumOff val="60000"/>
+              </a:schemeClr>
+            </a:solidFill>
+            <a:ln>
+              <a:noFill/>
+            </a:ln>
+          </p:spPr>
+          <p:style>
+            <a:lnRef idx="2">
+              <a:schemeClr val="accent1">
+                <a:shade val="50000"/>
+              </a:schemeClr>
+            </a:lnRef>
+            <a:fillRef idx="1">
+              <a:schemeClr val="accent1"/>
+            </a:fillRef>
+            <a:effectRef idx="0">
+              <a:schemeClr val="accent1"/>
+            </a:effectRef>
+            <a:fontRef idx="minor">
+              <a:schemeClr val="lt1"/>
+            </a:fontRef>
+          </p:style>
+          <p:txBody>
+            <a:bodyPr rtlCol="0" anchor="ctr"/>
+            <a:lstStyle/>
+            <a:p>
+              <a:pPr algn="ctr"/>
+              <a:endParaRPr lang="en-DE" dirty="0"/>
+            </a:p>
+          </p:txBody>
+        </p:sp>
+        <p:sp>
+          <p:nvSpPr>
+            <p:cNvPr id="23" name="Oval 22">
+              <a:extLst>
+                <a:ext uri="{FF2B5EF4-FFF2-40B4-BE49-F238E27FC236}">
+                  <a16:creationId xmlns:a16="http://schemas.microsoft.com/office/drawing/2014/main" id="{8A35F50B-6921-72D9-FE57-517BAF57C838}"/>
+                </a:ext>
+              </a:extLst>
+            </p:cNvPr>
+            <p:cNvSpPr/>
+            <p:nvPr/>
+          </p:nvSpPr>
+          <p:spPr>
+            <a:xfrm>
+              <a:off x="4356844" y="2297204"/>
+              <a:ext cx="425706" cy="412718"/>
+            </a:xfrm>
+            <a:prstGeom prst="ellipse">
+              <a:avLst/>
+            </a:prstGeom>
+            <a:solidFill>
+              <a:srgbClr val="92D050"/>
+            </a:solidFill>
+            <a:ln>
+              <a:noFill/>
+            </a:ln>
+          </p:spPr>
+          <p:style>
+            <a:lnRef idx="2">
+              <a:schemeClr val="accent1">
+                <a:shade val="50000"/>
+              </a:schemeClr>
+            </a:lnRef>
+            <a:fillRef idx="1">
+              <a:schemeClr val="accent1"/>
+            </a:fillRef>
+            <a:effectRef idx="0">
+              <a:schemeClr val="accent1"/>
+            </a:effectRef>
+            <a:fontRef idx="minor">
+              <a:schemeClr val="lt1"/>
+            </a:fontRef>
+          </p:style>
+          <p:txBody>
+            <a:bodyPr rtlCol="0" anchor="ctr"/>
+            <a:lstStyle/>
+            <a:p>
+              <a:pPr algn="ctr"/>
+              <a:endParaRPr lang="en-DE" dirty="0"/>
+            </a:p>
+          </p:txBody>
+        </p:sp>
+        <p:sp>
+          <p:nvSpPr>
+            <p:cNvPr id="24" name="Oval 23">
+              <a:extLst>
+                <a:ext uri="{FF2B5EF4-FFF2-40B4-BE49-F238E27FC236}">
+                  <a16:creationId xmlns:a16="http://schemas.microsoft.com/office/drawing/2014/main" id="{ABB7473C-56AC-1BFE-5EC2-E546FDC99209}"/>
+                </a:ext>
+              </a:extLst>
+            </p:cNvPr>
+            <p:cNvSpPr/>
+            <p:nvPr/>
+          </p:nvSpPr>
+          <p:spPr>
+            <a:xfrm>
+              <a:off x="5047188" y="1869067"/>
+              <a:ext cx="848592" cy="848594"/>
+            </a:xfrm>
+            <a:prstGeom prst="ellipse">
+              <a:avLst/>
+            </a:prstGeom>
+            <a:solidFill>
+              <a:schemeClr val="accent1">
+                <a:lumMod val="40000"/>
+                <a:lumOff val="60000"/>
+              </a:schemeClr>
+            </a:solidFill>
+            <a:ln>
+              <a:noFill/>
+            </a:ln>
+          </p:spPr>
+          <p:style>
+            <a:lnRef idx="2">
+              <a:schemeClr val="accent1">
+                <a:shade val="50000"/>
+              </a:schemeClr>
+            </a:lnRef>
+            <a:fillRef idx="1">
+              <a:schemeClr val="accent1"/>
+            </a:fillRef>
+            <a:effectRef idx="0">
+              <a:schemeClr val="accent1"/>
+            </a:effectRef>
+            <a:fontRef idx="minor">
+              <a:schemeClr val="lt1"/>
+            </a:fontRef>
+          </p:style>
+          <p:txBody>
+            <a:bodyPr rtlCol="0" anchor="ctr"/>
+            <a:lstStyle/>
+            <a:p>
+              <a:pPr algn="ctr"/>
+              <a:endParaRPr lang="en-DE" dirty="0"/>
+            </a:p>
+          </p:txBody>
+        </p:sp>
+        <p:sp>
+          <p:nvSpPr>
+            <p:cNvPr id="25" name="Oval 24">
+              <a:extLst>
+                <a:ext uri="{FF2B5EF4-FFF2-40B4-BE49-F238E27FC236}">
+                  <a16:creationId xmlns:a16="http://schemas.microsoft.com/office/drawing/2014/main" id="{62ACD278-7518-E308-DB03-714709408CBC}"/>
+                </a:ext>
+              </a:extLst>
+            </p:cNvPr>
+            <p:cNvSpPr/>
+            <p:nvPr/>
+          </p:nvSpPr>
+          <p:spPr>
+            <a:xfrm>
+              <a:off x="3261233" y="1870507"/>
+              <a:ext cx="848592" cy="848594"/>
+            </a:xfrm>
+            <a:prstGeom prst="ellipse">
+              <a:avLst/>
+            </a:prstGeom>
+            <a:solidFill>
+              <a:srgbClr val="92D050"/>
+            </a:solidFill>
+            <a:ln>
+              <a:noFill/>
+            </a:ln>
+          </p:spPr>
+          <p:style>
+            <a:lnRef idx="2">
+              <a:schemeClr val="accent1">
+                <a:shade val="50000"/>
+              </a:schemeClr>
+            </a:lnRef>
+            <a:fillRef idx="1">
+              <a:schemeClr val="accent1"/>
+            </a:fillRef>
+            <a:effectRef idx="0">
+              <a:schemeClr val="accent1"/>
+            </a:effectRef>
+            <a:fontRef idx="minor">
+              <a:schemeClr val="lt1"/>
+            </a:fontRef>
+          </p:style>
+          <p:txBody>
+            <a:bodyPr rtlCol="0" anchor="ctr"/>
+            <a:lstStyle/>
+            <a:p>
+              <a:pPr algn="ctr"/>
+              <a:endParaRPr lang="en-DE" dirty="0"/>
+            </a:p>
+          </p:txBody>
+        </p:sp>
+      </p:grpSp>
       <p:sp>
         <p:nvSpPr>
           <p:cNvPr id="16" name="Rectangle 15">
@@ -26971,248 +29598,6 @@
           </a:p>
         </p:txBody>
       </p:sp>
-      <p:grpSp>
-        <p:nvGrpSpPr>
-          <p:cNvPr id="21" name="Group 20">
-            <a:extLst>
-              <a:ext uri="{FF2B5EF4-FFF2-40B4-BE49-F238E27FC236}">
-                <a16:creationId xmlns:a16="http://schemas.microsoft.com/office/drawing/2014/main" id="{D164D461-D2FE-E46D-9DD6-75779C861D27}"/>
-              </a:ext>
-            </a:extLst>
-          </p:cNvPr>
-          <p:cNvGrpSpPr/>
-          <p:nvPr/>
-        </p:nvGrpSpPr>
-        <p:grpSpPr>
-          <a:xfrm>
-            <a:off x="-4800600" y="0"/>
-            <a:ext cx="16404674" cy="5144048"/>
-            <a:chOff x="-4800600" y="0"/>
-            <a:chExt cx="16404674" cy="5144048"/>
-          </a:xfrm>
-        </p:grpSpPr>
-        <p:sp>
-          <p:nvSpPr>
-            <p:cNvPr id="7" name="Rectangle 6">
-              <a:extLst>
-                <a:ext uri="{FF2B5EF4-FFF2-40B4-BE49-F238E27FC236}">
-                  <a16:creationId xmlns:a16="http://schemas.microsoft.com/office/drawing/2014/main" id="{6B8B48F1-C263-1FF0-30A4-D011331D725D}"/>
-                </a:ext>
-              </a:extLst>
-            </p:cNvPr>
-            <p:cNvSpPr/>
-            <p:nvPr/>
-          </p:nvSpPr>
-          <p:spPr>
-            <a:xfrm>
-              <a:off x="-4800600" y="2284"/>
-              <a:ext cx="9374059" cy="5141216"/>
-            </a:xfrm>
-            <a:prstGeom prst="rect">
-              <a:avLst/>
-            </a:prstGeom>
-            <a:solidFill>
-              <a:srgbClr val="92D050"/>
-            </a:solidFill>
-            <a:ln>
-              <a:noFill/>
-            </a:ln>
-          </p:spPr>
-          <p:style>
-            <a:lnRef idx="2">
-              <a:schemeClr val="accent1">
-                <a:shade val="50000"/>
-              </a:schemeClr>
-            </a:lnRef>
-            <a:fillRef idx="1">
-              <a:schemeClr val="accent1"/>
-            </a:fillRef>
-            <a:effectRef idx="0">
-              <a:schemeClr val="accent1"/>
-            </a:effectRef>
-            <a:fontRef idx="minor">
-              <a:schemeClr val="lt1"/>
-            </a:fontRef>
-          </p:style>
-          <p:txBody>
-            <a:bodyPr rtlCol="0" anchor="ctr"/>
-            <a:lstStyle/>
-            <a:p>
-              <a:pPr algn="ctr"/>
-              <a:endParaRPr lang="en-DE" dirty="0">
-                <a:solidFill>
-                  <a:schemeClr val="accent1">
-                    <a:lumMod val="20000"/>
-                    <a:lumOff val="80000"/>
-                  </a:schemeClr>
-                </a:solidFill>
-              </a:endParaRPr>
-            </a:p>
-          </p:txBody>
-        </p:sp>
-        <p:sp>
-          <p:nvSpPr>
-            <p:cNvPr id="8" name="Rectangle 7">
-              <a:extLst>
-                <a:ext uri="{FF2B5EF4-FFF2-40B4-BE49-F238E27FC236}">
-                  <a16:creationId xmlns:a16="http://schemas.microsoft.com/office/drawing/2014/main" id="{160CDC7C-1DF1-1086-5B61-B051388EC862}"/>
-                </a:ext>
-              </a:extLst>
-            </p:cNvPr>
-            <p:cNvSpPr/>
-            <p:nvPr/>
-          </p:nvSpPr>
-          <p:spPr>
-            <a:xfrm>
-              <a:off x="4573455" y="2278"/>
-              <a:ext cx="7030619" cy="5141216"/>
-            </a:xfrm>
-            <a:prstGeom prst="rect">
-              <a:avLst/>
-            </a:prstGeom>
-            <a:solidFill>
-              <a:schemeClr val="accent1">
-                <a:lumMod val="40000"/>
-                <a:lumOff val="60000"/>
-              </a:schemeClr>
-            </a:solidFill>
-            <a:ln>
-              <a:noFill/>
-            </a:ln>
-          </p:spPr>
-          <p:style>
-            <a:lnRef idx="2">
-              <a:schemeClr val="accent1">
-                <a:shade val="50000"/>
-              </a:schemeClr>
-            </a:lnRef>
-            <a:fillRef idx="1">
-              <a:schemeClr val="accent1"/>
-            </a:fillRef>
-            <a:effectRef idx="0">
-              <a:schemeClr val="accent1"/>
-            </a:effectRef>
-            <a:fontRef idx="minor">
-              <a:schemeClr val="lt1"/>
-            </a:fontRef>
-          </p:style>
-          <p:txBody>
-            <a:bodyPr rtlCol="0" anchor="ctr"/>
-            <a:lstStyle/>
-            <a:p>
-              <a:pPr algn="ctr"/>
-              <a:endParaRPr lang="en-DE" dirty="0"/>
-            </a:p>
-          </p:txBody>
-        </p:sp>
-        <p:sp>
-          <p:nvSpPr>
-            <p:cNvPr id="14" name="Oval 13">
-              <a:extLst>
-                <a:ext uri="{FF2B5EF4-FFF2-40B4-BE49-F238E27FC236}">
-                  <a16:creationId xmlns:a16="http://schemas.microsoft.com/office/drawing/2014/main" id="{C0174442-965A-F027-3455-17020BAA5563}"/>
-                </a:ext>
-              </a:extLst>
-            </p:cNvPr>
-            <p:cNvSpPr/>
-            <p:nvPr/>
-          </p:nvSpPr>
-          <p:spPr>
-            <a:xfrm>
-              <a:off x="3283824" y="0"/>
-              <a:ext cx="2573443" cy="2573443"/>
-            </a:xfrm>
-            <a:prstGeom prst="ellipse">
-              <a:avLst/>
-            </a:prstGeom>
-            <a:solidFill>
-              <a:schemeClr val="accent1">
-                <a:lumMod val="40000"/>
-                <a:lumOff val="60000"/>
-              </a:schemeClr>
-            </a:solidFill>
-            <a:ln>
-              <a:noFill/>
-            </a:ln>
-          </p:spPr>
-          <p:style>
-            <a:lnRef idx="2">
-              <a:schemeClr val="accent1">
-                <a:shade val="50000"/>
-              </a:schemeClr>
-            </a:lnRef>
-            <a:fillRef idx="1">
-              <a:schemeClr val="accent1"/>
-            </a:fillRef>
-            <a:effectRef idx="0">
-              <a:schemeClr val="accent1"/>
-            </a:effectRef>
-            <a:fontRef idx="minor">
-              <a:schemeClr val="lt1"/>
-            </a:fontRef>
-          </p:style>
-          <p:txBody>
-            <a:bodyPr rtlCol="0" anchor="ctr"/>
-            <a:lstStyle/>
-            <a:p>
-              <a:pPr algn="ctr"/>
-              <a:endParaRPr lang="en-DE"/>
-            </a:p>
-          </p:txBody>
-        </p:sp>
-        <p:sp>
-          <p:nvSpPr>
-            <p:cNvPr id="15" name="Oval 14">
-              <a:extLst>
-                <a:ext uri="{FF2B5EF4-FFF2-40B4-BE49-F238E27FC236}">
-                  <a16:creationId xmlns:a16="http://schemas.microsoft.com/office/drawing/2014/main" id="{1F82C0BB-7F4C-B6DC-8B80-5BE387960F09}"/>
-                </a:ext>
-              </a:extLst>
-            </p:cNvPr>
-            <p:cNvSpPr/>
-            <p:nvPr/>
-          </p:nvSpPr>
-          <p:spPr>
-            <a:xfrm>
-              <a:off x="3283819" y="2570605"/>
-              <a:ext cx="2573443" cy="2573443"/>
-            </a:xfrm>
-            <a:prstGeom prst="ellipse">
-              <a:avLst/>
-            </a:prstGeom>
-            <a:solidFill>
-              <a:srgbClr val="92D050"/>
-            </a:solidFill>
-            <a:ln>
-              <a:noFill/>
-            </a:ln>
-          </p:spPr>
-          <p:style>
-            <a:lnRef idx="2">
-              <a:schemeClr val="accent1">
-                <a:shade val="50000"/>
-              </a:schemeClr>
-            </a:lnRef>
-            <a:fillRef idx="1">
-              <a:schemeClr val="accent1"/>
-            </a:fillRef>
-            <a:effectRef idx="0">
-              <a:schemeClr val="accent1"/>
-            </a:effectRef>
-            <a:fontRef idx="minor">
-              <a:schemeClr val="lt1"/>
-            </a:fontRef>
-          </p:style>
-          <p:txBody>
-            <a:bodyPr rtlCol="0" anchor="ctr"/>
-            <a:lstStyle/>
-            <a:p>
-              <a:pPr algn="ctr"/>
-              <a:endParaRPr lang="en-DE"/>
-            </a:p>
-          </p:txBody>
-        </p:sp>
-      </p:grpSp>
       <p:sp>
         <p:nvSpPr>
           <p:cNvPr id="17" name="Rectangle: Rounded Corners 16">
@@ -27234,7 +29619,7 @@
             <a:avLst/>
           </a:prstGeom>
           <a:solidFill>
-            <a:srgbClr val="00823B"/>
+            <a:srgbClr val="00B050"/>
           </a:solidFill>
           <a:ln>
             <a:solidFill>
@@ -27424,16 +29809,25 @@
     </p:spTree>
     <p:extLst>
       <p:ext uri="{BB962C8B-B14F-4D97-AF65-F5344CB8AC3E}">
-        <p14:creationId xmlns:p14="http://schemas.microsoft.com/office/powerpoint/2010/main" val="4069252361"/>
+        <p14:creationId xmlns:p14="http://schemas.microsoft.com/office/powerpoint/2010/main" val="3137300428"/>
       </p:ext>
     </p:extLst>
   </p:cSld>
   <p:clrMapOvr>
     <a:masterClrMapping/>
   </p:clrMapOvr>
-  <p:transition spd="slow">
-    <p:push dir="u"/>
-  </p:transition>
+  <mc:AlternateContent xmlns:mc="http://schemas.openxmlformats.org/markup-compatibility/2006" xmlns:p159="http://schemas.microsoft.com/office/powerpoint/2015/09/main">
+    <mc:Choice Requires="p159">
+      <p:transition xmlns:p14="http://schemas.microsoft.com/office/powerpoint/2010/main" spd="slow" p14:dur="2000">
+        <p159:morph option="byObject"/>
+      </p:transition>
+    </mc:Choice>
+    <mc:Fallback xmlns="">
+      <p:transition spd="slow">
+        <p:fade/>
+      </p:transition>
+    </mc:Fallback>
+  </mc:AlternateContent>
   <p:timing>
     <p:tnLst>
       <p:par>
@@ -27446,6 +29840,9 @@
                     <p:cTn id="3" fill="hold">
                       <p:stCondLst>
                         <p:cond delay="indefinite"/>
+                        <p:cond evt="onBegin" delay="0">
+                          <p:tn val="2"/>
+                        </p:cond>
                       </p:stCondLst>
                       <p:childTnLst>
                         <p:par>
@@ -27455,7 +29852,7 @@
                             </p:stCondLst>
                             <p:childTnLst>
                               <p:par>
-                                <p:cTn id="5" presetID="1" presetClass="exit" presetSubtype="0" fill="hold" grpId="0" nodeType="clickEffect">
+                                <p:cTn id="5" presetID="1" presetClass="entr" presetSubtype="0" fill="hold" grpId="0" nodeType="withEffect">
                                   <p:stCondLst>
                                     <p:cond delay="0"/>
                                   </p:stCondLst>
@@ -27468,48 +29865,39 @@
                                           </p:stCondLst>
                                         </p:cTn>
                                         <p:tgtEl>
-                                          <p:spTgt spid="19"/>
+                                          <p:spTgt spid="26"/>
                                         </p:tgtEl>
                                         <p:attrNameLst>
                                           <p:attrName>style.visibility</p:attrName>
                                         </p:attrNameLst>
                                       </p:cBhvr>
                                       <p:to>
-                                        <p:strVal val="hidden"/>
+                                        <p:strVal val="visible"/>
                                       </p:to>
                                     </p:set>
                                   </p:childTnLst>
                                 </p:cTn>
                               </p:par>
+                            </p:childTnLst>
+                          </p:cTn>
+                        </p:par>
+                      </p:childTnLst>
+                    </p:cTn>
+                  </p:par>
+                  <p:par>
+                    <p:cTn id="7" fill="hold">
+                      <p:stCondLst>
+                        <p:cond delay="indefinite"/>
+                      </p:stCondLst>
+                      <p:childTnLst>
+                        <p:par>
+                          <p:cTn id="8" fill="hold">
+                            <p:stCondLst>
+                              <p:cond delay="0"/>
+                            </p:stCondLst>
+                            <p:childTnLst>
                               <p:par>
-                                <p:cTn id="7" presetID="1" presetClass="exit" presetSubtype="0" fill="hold" grpId="0" nodeType="withEffect">
-                                  <p:stCondLst>
-                                    <p:cond delay="0"/>
-                                  </p:stCondLst>
-                                  <p:childTnLst>
-                                    <p:set>
-                                      <p:cBhvr>
-                                        <p:cTn id="8" dur="1" fill="hold">
-                                          <p:stCondLst>
-                                            <p:cond delay="0"/>
-                                          </p:stCondLst>
-                                        </p:cTn>
-                                        <p:tgtEl>
-                                          <p:spTgt spid="20"/>
-                                        </p:tgtEl>
-                                        <p:attrNameLst>
-                                          <p:attrName>style.visibility</p:attrName>
-                                        </p:attrNameLst>
-                                      </p:cBhvr>
-                                      <p:to>
-                                        <p:strVal val="hidden"/>
-                                      </p:to>
-                                    </p:set>
-                                  </p:childTnLst>
-                                </p:cTn>
-                              </p:par>
-                              <p:par>
-                                <p:cTn id="9" presetID="1" presetClass="exit" presetSubtype="0" fill="hold" grpId="0" nodeType="withEffect">
+                                <p:cTn id="9" presetID="1" presetClass="exit" presetSubtype="0" fill="hold" grpId="0" nodeType="clickEffect">
                                   <p:stCondLst>
                                     <p:cond delay="0"/>
                                   </p:stCondLst>
@@ -27522,7 +29910,7 @@
                                           </p:stCondLst>
                                         </p:cTn>
                                         <p:tgtEl>
-                                          <p:spTgt spid="18"/>
+                                          <p:spTgt spid="19"/>
                                         </p:tgtEl>
                                         <p:attrNameLst>
                                           <p:attrName>style.visibility</p:attrName>
@@ -27549,6 +29937,60 @@
                                           </p:stCondLst>
                                         </p:cTn>
                                         <p:tgtEl>
+                                          <p:spTgt spid="20"/>
+                                        </p:tgtEl>
+                                        <p:attrNameLst>
+                                          <p:attrName>style.visibility</p:attrName>
+                                        </p:attrNameLst>
+                                      </p:cBhvr>
+                                      <p:to>
+                                        <p:strVal val="hidden"/>
+                                      </p:to>
+                                    </p:set>
+                                  </p:childTnLst>
+                                </p:cTn>
+                              </p:par>
+                              <p:par>
+                                <p:cTn id="13" presetID="1" presetClass="exit" presetSubtype="0" fill="hold" grpId="0" nodeType="withEffect">
+                                  <p:stCondLst>
+                                    <p:cond delay="0"/>
+                                  </p:stCondLst>
+                                  <p:childTnLst>
+                                    <p:set>
+                                      <p:cBhvr>
+                                        <p:cTn id="14" dur="1" fill="hold">
+                                          <p:stCondLst>
+                                            <p:cond delay="0"/>
+                                          </p:stCondLst>
+                                        </p:cTn>
+                                        <p:tgtEl>
+                                          <p:spTgt spid="18"/>
+                                        </p:tgtEl>
+                                        <p:attrNameLst>
+                                          <p:attrName>style.visibility</p:attrName>
+                                        </p:attrNameLst>
+                                      </p:cBhvr>
+                                      <p:to>
+                                        <p:strVal val="hidden"/>
+                                      </p:to>
+                                    </p:set>
+                                  </p:childTnLst>
+                                </p:cTn>
+                              </p:par>
+                              <p:par>
+                                <p:cTn id="15" presetID="1" presetClass="exit" presetSubtype="0" fill="hold" grpId="0" nodeType="withEffect">
+                                  <p:stCondLst>
+                                    <p:cond delay="0"/>
+                                  </p:stCondLst>
+                                  <p:childTnLst>
+                                    <p:set>
+                                      <p:cBhvr>
+                                        <p:cTn id="16" dur="1" fill="hold">
+                                          <p:stCondLst>
+                                            <p:cond delay="0"/>
+                                          </p:stCondLst>
+                                        </p:cTn>
+                                        <p:tgtEl>
                                           <p:spTgt spid="17"/>
                                         </p:tgtEl>
                                         <p:attrNameLst>
@@ -27563,23 +30005,23 @@
                                 </p:cTn>
                               </p:par>
                               <p:par>
-                                <p:cTn id="13" presetID="42" presetClass="path" presetSubtype="0" accel="50000" decel="50000" fill="hold" nodeType="withEffect">
+                                <p:cTn id="17" presetID="42" presetClass="path" presetSubtype="0" accel="50000" decel="50000" fill="hold" nodeType="withEffect">
                                   <p:stCondLst>
                                     <p:cond delay="0"/>
                                   </p:stCondLst>
                                   <p:childTnLst>
-                                    <p:animMotion origin="layout" path="M 1.38889E-6 0 L 0.51684 -0.00031 " pathEditMode="relative" rAng="0" ptsTypes="AA">
+                                    <p:animMotion origin="layout" path="M 3.61111E-6 -1.48148E-6 L 0.52604 -0.00031 " pathEditMode="relative" rAng="0" ptsTypes="AA">
                                       <p:cBhvr>
-                                        <p:cTn id="14" dur="2000" fill="hold"/>
+                                        <p:cTn id="18" dur="2000" fill="hold"/>
                                         <p:tgtEl>
-                                          <p:spTgt spid="21"/>
+                                          <p:spTgt spid="11"/>
                                         </p:tgtEl>
                                         <p:attrNameLst>
                                           <p:attrName>ppt_x</p:attrName>
                                           <p:attrName>ppt_y</p:attrName>
                                         </p:attrNameLst>
                                       </p:cBhvr>
-                                      <p:rCtr x="25833" y="-31"/>
+                                      <p:rCtr x="26302" y="-31"/>
                                     </p:animMotion>
                                   </p:childTnLst>
                                 </p:cTn>
@@ -27612,6 +30054,7 @@
       </p:par>
     </p:tnLst>
     <p:bldLst>
+      <p:bldP spid="26" grpId="0" animBg="1"/>
       <p:bldP spid="17" grpId="0" animBg="1"/>
       <p:bldP spid="18" grpId="0"/>
       <p:bldP spid="19" grpId="0"/>
@@ -27621,7 +30064,7 @@
 </p:sld>
 </file>
 
-<file path=ppt/slides/slide7.xml><?xml version="1.0" encoding="utf-8"?>
+<file path=ppt/slides/slide8.xml><?xml version="1.0" encoding="utf-8"?>
 <p:sld xmlns:a="http://schemas.openxmlformats.org/drawingml/2006/main" xmlns:r="http://schemas.openxmlformats.org/officeDocument/2006/relationships" xmlns:p="http://schemas.openxmlformats.org/presentationml/2006/main">
   <p:cSld>
     <p:spTree>
@@ -27963,32 +30406,33 @@
           </a:bodyPr>
           <a:lstStyle/>
           <a:p>
-            <a:pPr marL="0" lvl="0" indent="0" algn="l" rtl="0">
-              <a:spcBef>
-                <a:spcPts val="0"/>
-              </a:spcBef>
-              <a:spcAft>
-                <a:spcPts val="0"/>
-              </a:spcAft>
+            <a:pPr marL="114300" lvl="0" indent="0">
               <a:buNone/>
             </a:pPr>
             <a:r>
-              <a:rPr lang="en-GB" sz="3200" dirty="0">
+              <a:rPr lang="en-US" sz="3200" dirty="0">
                 <a:solidFill>
                   <a:schemeClr val="bg1"/>
                 </a:solidFill>
-                <a:latin typeface="Calibri" panose="020F0502020204030204" pitchFamily="34" charset="0"/>
-                <a:cs typeface="Calibri" panose="020F0502020204030204" pitchFamily="34" charset="0"/>
               </a:rPr>
-              <a:t>Our test project …</a:t>
+              <a:t>Can you guess the </a:t>
             </a:r>
-            <a:endParaRPr sz="3200" dirty="0">
-              <a:solidFill>
-                <a:schemeClr val="bg1"/>
-              </a:solidFill>
-              <a:latin typeface="Calibri" panose="020F0502020204030204" pitchFamily="34" charset="0"/>
-              <a:cs typeface="Calibri" panose="020F0502020204030204" pitchFamily="34" charset="0"/>
-            </a:endParaRPr>
+            <a:r>
+              <a:rPr lang="en-US" sz="3200" dirty="0" err="1">
+                <a:solidFill>
+                  <a:schemeClr val="bg1"/>
+                </a:solidFill>
+              </a:rPr>
+              <a:t>pokémon</a:t>
+            </a:r>
+            <a:r>
+              <a:rPr lang="en-US" sz="3200" dirty="0">
+                <a:solidFill>
+                  <a:schemeClr val="bg1"/>
+                </a:solidFill>
+              </a:rPr>
+              <a:t> types?</a:t>
+            </a:r>
           </a:p>
         </p:txBody>
       </p:sp>
@@ -28026,30 +30470,11 @@
             <a:pPr marL="114300" lvl="0" indent="0">
               <a:buNone/>
             </a:pPr>
-            <a:r>
-              <a:rPr lang="en-US" sz="2200" dirty="0">
-                <a:solidFill>
-                  <a:schemeClr val="bg1"/>
-                </a:solidFill>
-              </a:rPr>
-              <a:t>Can you guess the </a:t>
-            </a:r>
-            <a:r>
-              <a:rPr lang="en-US" sz="2200" dirty="0" err="1">
-                <a:solidFill>
-                  <a:schemeClr val="bg1"/>
-                </a:solidFill>
-              </a:rPr>
-              <a:t>pokémon</a:t>
-            </a:r>
-            <a:r>
-              <a:rPr lang="en-US" sz="2200" dirty="0">
-                <a:solidFill>
-                  <a:schemeClr val="bg1"/>
-                </a:solidFill>
-              </a:rPr>
-              <a:t> types?</a:t>
-            </a:r>
+            <a:endParaRPr lang="en-US" sz="2200" dirty="0">
+              <a:solidFill>
+                <a:schemeClr val="bg1"/>
+              </a:solidFill>
+            </a:endParaRPr>
           </a:p>
           <a:p>
             <a:pPr marL="114300" lvl="0" indent="0">
@@ -28128,7 +30553,7 @@
         </p:blipFill>
         <p:spPr>
           <a:xfrm>
-            <a:off x="397684" y="1460466"/>
+            <a:off x="238616" y="1154366"/>
             <a:ext cx="1143160" cy="1143160"/>
           </a:xfrm>
           <a:prstGeom prst="rect">
@@ -28158,7 +30583,7 @@
         </p:blipFill>
         <p:spPr>
           <a:xfrm>
-            <a:off x="2205486" y="1725946"/>
+            <a:off x="2199229" y="1799180"/>
             <a:ext cx="1143000" cy="1143000"/>
           </a:xfrm>
           <a:prstGeom prst="rect">
@@ -28188,7 +30613,7 @@
         </p:blipFill>
         <p:spPr>
           <a:xfrm>
-            <a:off x="3445307" y="1460626"/>
+            <a:off x="3729212" y="975849"/>
             <a:ext cx="1143000" cy="1143000"/>
           </a:xfrm>
           <a:prstGeom prst="rect">
@@ -28218,7 +30643,7 @@
         </p:blipFill>
         <p:spPr>
           <a:xfrm>
-            <a:off x="4462575" y="1634232"/>
+            <a:off x="4862653" y="1463115"/>
             <a:ext cx="1143160" cy="1143160"/>
           </a:xfrm>
           <a:prstGeom prst="rect">
@@ -28278,7 +30703,7 @@
         </p:blipFill>
         <p:spPr>
           <a:xfrm>
-            <a:off x="1256044" y="1427445"/>
+            <a:off x="1284719" y="1190943"/>
             <a:ext cx="1143160" cy="1143160"/>
           </a:xfrm>
           <a:prstGeom prst="rect">
@@ -28316,6 +30741,9 @@
                     <p:cTn id="3" fill="hold">
                       <p:stCondLst>
                         <p:cond delay="indefinite"/>
+                        <p:cond evt="onBegin" delay="0">
+                          <p:tn val="2"/>
+                        </p:cond>
                       </p:stCondLst>
                       <p:childTnLst>
                         <p:par>
@@ -28325,7 +30753,7 @@
                             </p:stCondLst>
                             <p:childTnLst>
                               <p:par>
-                                <p:cTn id="5" presetID="1" presetClass="entr" presetSubtype="0" fill="hold" nodeType="clickEffect">
+                                <p:cTn id="5" presetID="1" presetClass="entr" presetSubtype="0" fill="hold" nodeType="withEffect">
                                   <p:stCondLst>
                                     <p:cond delay="0"/>
                                   </p:stCondLst>
@@ -28338,11 +30766,7 @@
                                           </p:stCondLst>
                                         </p:cTn>
                                         <p:tgtEl>
-                                          <p:spTgt spid="4">
-                                            <p:txEl>
-                                              <p:pRg st="0" end="0"/>
-                                            </p:txEl>
-                                          </p:spTgt>
+                                          <p:spTgt spid="6"/>
                                         </p:tgtEl>
                                         <p:attrNameLst>
                                           <p:attrName>style.visibility</p:attrName>
@@ -28369,7 +30793,7 @@
                                           </p:stCondLst>
                                         </p:cTn>
                                         <p:tgtEl>
-                                          <p:spTgt spid="6"/>
+                                          <p:spTgt spid="23"/>
                                         </p:tgtEl>
                                         <p:attrNameLst>
                                           <p:attrName>style.visibility</p:attrName>
@@ -28396,7 +30820,7 @@
                                           </p:stCondLst>
                                         </p:cTn>
                                         <p:tgtEl>
-                                          <p:spTgt spid="23"/>
+                                          <p:spTgt spid="25"/>
                                         </p:tgtEl>
                                         <p:attrNameLst>
                                           <p:attrName>style.visibility</p:attrName>
@@ -28423,7 +30847,7 @@
                                           </p:stCondLst>
                                         </p:cTn>
                                         <p:tgtEl>
-                                          <p:spTgt spid="25"/>
+                                          <p:spTgt spid="10"/>
                                         </p:tgtEl>
                                         <p:attrNameLst>
                                           <p:attrName>style.visibility</p:attrName>
@@ -28450,7 +30874,7 @@
                                           </p:stCondLst>
                                         </p:cTn>
                                         <p:tgtEl>
-                                          <p:spTgt spid="10"/>
+                                          <p:spTgt spid="12"/>
                                         </p:tgtEl>
                                         <p:attrNameLst>
                                           <p:attrName>style.visibility</p:attrName>
@@ -28477,33 +30901,6 @@
                                           </p:stCondLst>
                                         </p:cTn>
                                         <p:tgtEl>
-                                          <p:spTgt spid="12"/>
-                                        </p:tgtEl>
-                                        <p:attrNameLst>
-                                          <p:attrName>style.visibility</p:attrName>
-                                        </p:attrNameLst>
-                                      </p:cBhvr>
-                                      <p:to>
-                                        <p:strVal val="visible"/>
-                                      </p:to>
-                                    </p:set>
-                                  </p:childTnLst>
-                                </p:cTn>
-                              </p:par>
-                              <p:par>
-                                <p:cTn id="17" presetID="1" presetClass="entr" presetSubtype="0" fill="hold" nodeType="withEffect">
-                                  <p:stCondLst>
-                                    <p:cond delay="0"/>
-                                  </p:stCondLst>
-                                  <p:childTnLst>
-                                    <p:set>
-                                      <p:cBhvr>
-                                        <p:cTn id="18" dur="1" fill="hold">
-                                          <p:stCondLst>
-                                            <p:cond delay="0"/>
-                                          </p:stCondLst>
-                                        </p:cTn>
-                                        <p:tgtEl>
                                           <p:spTgt spid="21"/>
                                         </p:tgtEl>
                                         <p:attrNameLst>
@@ -28524,26 +30921,26 @@
                     </p:cTn>
                   </p:par>
                   <p:par>
-                    <p:cTn id="19" fill="hold">
+                    <p:cTn id="17" fill="hold">
                       <p:stCondLst>
                         <p:cond delay="indefinite"/>
                       </p:stCondLst>
                       <p:childTnLst>
                         <p:par>
-                          <p:cTn id="20" fill="hold">
+                          <p:cTn id="18" fill="hold">
                             <p:stCondLst>
                               <p:cond delay="0"/>
                             </p:stCondLst>
                             <p:childTnLst>
                               <p:par>
-                                <p:cTn id="21" presetID="1" presetClass="entr" presetSubtype="0" fill="hold" nodeType="clickEffect">
+                                <p:cTn id="19" presetID="1" presetClass="entr" presetSubtype="0" fill="hold" nodeType="clickEffect">
                                   <p:stCondLst>
                                     <p:cond delay="0"/>
                                   </p:stCondLst>
                                   <p:childTnLst>
                                     <p:set>
                                       <p:cBhvr>
-                                        <p:cTn id="22" dur="1" fill="hold">
+                                        <p:cTn id="20" dur="1" fill="hold">
                                           <p:stCondLst>
                                             <p:cond delay="0"/>
                                           </p:stCondLst>
@@ -28597,7 +30994,7 @@
 </p:sld>
 </file>
 
-<file path=ppt/slides/slide8.xml><?xml version="1.0" encoding="utf-8"?>
+<file path=ppt/slides/slide9.xml><?xml version="1.0" encoding="utf-8"?>
 <p:sld xmlns:a="http://schemas.openxmlformats.org/drawingml/2006/main" xmlns:r="http://schemas.openxmlformats.org/officeDocument/2006/relationships" xmlns:p="http://schemas.openxmlformats.org/presentationml/2006/main">
   <p:cSld>
     <p:spTree>
@@ -30665,755 +33062,6 @@
 </p:sld>
 </file>
 
-<file path=ppt/slides/slide9.xml><?xml version="1.0" encoding="utf-8"?>
-<p:sld xmlns:a="http://schemas.openxmlformats.org/drawingml/2006/main" xmlns:r="http://schemas.openxmlformats.org/officeDocument/2006/relationships" xmlns:p="http://schemas.openxmlformats.org/presentationml/2006/main">
-  <p:cSld>
-    <p:spTree>
-      <p:nvGrpSpPr>
-        <p:cNvPr id="1" name="Shape 95"/>
-        <p:cNvGrpSpPr/>
-        <p:nvPr/>
-      </p:nvGrpSpPr>
-      <p:grpSpPr>
-        <a:xfrm>
-          <a:off x="0" y="0"/>
-          <a:ext cx="0" cy="0"/>
-          <a:chOff x="0" y="0"/>
-          <a:chExt cx="0" cy="0"/>
-        </a:xfrm>
-      </p:grpSpPr>
-      <p:sp>
-        <p:nvSpPr>
-          <p:cNvPr id="16" name="Rectangle 15">
-            <a:extLst>
-              <a:ext uri="{FF2B5EF4-FFF2-40B4-BE49-F238E27FC236}">
-                <a16:creationId xmlns:a16="http://schemas.microsoft.com/office/drawing/2014/main" id="{52CE0803-3970-0725-B548-0EC13D3C0E6F}"/>
-              </a:ext>
-            </a:extLst>
-          </p:cNvPr>
-          <p:cNvSpPr/>
-          <p:nvPr/>
-        </p:nvSpPr>
-        <p:spPr>
-          <a:xfrm>
-            <a:off x="0" y="0"/>
-            <a:ext cx="9144000" cy="5143500"/>
-          </a:xfrm>
-          <a:prstGeom prst="rect">
-            <a:avLst/>
-          </a:prstGeom>
-          <a:noFill/>
-          <a:ln>
-            <a:solidFill>
-              <a:schemeClr val="tx1"/>
-            </a:solidFill>
-          </a:ln>
-        </p:spPr>
-        <p:style>
-          <a:lnRef idx="2">
-            <a:schemeClr val="accent1">
-              <a:shade val="50000"/>
-            </a:schemeClr>
-          </a:lnRef>
-          <a:fillRef idx="1">
-            <a:schemeClr val="accent1"/>
-          </a:fillRef>
-          <a:effectRef idx="0">
-            <a:schemeClr val="accent1"/>
-          </a:effectRef>
-          <a:fontRef idx="minor">
-            <a:schemeClr val="lt1"/>
-          </a:fontRef>
-        </p:style>
-        <p:txBody>
-          <a:bodyPr rtlCol="0" anchor="ctr"/>
-          <a:lstStyle/>
-          <a:p>
-            <a:pPr algn="ctr"/>
-            <a:endParaRPr lang="en-DE"/>
-          </a:p>
-        </p:txBody>
-      </p:sp>
-      <p:grpSp>
-        <p:nvGrpSpPr>
-          <p:cNvPr id="2" name="Group 1">
-            <a:extLst>
-              <a:ext uri="{FF2B5EF4-FFF2-40B4-BE49-F238E27FC236}">
-                <a16:creationId xmlns:a16="http://schemas.microsoft.com/office/drawing/2014/main" id="{35963617-8374-40E0-A0F0-AD44706BD865}"/>
-              </a:ext>
-            </a:extLst>
-          </p:cNvPr>
-          <p:cNvGrpSpPr/>
-          <p:nvPr/>
-        </p:nvGrpSpPr>
-        <p:grpSpPr>
-          <a:xfrm>
-            <a:off x="-596900" y="0"/>
-            <a:ext cx="16950774" cy="5144048"/>
-            <a:chOff x="-5346700" y="0"/>
-            <a:chExt cx="16950774" cy="5144048"/>
-          </a:xfrm>
-        </p:grpSpPr>
-        <p:sp>
-          <p:nvSpPr>
-            <p:cNvPr id="7" name="Rectangle 6">
-              <a:extLst>
-                <a:ext uri="{FF2B5EF4-FFF2-40B4-BE49-F238E27FC236}">
-                  <a16:creationId xmlns:a16="http://schemas.microsoft.com/office/drawing/2014/main" id="{6B8B48F1-C263-1FF0-30A4-D011331D725D}"/>
-                </a:ext>
-              </a:extLst>
-            </p:cNvPr>
-            <p:cNvSpPr/>
-            <p:nvPr/>
-          </p:nvSpPr>
-          <p:spPr>
-            <a:xfrm>
-              <a:off x="-5346700" y="2284"/>
-              <a:ext cx="9920159" cy="5141216"/>
-            </a:xfrm>
-            <a:prstGeom prst="rect">
-              <a:avLst/>
-            </a:prstGeom>
-            <a:solidFill>
-              <a:srgbClr val="92D050"/>
-            </a:solidFill>
-            <a:ln>
-              <a:noFill/>
-            </a:ln>
-          </p:spPr>
-          <p:style>
-            <a:lnRef idx="2">
-              <a:schemeClr val="accent1">
-                <a:shade val="50000"/>
-              </a:schemeClr>
-            </a:lnRef>
-            <a:fillRef idx="1">
-              <a:schemeClr val="accent1"/>
-            </a:fillRef>
-            <a:effectRef idx="0">
-              <a:schemeClr val="accent1"/>
-            </a:effectRef>
-            <a:fontRef idx="minor">
-              <a:schemeClr val="lt1"/>
-            </a:fontRef>
-          </p:style>
-          <p:txBody>
-            <a:bodyPr rtlCol="0" anchor="ctr"/>
-            <a:lstStyle/>
-            <a:p>
-              <a:pPr algn="ctr"/>
-              <a:endParaRPr lang="en-DE" dirty="0">
-                <a:solidFill>
-                  <a:schemeClr val="accent1">
-                    <a:lumMod val="20000"/>
-                    <a:lumOff val="80000"/>
-                  </a:schemeClr>
-                </a:solidFill>
-              </a:endParaRPr>
-            </a:p>
-          </p:txBody>
-        </p:sp>
-        <p:sp>
-          <p:nvSpPr>
-            <p:cNvPr id="8" name="Rectangle 7">
-              <a:extLst>
-                <a:ext uri="{FF2B5EF4-FFF2-40B4-BE49-F238E27FC236}">
-                  <a16:creationId xmlns:a16="http://schemas.microsoft.com/office/drawing/2014/main" id="{160CDC7C-1DF1-1086-5B61-B051388EC862}"/>
-                </a:ext>
-              </a:extLst>
-            </p:cNvPr>
-            <p:cNvSpPr/>
-            <p:nvPr/>
-          </p:nvSpPr>
-          <p:spPr>
-            <a:xfrm>
-              <a:off x="4573455" y="2278"/>
-              <a:ext cx="7030619" cy="5141216"/>
-            </a:xfrm>
-            <a:prstGeom prst="rect">
-              <a:avLst/>
-            </a:prstGeom>
-            <a:solidFill>
-              <a:schemeClr val="accent1">
-                <a:lumMod val="40000"/>
-                <a:lumOff val="60000"/>
-              </a:schemeClr>
-            </a:solidFill>
-            <a:ln>
-              <a:noFill/>
-            </a:ln>
-          </p:spPr>
-          <p:style>
-            <a:lnRef idx="2">
-              <a:schemeClr val="accent1">
-                <a:shade val="50000"/>
-              </a:schemeClr>
-            </a:lnRef>
-            <a:fillRef idx="1">
-              <a:schemeClr val="accent1"/>
-            </a:fillRef>
-            <a:effectRef idx="0">
-              <a:schemeClr val="accent1"/>
-            </a:effectRef>
-            <a:fontRef idx="minor">
-              <a:schemeClr val="lt1"/>
-            </a:fontRef>
-          </p:style>
-          <p:txBody>
-            <a:bodyPr rtlCol="0" anchor="ctr"/>
-            <a:lstStyle/>
-            <a:p>
-              <a:pPr algn="ctr"/>
-              <a:endParaRPr lang="en-DE" dirty="0"/>
-            </a:p>
-          </p:txBody>
-        </p:sp>
-        <p:sp>
-          <p:nvSpPr>
-            <p:cNvPr id="14" name="Oval 13">
-              <a:extLst>
-                <a:ext uri="{FF2B5EF4-FFF2-40B4-BE49-F238E27FC236}">
-                  <a16:creationId xmlns:a16="http://schemas.microsoft.com/office/drawing/2014/main" id="{C0174442-965A-F027-3455-17020BAA5563}"/>
-                </a:ext>
-              </a:extLst>
-            </p:cNvPr>
-            <p:cNvSpPr/>
-            <p:nvPr/>
-          </p:nvSpPr>
-          <p:spPr>
-            <a:xfrm>
-              <a:off x="3283824" y="0"/>
-              <a:ext cx="2573443" cy="2573443"/>
-            </a:xfrm>
-            <a:prstGeom prst="ellipse">
-              <a:avLst/>
-            </a:prstGeom>
-            <a:solidFill>
-              <a:schemeClr val="accent1">
-                <a:lumMod val="40000"/>
-                <a:lumOff val="60000"/>
-              </a:schemeClr>
-            </a:solidFill>
-            <a:ln>
-              <a:noFill/>
-            </a:ln>
-          </p:spPr>
-          <p:style>
-            <a:lnRef idx="2">
-              <a:schemeClr val="accent1">
-                <a:shade val="50000"/>
-              </a:schemeClr>
-            </a:lnRef>
-            <a:fillRef idx="1">
-              <a:schemeClr val="accent1"/>
-            </a:fillRef>
-            <a:effectRef idx="0">
-              <a:schemeClr val="accent1"/>
-            </a:effectRef>
-            <a:fontRef idx="minor">
-              <a:schemeClr val="lt1"/>
-            </a:fontRef>
-          </p:style>
-          <p:txBody>
-            <a:bodyPr rtlCol="0" anchor="ctr"/>
-            <a:lstStyle/>
-            <a:p>
-              <a:pPr algn="ctr"/>
-              <a:endParaRPr lang="en-DE"/>
-            </a:p>
-          </p:txBody>
-        </p:sp>
-        <p:sp>
-          <p:nvSpPr>
-            <p:cNvPr id="15" name="Oval 14">
-              <a:extLst>
-                <a:ext uri="{FF2B5EF4-FFF2-40B4-BE49-F238E27FC236}">
-                  <a16:creationId xmlns:a16="http://schemas.microsoft.com/office/drawing/2014/main" id="{1F82C0BB-7F4C-B6DC-8B80-5BE387960F09}"/>
-                </a:ext>
-              </a:extLst>
-            </p:cNvPr>
-            <p:cNvSpPr/>
-            <p:nvPr/>
-          </p:nvSpPr>
-          <p:spPr>
-            <a:xfrm>
-              <a:off x="3283819" y="2570605"/>
-              <a:ext cx="2573443" cy="2573443"/>
-            </a:xfrm>
-            <a:prstGeom prst="ellipse">
-              <a:avLst/>
-            </a:prstGeom>
-            <a:solidFill>
-              <a:srgbClr val="92D050"/>
-            </a:solidFill>
-            <a:ln>
-              <a:noFill/>
-            </a:ln>
-          </p:spPr>
-          <p:style>
-            <a:lnRef idx="2">
-              <a:schemeClr val="accent1">
-                <a:shade val="50000"/>
-              </a:schemeClr>
-            </a:lnRef>
-            <a:fillRef idx="1">
-              <a:schemeClr val="accent1"/>
-            </a:fillRef>
-            <a:effectRef idx="0">
-              <a:schemeClr val="accent1"/>
-            </a:effectRef>
-            <a:fontRef idx="minor">
-              <a:schemeClr val="lt1"/>
-            </a:fontRef>
-          </p:style>
-          <p:txBody>
-            <a:bodyPr rtlCol="0" anchor="ctr"/>
-            <a:lstStyle/>
-            <a:p>
-              <a:pPr algn="ctr"/>
-              <a:endParaRPr lang="en-DE"/>
-            </a:p>
-          </p:txBody>
-        </p:sp>
-      </p:grpSp>
-      <p:sp>
-        <p:nvSpPr>
-          <p:cNvPr id="3" name="Google Shape;96;p20">
-            <a:extLst>
-              <a:ext uri="{FF2B5EF4-FFF2-40B4-BE49-F238E27FC236}">
-                <a16:creationId xmlns:a16="http://schemas.microsoft.com/office/drawing/2014/main" id="{9294BA7F-CB96-1606-A646-CD249CD552C4}"/>
-              </a:ext>
-            </a:extLst>
-          </p:cNvPr>
-          <p:cNvSpPr txBox="1">
-            <a:spLocks noGrp="1"/>
-          </p:cNvSpPr>
-          <p:nvPr>
-            <p:ph type="title"/>
-          </p:nvPr>
-        </p:nvSpPr>
-        <p:spPr>
-          <a:xfrm>
-            <a:off x="311700" y="445025"/>
-            <a:ext cx="8520600" cy="572700"/>
-          </a:xfrm>
-          <a:prstGeom prst="rect">
-            <a:avLst/>
-          </a:prstGeom>
-        </p:spPr>
-        <p:txBody>
-          <a:bodyPr spcFirstLastPara="1" wrap="square" lIns="91425" tIns="91425" rIns="91425" bIns="91425" anchor="t" anchorCtr="0">
-            <a:noAutofit/>
-          </a:bodyPr>
-          <a:lstStyle/>
-          <a:p>
-            <a:pPr marL="0" lvl="0" indent="0" algn="l" rtl="0">
-              <a:spcBef>
-                <a:spcPts val="0"/>
-              </a:spcBef>
-              <a:spcAft>
-                <a:spcPts val="0"/>
-              </a:spcAft>
-              <a:buNone/>
-            </a:pPr>
-            <a:r>
-              <a:rPr lang="en-GB" sz="3200" dirty="0">
-                <a:solidFill>
-                  <a:schemeClr val="bg1"/>
-                </a:solidFill>
-                <a:latin typeface="Calibri" panose="020F0502020204030204" pitchFamily="34" charset="0"/>
-                <a:cs typeface="Calibri" panose="020F0502020204030204" pitchFamily="34" charset="0"/>
-              </a:rPr>
-              <a:t>How to approach Dataset search?</a:t>
-            </a:r>
-            <a:endParaRPr sz="3200" dirty="0">
-              <a:solidFill>
-                <a:schemeClr val="bg1"/>
-              </a:solidFill>
-              <a:latin typeface="Calibri" panose="020F0502020204030204" pitchFamily="34" charset="0"/>
-              <a:cs typeface="Calibri" panose="020F0502020204030204" pitchFamily="34" charset="0"/>
-            </a:endParaRPr>
-          </a:p>
-        </p:txBody>
-      </p:sp>
-      <p:sp>
-        <p:nvSpPr>
-          <p:cNvPr id="4" name="Google Shape;97;p20">
-            <a:extLst>
-              <a:ext uri="{FF2B5EF4-FFF2-40B4-BE49-F238E27FC236}">
-                <a16:creationId xmlns:a16="http://schemas.microsoft.com/office/drawing/2014/main" id="{4A80821F-95CB-81F7-4EB5-91C848CD2F42}"/>
-              </a:ext>
-            </a:extLst>
-          </p:cNvPr>
-          <p:cNvSpPr txBox="1">
-            <a:spLocks noGrp="1"/>
-          </p:cNvSpPr>
-          <p:nvPr>
-            <p:ph type="body" idx="1"/>
-          </p:nvPr>
-        </p:nvSpPr>
-        <p:spPr>
-          <a:xfrm>
-            <a:off x="311700" y="1191491"/>
-            <a:ext cx="8832300" cy="3647034"/>
-          </a:xfrm>
-          <a:prstGeom prst="rect">
-            <a:avLst/>
-          </a:prstGeom>
-        </p:spPr>
-        <p:txBody>
-          <a:bodyPr spcFirstLastPara="1" wrap="square" lIns="91425" tIns="91425" rIns="91425" bIns="91425" anchor="t" anchorCtr="0">
-            <a:noAutofit/>
-          </a:bodyPr>
-          <a:lstStyle/>
-          <a:p>
-            <a:pPr marL="114300" lvl="0" indent="0">
-              <a:buNone/>
-            </a:pPr>
-            <a:r>
-              <a:rPr lang="en-US" sz="2200" dirty="0">
-                <a:solidFill>
-                  <a:schemeClr val="bg1"/>
-                </a:solidFill>
-              </a:rPr>
-              <a:t>Define criteria beforehand.</a:t>
-            </a:r>
-          </a:p>
-          <a:p>
-            <a:pPr marL="114300" lvl="0" indent="0">
-              <a:buNone/>
-            </a:pPr>
-            <a:endParaRPr lang="en-US" sz="2200" dirty="0">
-              <a:solidFill>
-                <a:schemeClr val="bg1"/>
-              </a:solidFill>
-            </a:endParaRPr>
-          </a:p>
-          <a:p>
-            <a:pPr marL="114300" lvl="0" indent="0">
-              <a:buNone/>
-            </a:pPr>
-            <a:r>
-              <a:rPr lang="en-US" sz="2200" dirty="0">
-                <a:solidFill>
-                  <a:schemeClr val="bg1"/>
-                </a:solidFill>
-              </a:rPr>
-              <a:t>Keep a table of which datasets you’ve seen and whether they</a:t>
-            </a:r>
-            <a:br>
-              <a:rPr lang="en-US" sz="2200" dirty="0">
-                <a:solidFill>
-                  <a:schemeClr val="bg1"/>
-                </a:solidFill>
-              </a:rPr>
-            </a:br>
-            <a:r>
-              <a:rPr lang="en-US" sz="2200" dirty="0">
-                <a:solidFill>
-                  <a:schemeClr val="bg1"/>
-                </a:solidFill>
-              </a:rPr>
-              <a:t>fulfill criteria</a:t>
-            </a:r>
-          </a:p>
-          <a:p>
-            <a:pPr marL="114300" lvl="0" indent="0">
-              <a:buNone/>
-            </a:pPr>
-            <a:endParaRPr lang="en-US" sz="2200" dirty="0">
-              <a:solidFill>
-                <a:schemeClr val="bg1"/>
-              </a:solidFill>
-            </a:endParaRPr>
-          </a:p>
-          <a:p>
-            <a:pPr marL="114300" lvl="0" indent="0">
-              <a:buNone/>
-            </a:pPr>
-            <a:r>
-              <a:rPr lang="en-US" sz="2200" dirty="0">
-                <a:solidFill>
-                  <a:schemeClr val="bg1"/>
-                </a:solidFill>
-              </a:rPr>
-              <a:t>Don’t be afraid to open a notebook and dig in!</a:t>
-            </a:r>
-          </a:p>
-          <a:p>
-            <a:pPr marL="114300" lvl="0" indent="0">
-              <a:buNone/>
-            </a:pPr>
-            <a:endParaRPr lang="en-US" sz="2200" dirty="0">
-              <a:solidFill>
-                <a:schemeClr val="bg1"/>
-              </a:solidFill>
-            </a:endParaRPr>
-          </a:p>
-          <a:p>
-            <a:pPr marL="114300" lvl="0" indent="0">
-              <a:buNone/>
-            </a:pPr>
-            <a:r>
-              <a:rPr lang="en-US" sz="2200" dirty="0">
-                <a:solidFill>
-                  <a:schemeClr val="bg1"/>
-                </a:solidFill>
-              </a:rPr>
-              <a:t>Select and Reflect!</a:t>
-            </a:r>
-          </a:p>
-          <a:p>
-            <a:pPr marL="114300" lvl="0" indent="0">
-              <a:buNone/>
-            </a:pPr>
-            <a:endParaRPr lang="en-US" sz="2200" dirty="0">
-              <a:solidFill>
-                <a:schemeClr val="bg1"/>
-              </a:solidFill>
-            </a:endParaRPr>
-          </a:p>
-        </p:txBody>
-      </p:sp>
-    </p:spTree>
-    <p:extLst>
-      <p:ext uri="{BB962C8B-B14F-4D97-AF65-F5344CB8AC3E}">
-        <p14:creationId xmlns:p14="http://schemas.microsoft.com/office/powerpoint/2010/main" val="3209440895"/>
-      </p:ext>
-    </p:extLst>
-  </p:cSld>
-  <p:clrMapOvr>
-    <a:masterClrMapping/>
-  </p:clrMapOvr>
-  <p:timing>
-    <p:tnLst>
-      <p:par>
-        <p:cTn id="1" dur="indefinite" restart="never" nodeType="tmRoot">
-          <p:childTnLst>
-            <p:seq concurrent="1" nextAc="seek">
-              <p:cTn id="2" dur="indefinite" nodeType="mainSeq">
-                <p:childTnLst>
-                  <p:par>
-                    <p:cTn id="3" fill="hold">
-                      <p:stCondLst>
-                        <p:cond delay="indefinite"/>
-                      </p:stCondLst>
-                      <p:childTnLst>
-                        <p:par>
-                          <p:cTn id="4" fill="hold">
-                            <p:stCondLst>
-                              <p:cond delay="0"/>
-                            </p:stCondLst>
-                            <p:childTnLst>
-                              <p:par>
-                                <p:cTn id="5" presetID="1" presetClass="entr" presetSubtype="0" fill="hold" nodeType="clickEffect">
-                                  <p:stCondLst>
-                                    <p:cond delay="0"/>
-                                  </p:stCondLst>
-                                  <p:childTnLst>
-                                    <p:set>
-                                      <p:cBhvr>
-                                        <p:cTn id="6" dur="1" fill="hold">
-                                          <p:stCondLst>
-                                            <p:cond delay="0"/>
-                                          </p:stCondLst>
-                                        </p:cTn>
-                                        <p:tgtEl>
-                                          <p:spTgt spid="4">
-                                            <p:txEl>
-                                              <p:pRg st="0" end="0"/>
-                                            </p:txEl>
-                                          </p:spTgt>
-                                        </p:tgtEl>
-                                        <p:attrNameLst>
-                                          <p:attrName>style.visibility</p:attrName>
-                                        </p:attrNameLst>
-                                      </p:cBhvr>
-                                      <p:to>
-                                        <p:strVal val="visible"/>
-                                      </p:to>
-                                    </p:set>
-                                  </p:childTnLst>
-                                </p:cTn>
-                              </p:par>
-                            </p:childTnLst>
-                          </p:cTn>
-                        </p:par>
-                      </p:childTnLst>
-                    </p:cTn>
-                  </p:par>
-                  <p:par>
-                    <p:cTn id="7" fill="hold">
-                      <p:stCondLst>
-                        <p:cond delay="indefinite"/>
-                      </p:stCondLst>
-                      <p:childTnLst>
-                        <p:par>
-                          <p:cTn id="8" fill="hold">
-                            <p:stCondLst>
-                              <p:cond delay="0"/>
-                            </p:stCondLst>
-                            <p:childTnLst>
-                              <p:par>
-                                <p:cTn id="9" presetID="1" presetClass="entr" presetSubtype="0" fill="hold" nodeType="clickEffect">
-                                  <p:stCondLst>
-                                    <p:cond delay="0"/>
-                                  </p:stCondLst>
-                                  <p:childTnLst>
-                                    <p:set>
-                                      <p:cBhvr>
-                                        <p:cTn id="10" dur="1" fill="hold">
-                                          <p:stCondLst>
-                                            <p:cond delay="0"/>
-                                          </p:stCondLst>
-                                        </p:cTn>
-                                        <p:tgtEl>
-                                          <p:spTgt spid="4">
-                                            <p:txEl>
-                                              <p:pRg st="2" end="2"/>
-                                            </p:txEl>
-                                          </p:spTgt>
-                                        </p:tgtEl>
-                                        <p:attrNameLst>
-                                          <p:attrName>style.visibility</p:attrName>
-                                        </p:attrNameLst>
-                                      </p:cBhvr>
-                                      <p:to>
-                                        <p:strVal val="visible"/>
-                                      </p:to>
-                                    </p:set>
-                                  </p:childTnLst>
-                                </p:cTn>
-                              </p:par>
-                            </p:childTnLst>
-                          </p:cTn>
-                        </p:par>
-                      </p:childTnLst>
-                    </p:cTn>
-                  </p:par>
-                  <p:par>
-                    <p:cTn id="11" fill="hold">
-                      <p:stCondLst>
-                        <p:cond delay="indefinite"/>
-                      </p:stCondLst>
-                      <p:childTnLst>
-                        <p:par>
-                          <p:cTn id="12" fill="hold">
-                            <p:stCondLst>
-                              <p:cond delay="0"/>
-                            </p:stCondLst>
-                            <p:childTnLst>
-                              <p:par>
-                                <p:cTn id="13" presetID="1" presetClass="entr" presetSubtype="0" fill="hold" nodeType="clickEffect">
-                                  <p:stCondLst>
-                                    <p:cond delay="0"/>
-                                  </p:stCondLst>
-                                  <p:childTnLst>
-                                    <p:set>
-                                      <p:cBhvr>
-                                        <p:cTn id="14" dur="1" fill="hold">
-                                          <p:stCondLst>
-                                            <p:cond delay="0"/>
-                                          </p:stCondLst>
-                                        </p:cTn>
-                                        <p:tgtEl>
-                                          <p:spTgt spid="4">
-                                            <p:txEl>
-                                              <p:pRg st="4" end="4"/>
-                                            </p:txEl>
-                                          </p:spTgt>
-                                        </p:tgtEl>
-                                        <p:attrNameLst>
-                                          <p:attrName>style.visibility</p:attrName>
-                                        </p:attrNameLst>
-                                      </p:cBhvr>
-                                      <p:to>
-                                        <p:strVal val="visible"/>
-                                      </p:to>
-                                    </p:set>
-                                  </p:childTnLst>
-                                </p:cTn>
-                              </p:par>
-                            </p:childTnLst>
-                          </p:cTn>
-                        </p:par>
-                      </p:childTnLst>
-                    </p:cTn>
-                  </p:par>
-                  <p:par>
-                    <p:cTn id="15" fill="hold">
-                      <p:stCondLst>
-                        <p:cond delay="indefinite"/>
-                      </p:stCondLst>
-                      <p:childTnLst>
-                        <p:par>
-                          <p:cTn id="16" fill="hold">
-                            <p:stCondLst>
-                              <p:cond delay="0"/>
-                            </p:stCondLst>
-                            <p:childTnLst>
-                              <p:par>
-                                <p:cTn id="17" presetID="1" presetClass="entr" presetSubtype="0" fill="hold" nodeType="clickEffect">
-                                  <p:stCondLst>
-                                    <p:cond delay="0"/>
-                                  </p:stCondLst>
-                                  <p:childTnLst>
-                                    <p:set>
-                                      <p:cBhvr>
-                                        <p:cTn id="18" dur="1" fill="hold">
-                                          <p:stCondLst>
-                                            <p:cond delay="0"/>
-                                          </p:stCondLst>
-                                        </p:cTn>
-                                        <p:tgtEl>
-                                          <p:spTgt spid="4">
-                                            <p:txEl>
-                                              <p:pRg st="6" end="6"/>
-                                            </p:txEl>
-                                          </p:spTgt>
-                                        </p:tgtEl>
-                                        <p:attrNameLst>
-                                          <p:attrName>style.visibility</p:attrName>
-                                        </p:attrNameLst>
-                                      </p:cBhvr>
-                                      <p:to>
-                                        <p:strVal val="visible"/>
-                                      </p:to>
-                                    </p:set>
-                                  </p:childTnLst>
-                                </p:cTn>
-                              </p:par>
-                            </p:childTnLst>
-                          </p:cTn>
-                        </p:par>
-                      </p:childTnLst>
-                    </p:cTn>
-                  </p:par>
-                </p:childTnLst>
-              </p:cTn>
-              <p:prevCondLst>
-                <p:cond evt="onPrev" delay="0">
-                  <p:tgtEl>
-                    <p:sldTgt/>
-                  </p:tgtEl>
-                </p:cond>
-              </p:prevCondLst>
-              <p:nextCondLst>
-                <p:cond evt="onNext" delay="0">
-                  <p:tgtEl>
-                    <p:sldTgt/>
-                  </p:tgtEl>
-                </p:cond>
-              </p:nextCondLst>
-            </p:seq>
-          </p:childTnLst>
-        </p:cTn>
-      </p:par>
-    </p:tnLst>
-  </p:timing>
-</p:sld>
-</file>
-
 <file path=ppt/theme/theme1.xml><?xml version="1.0" encoding="utf-8"?>
 <a:theme xmlns:a="http://schemas.openxmlformats.org/drawingml/2006/main" name="Simple Light">
   <a:themeElements>

--- a/documentation/Session 1.pptx
+++ b/documentation/Session 1.pptx
@@ -24719,13 +24719,13 @@
   <p:clrMapOvr>
     <a:masterClrMapping/>
   </p:clrMapOvr>
-  <mc:AlternateContent xmlns:mc="http://schemas.openxmlformats.org/markup-compatibility/2006">
-    <mc:Choice xmlns:p14="http://schemas.microsoft.com/office/powerpoint/2010/main" Requires="p14">
+  <mc:AlternateContent xmlns:mc="http://schemas.openxmlformats.org/markup-compatibility/2006" xmlns:p14="http://schemas.microsoft.com/office/powerpoint/2010/main">
+    <mc:Choice Requires="p14">
       <p:transition spd="slow" p14:dur="800">
         <p14:flythrough dir="out"/>
       </p:transition>
     </mc:Choice>
-    <mc:Fallback>
+    <mc:Fallback xmlns="">
       <p:transition spd="slow">
         <p:fade/>
       </p:transition>
@@ -25612,7 +25612,7 @@
             <a:pPr marL="114300" indent="0">
               <a:buNone/>
             </a:pPr>
-            <a:endParaRPr lang="en-US" sz="2200" dirty="0">
+            <a:endParaRPr lang="en-US" sz="1000" dirty="0">
               <a:solidFill>
                 <a:schemeClr val="tx1"/>
               </a:solidFill>
@@ -25635,7 +25635,7 @@
             <a:pPr marL="114300" lvl="0" indent="0">
               <a:buNone/>
             </a:pPr>
-            <a:endParaRPr lang="en-US" sz="2200" dirty="0">
+            <a:endParaRPr lang="en-US" sz="1000" dirty="0">
               <a:solidFill>
                 <a:schemeClr val="tx1"/>
               </a:solidFill>
@@ -25680,6 +25680,29 @@
                 </a:solidFill>
               </a:rPr>
               <a:t>Specific libraries</a:t>
+            </a:r>
+          </a:p>
+          <a:p>
+            <a:pPr marL="114300" lvl="0" indent="0">
+              <a:buNone/>
+            </a:pPr>
+            <a:endParaRPr lang="en-US" sz="1000" dirty="0">
+              <a:solidFill>
+                <a:schemeClr val="tx1"/>
+              </a:solidFill>
+            </a:endParaRPr>
+          </a:p>
+          <a:p>
+            <a:pPr marL="114300" lvl="0" indent="0">
+              <a:buNone/>
+            </a:pPr>
+            <a:r>
+              <a:rPr lang="en-US" sz="2200" dirty="0">
+                <a:solidFill>
+                  <a:schemeClr val="tx1"/>
+                </a:solidFill>
+              </a:rPr>
+              <a:t>We will take attendance</a:t>
             </a:r>
           </a:p>
         </p:txBody>
@@ -26005,6 +26028,55 @@
                                           <p:spTgt spid="97">
                                             <p:txEl>
                                               <p:pRg st="8" end="8"/>
+                                            </p:txEl>
+                                          </p:spTgt>
+                                        </p:tgtEl>
+                                        <p:attrNameLst>
+                                          <p:attrName>style.visibility</p:attrName>
+                                        </p:attrNameLst>
+                                      </p:cBhvr>
+                                      <p:to>
+                                        <p:strVal val="visible"/>
+                                      </p:to>
+                                    </p:set>
+                                  </p:childTnLst>
+                                </p:cTn>
+                              </p:par>
+                            </p:childTnLst>
+                          </p:cTn>
+                        </p:par>
+                      </p:childTnLst>
+                    </p:cTn>
+                  </p:par>
+                  <p:par>
+                    <p:cTn id="23" fill="hold">
+                      <p:stCondLst>
+                        <p:cond delay="indefinite"/>
+                      </p:stCondLst>
+                      <p:childTnLst>
+                        <p:par>
+                          <p:cTn id="24" fill="hold">
+                            <p:stCondLst>
+                              <p:cond delay="0"/>
+                            </p:stCondLst>
+                            <p:childTnLst>
+                              <p:par>
+                                <p:cTn id="25" presetID="1" presetClass="entr" presetSubtype="0" fill="hold" nodeType="clickEffect">
+                                  <p:stCondLst>
+                                    <p:cond delay="0"/>
+                                  </p:stCondLst>
+                                  <p:childTnLst>
+                                    <p:set>
+                                      <p:cBhvr>
+                                        <p:cTn id="26" dur="1" fill="hold">
+                                          <p:stCondLst>
+                                            <p:cond delay="0"/>
+                                          </p:stCondLst>
+                                        </p:cTn>
+                                        <p:tgtEl>
+                                          <p:spTgt spid="97">
+                                            <p:txEl>
+                                              <p:pRg st="10" end="10"/>
                                             </p:txEl>
                                           </p:spTgt>
                                         </p:tgtEl>

--- a/documentation/Session 1.pptx
+++ b/documentation/Session 1.pptx
@@ -1744,7 +1744,15 @@
             </a:r>
             <a:r>
               <a:rPr lang="en-US" dirty="0"/>
-              <a:t>. This is an online environment that lets you edit and execute Python files and Jupiter notebooks. It comes with a generous teaching plan that gives you access to a cloud server that should be sufficient for small-scale machine learning projects. </a:t>
+              <a:t>. This is an online environment that lets you edit and execute Python files and Jupiter notebooks. It comes with a </a:t>
+            </a:r>
+            <a:r>
+              <a:rPr lang="en-US"/>
+              <a:t>free plan </a:t>
+            </a:r>
+            <a:r>
+              <a:rPr lang="en-US" dirty="0"/>
+              <a:t>that gives you access to a cloud server that should be sufficient for small-scale machine learning projects. </a:t>
             </a:r>
           </a:p>
           <a:p>
